--- a/Presentation/File System extension_initial presentation.pptx
+++ b/Presentation/File System extension_initial presentation.pptx
@@ -275,7 +275,7 @@
           <a:p>
             <a:fld id="{AC48E7B0-EC00-4138-BD16-7BD5FD72E830}" type="datetimeFigureOut">
               <a:rPr lang="de-CH" smtClean="0"/>
-              <a:t>27.03.2024</a:t>
+              <a:t>30.03.2024</a:t>
             </a:fld>
             <a:endParaRPr lang="de-CH"/>
           </a:p>
@@ -345,6 +345,22 @@
   <p:clrMapOvr>
     <a:masterClrMapping/>
   </p:clrMapOvr>
+  <p:extLst>
+    <p:ext uri="{DCECCB84-F9BA-43D5-87BE-67443E8EF086}">
+      <p15:sldGuideLst xmlns:p15="http://schemas.microsoft.com/office/powerpoint/2012/main">
+        <p15:guide id="1" orient="horz" pos="2160" userDrawn="1">
+          <p15:clr>
+            <a:srgbClr val="FBAE40"/>
+          </p15:clr>
+        </p15:guide>
+        <p15:guide id="2" pos="3840" userDrawn="1">
+          <p15:clr>
+            <a:srgbClr val="FBAE40"/>
+          </p15:clr>
+        </p15:guide>
+      </p15:sldGuideLst>
+    </p:ext>
+  </p:extLst>
 </p:sldLayout>
 </file>
 
@@ -475,7 +491,7 @@
           <a:p>
             <a:fld id="{AC48E7B0-EC00-4138-BD16-7BD5FD72E830}" type="datetimeFigureOut">
               <a:rPr lang="de-CH" smtClean="0"/>
-              <a:t>27.03.2024</a:t>
+              <a:t>30.03.2024</a:t>
             </a:fld>
             <a:endParaRPr lang="de-CH"/>
           </a:p>
@@ -685,7 +701,7 @@
           <a:p>
             <a:fld id="{AC48E7B0-EC00-4138-BD16-7BD5FD72E830}" type="datetimeFigureOut">
               <a:rPr lang="de-CH" smtClean="0"/>
-              <a:t>27.03.2024</a:t>
+              <a:t>30.03.2024</a:t>
             </a:fld>
             <a:endParaRPr lang="de-CH"/>
           </a:p>
@@ -885,7 +901,7 @@
           <a:p>
             <a:fld id="{AC48E7B0-EC00-4138-BD16-7BD5FD72E830}" type="datetimeFigureOut">
               <a:rPr lang="de-CH" smtClean="0"/>
-              <a:t>27.03.2024</a:t>
+              <a:t>30.03.2024</a:t>
             </a:fld>
             <a:endParaRPr lang="de-CH"/>
           </a:p>
@@ -1161,7 +1177,7 @@
           <a:p>
             <a:fld id="{AC48E7B0-EC00-4138-BD16-7BD5FD72E830}" type="datetimeFigureOut">
               <a:rPr lang="de-CH" smtClean="0"/>
-              <a:t>27.03.2024</a:t>
+              <a:t>30.03.2024</a:t>
             </a:fld>
             <a:endParaRPr lang="de-CH"/>
           </a:p>
@@ -1429,7 +1445,7 @@
           <a:p>
             <a:fld id="{AC48E7B0-EC00-4138-BD16-7BD5FD72E830}" type="datetimeFigureOut">
               <a:rPr lang="de-CH" smtClean="0"/>
-              <a:t>27.03.2024</a:t>
+              <a:t>30.03.2024</a:t>
             </a:fld>
             <a:endParaRPr lang="de-CH"/>
           </a:p>
@@ -1844,7 +1860,7 @@
           <a:p>
             <a:fld id="{AC48E7B0-EC00-4138-BD16-7BD5FD72E830}" type="datetimeFigureOut">
               <a:rPr lang="de-CH" smtClean="0"/>
-              <a:t>27.03.2024</a:t>
+              <a:t>30.03.2024</a:t>
             </a:fld>
             <a:endParaRPr lang="de-CH"/>
           </a:p>
@@ -1986,7 +2002,7 @@
           <a:p>
             <a:fld id="{AC48E7B0-EC00-4138-BD16-7BD5FD72E830}" type="datetimeFigureOut">
               <a:rPr lang="de-CH" smtClean="0"/>
-              <a:t>27.03.2024</a:t>
+              <a:t>30.03.2024</a:t>
             </a:fld>
             <a:endParaRPr lang="de-CH"/>
           </a:p>
@@ -2099,7 +2115,7 @@
           <a:p>
             <a:fld id="{AC48E7B0-EC00-4138-BD16-7BD5FD72E830}" type="datetimeFigureOut">
               <a:rPr lang="de-CH" smtClean="0"/>
-              <a:t>27.03.2024</a:t>
+              <a:t>30.03.2024</a:t>
             </a:fld>
             <a:endParaRPr lang="de-CH"/>
           </a:p>
@@ -2412,7 +2428,7 @@
           <a:p>
             <a:fld id="{AC48E7B0-EC00-4138-BD16-7BD5FD72E830}" type="datetimeFigureOut">
               <a:rPr lang="de-CH" smtClean="0"/>
-              <a:t>27.03.2024</a:t>
+              <a:t>30.03.2024</a:t>
             </a:fld>
             <a:endParaRPr lang="de-CH"/>
           </a:p>
@@ -2701,7 +2717,7 @@
           <a:p>
             <a:fld id="{AC48E7B0-EC00-4138-BD16-7BD5FD72E830}" type="datetimeFigureOut">
               <a:rPr lang="de-CH" smtClean="0"/>
-              <a:t>27.03.2024</a:t>
+              <a:t>30.03.2024</a:t>
             </a:fld>
             <a:endParaRPr lang="de-CH"/>
           </a:p>
@@ -2778,9 +2794,24 @@
 <p:sldMaster xmlns:a="http://schemas.openxmlformats.org/drawingml/2006/main" xmlns:r="http://schemas.openxmlformats.org/officeDocument/2006/relationships" xmlns:p="http://schemas.openxmlformats.org/presentationml/2006/main">
   <p:cSld>
     <p:bg>
-      <p:bgRef idx="1001">
-        <a:schemeClr val="bg1"/>
-      </p:bgRef>
+      <p:bgPr>
+        <a:gradFill flip="none" rotWithShape="1">
+          <a:gsLst>
+            <a:gs pos="0">
+              <a:srgbClr val="BA5C42"/>
+            </a:gs>
+            <a:gs pos="53000">
+              <a:srgbClr val="93404A"/>
+            </a:gs>
+            <a:gs pos="100000">
+              <a:srgbClr val="291029"/>
+            </a:gs>
+          </a:gsLst>
+          <a:lin ang="16800000" scaled="0"/>
+          <a:tileRect/>
+        </a:gradFill>
+        <a:effectLst/>
+      </p:bgPr>
     </p:bg>
     <p:spTree>
       <p:nvGrpSpPr>
@@ -2944,7 +2975,7 @@
           <a:p>
             <a:fld id="{AC48E7B0-EC00-4138-BD16-7BD5FD72E830}" type="datetimeFigureOut">
               <a:rPr lang="de-CH" smtClean="0"/>
-              <a:t>27.03.2024</a:t>
+              <a:t>30.03.2024</a:t>
             </a:fld>
             <a:endParaRPr lang="de-CH"/>
           </a:p>
@@ -3363,6 +3394,802 @@
       </p:grpSpPr>
       <p:sp>
         <p:nvSpPr>
+          <p:cNvPr id="3" name="Untertitel 2">
+            <a:extLst>
+              <a:ext uri="{FF2B5EF4-FFF2-40B4-BE49-F238E27FC236}">
+                <a16:creationId xmlns:a16="http://schemas.microsoft.com/office/drawing/2014/main" id="{BEE6FBFA-E575-2D63-6AA7-FF5CE777E292}"/>
+              </a:ext>
+            </a:extLst>
+          </p:cNvPr>
+          <p:cNvSpPr>
+            <a:spLocks noGrp="1"/>
+          </p:cNvSpPr>
+          <p:nvPr>
+            <p:ph type="subTitle" idx="1"/>
+          </p:nvPr>
+        </p:nvSpPr>
+        <p:spPr>
+          <a:xfrm>
+            <a:off x="2991556" y="5479563"/>
+            <a:ext cx="9144000" cy="1307621"/>
+          </a:xfrm>
+        </p:spPr>
+        <p:txBody>
+          <a:bodyPr>
+            <a:normAutofit lnSpcReduction="10000"/>
+          </a:bodyPr>
+          <a:lstStyle/>
+          <a:p>
+            <a:pPr algn="r"/>
+            <a:r>
+              <a:rPr lang="de-CH" dirty="0"/>
+              <a:t>04.04.2024</a:t>
+            </a:r>
+          </a:p>
+          <a:p>
+            <a:pPr algn="r"/>
+            <a:r>
+              <a:rPr lang="de-CH" dirty="0"/>
+              <a:t>Anna </a:t>
+            </a:r>
+            <a:r>
+              <a:rPr lang="de-CH" dirty="0" err="1"/>
+              <a:t>Pietzak</a:t>
+            </a:r>
+            <a:r>
+              <a:rPr lang="de-CH" dirty="0"/>
+              <a:t>, Timothy Roberts</a:t>
+            </a:r>
+          </a:p>
+          <a:p>
+            <a:pPr algn="r"/>
+            <a:r>
+              <a:rPr lang="de-CH" dirty="0"/>
+              <a:t>Operating Systems FS24</a:t>
+            </a:r>
+          </a:p>
+        </p:txBody>
+      </p:sp>
+      <p:sp>
+        <p:nvSpPr>
+          <p:cNvPr id="11" name="Rechteck 10">
+            <a:extLst>
+              <a:ext uri="{FF2B5EF4-FFF2-40B4-BE49-F238E27FC236}">
+                <a16:creationId xmlns:a16="http://schemas.microsoft.com/office/drawing/2014/main" id="{781D8180-7D38-7869-7AAA-AE3FAB0DC552}"/>
+              </a:ext>
+            </a:extLst>
+          </p:cNvPr>
+          <p:cNvSpPr/>
+          <p:nvPr/>
+        </p:nvSpPr>
+        <p:spPr>
+          <a:xfrm>
+            <a:off x="0" y="0"/>
+            <a:ext cx="491067" cy="6858000"/>
+          </a:xfrm>
+          <a:prstGeom prst="rect">
+            <a:avLst/>
+          </a:prstGeom>
+          <a:solidFill>
+            <a:srgbClr val="7B2420">
+              <a:alpha val="45000"/>
+            </a:srgbClr>
+          </a:solidFill>
+          <a:ln>
+            <a:noFill/>
+          </a:ln>
+        </p:spPr>
+        <p:style>
+          <a:lnRef idx="2">
+            <a:schemeClr val="accent1">
+              <a:shade val="15000"/>
+            </a:schemeClr>
+          </a:lnRef>
+          <a:fillRef idx="1">
+            <a:schemeClr val="accent1"/>
+          </a:fillRef>
+          <a:effectRef idx="0">
+            <a:schemeClr val="accent1"/>
+          </a:effectRef>
+          <a:fontRef idx="minor">
+            <a:schemeClr val="lt1"/>
+          </a:fontRef>
+        </p:style>
+        <p:txBody>
+          <a:bodyPr rtlCol="0" anchor="ctr"/>
+          <a:lstStyle/>
+          <a:p>
+            <a:pPr algn="ctr"/>
+            <a:endParaRPr lang="de-CH"/>
+          </a:p>
+        </p:txBody>
+      </p:sp>
+      <p:pic>
+        <p:nvPicPr>
+          <p:cNvPr id="5" name="Grafik 4" descr="Geöffneter Ordner mit einfarbiger Füllung">
+            <a:extLst>
+              <a:ext uri="{FF2B5EF4-FFF2-40B4-BE49-F238E27FC236}">
+                <a16:creationId xmlns:a16="http://schemas.microsoft.com/office/drawing/2014/main" id="{484ABC68-5DD4-11E1-2B5F-09EF9CEB4217}"/>
+              </a:ext>
+            </a:extLst>
+          </p:cNvPr>
+          <p:cNvPicPr>
+            <a:picLocks noChangeAspect="1"/>
+          </p:cNvPicPr>
+          <p:nvPr/>
+        </p:nvPicPr>
+        <p:blipFill>
+          <a:blip r:embed="rId2">
+            <a:extLst>
+              <a:ext uri="{28A0092B-C50C-407E-A947-70E740481C1C}">
+                <a14:useLocalDpi xmlns:a14="http://schemas.microsoft.com/office/drawing/2010/main" val="0"/>
+              </a:ext>
+              <a:ext uri="{96DAC541-7B7A-43D3-8B79-37D633B846F1}">
+                <asvg:svgBlip xmlns:asvg="http://schemas.microsoft.com/office/drawing/2016/SVG/main" r:embed="rId3"/>
+              </a:ext>
+            </a:extLst>
+          </a:blip>
+          <a:stretch>
+            <a:fillRect/>
+          </a:stretch>
+        </p:blipFill>
+        <p:spPr>
+          <a:xfrm>
+            <a:off x="-1099399" y="4802385"/>
+            <a:ext cx="914400" cy="914400"/>
+          </a:xfrm>
+          <a:prstGeom prst="rect">
+            <a:avLst/>
+          </a:prstGeom>
+        </p:spPr>
+      </p:pic>
+      <p:sp>
+        <p:nvSpPr>
+          <p:cNvPr id="8" name="Rechteck 7">
+            <a:extLst>
+              <a:ext uri="{FF2B5EF4-FFF2-40B4-BE49-F238E27FC236}">
+                <a16:creationId xmlns:a16="http://schemas.microsoft.com/office/drawing/2014/main" id="{FBB209AE-8B6A-4F1C-EF0C-8A2AA79F31FB}"/>
+              </a:ext>
+            </a:extLst>
+          </p:cNvPr>
+          <p:cNvSpPr/>
+          <p:nvPr/>
+        </p:nvSpPr>
+        <p:spPr>
+          <a:xfrm>
+            <a:off x="0" y="0"/>
+            <a:ext cx="12192000" cy="144624"/>
+          </a:xfrm>
+          <a:prstGeom prst="rect">
+            <a:avLst/>
+          </a:prstGeom>
+          <a:solidFill>
+            <a:srgbClr val="4F4F48"/>
+          </a:solidFill>
+          <a:ln>
+            <a:noFill/>
+          </a:ln>
+        </p:spPr>
+        <p:style>
+          <a:lnRef idx="2">
+            <a:schemeClr val="accent1">
+              <a:shade val="15000"/>
+            </a:schemeClr>
+          </a:lnRef>
+          <a:fillRef idx="1">
+            <a:schemeClr val="accent1"/>
+          </a:fillRef>
+          <a:effectRef idx="0">
+            <a:schemeClr val="accent1"/>
+          </a:effectRef>
+          <a:fontRef idx="minor">
+            <a:schemeClr val="lt1"/>
+          </a:fontRef>
+        </p:style>
+        <p:txBody>
+          <a:bodyPr rtlCol="0" anchor="ctr"/>
+          <a:lstStyle/>
+          <a:p>
+            <a:pPr algn="ctr"/>
+            <a:endParaRPr lang="de-CH"/>
+          </a:p>
+        </p:txBody>
+      </p:sp>
+      <p:pic>
+        <p:nvPicPr>
+          <p:cNvPr id="13" name="Grafik 12" descr="Zahnrad mit einfarbiger Füllung">
+            <a:extLst>
+              <a:ext uri="{FF2B5EF4-FFF2-40B4-BE49-F238E27FC236}">
+                <a16:creationId xmlns:a16="http://schemas.microsoft.com/office/drawing/2014/main" id="{1B24989E-BC26-2CAD-1C65-70D0FBA00C6D}"/>
+              </a:ext>
+            </a:extLst>
+          </p:cNvPr>
+          <p:cNvPicPr>
+            <a:picLocks noChangeAspect="1"/>
+          </p:cNvPicPr>
+          <p:nvPr/>
+        </p:nvPicPr>
+        <p:blipFill>
+          <a:blip r:embed="rId4">
+            <a:extLst>
+              <a:ext uri="{28A0092B-C50C-407E-A947-70E740481C1C}">
+                <a14:useLocalDpi xmlns:a14="http://schemas.microsoft.com/office/drawing/2010/main" val="0"/>
+              </a:ext>
+              <a:ext uri="{96DAC541-7B7A-43D3-8B79-37D633B846F1}">
+                <asvg:svgBlip xmlns:asvg="http://schemas.microsoft.com/office/drawing/2016/SVG/main" r:embed="rId5"/>
+              </a:ext>
+            </a:extLst>
+          </a:blip>
+          <a:stretch>
+            <a:fillRect/>
+          </a:stretch>
+        </p:blipFill>
+        <p:spPr>
+          <a:xfrm>
+            <a:off x="-4990" y="2092068"/>
+            <a:ext cx="504487" cy="504487"/>
+          </a:xfrm>
+          <a:prstGeom prst="rect">
+            <a:avLst/>
+          </a:prstGeom>
+        </p:spPr>
+      </p:pic>
+      <p:pic>
+        <p:nvPicPr>
+          <p:cNvPr id="15" name="Grafik 14" descr="Abfall mit einfarbiger Füllung">
+            <a:extLst>
+              <a:ext uri="{FF2B5EF4-FFF2-40B4-BE49-F238E27FC236}">
+                <a16:creationId xmlns:a16="http://schemas.microsoft.com/office/drawing/2014/main" id="{F4EDC813-8775-1DBE-AEEE-6349D904B6B6}"/>
+              </a:ext>
+            </a:extLst>
+          </p:cNvPr>
+          <p:cNvPicPr>
+            <a:picLocks noChangeAspect="1"/>
+          </p:cNvPicPr>
+          <p:nvPr/>
+        </p:nvPicPr>
+        <p:blipFill>
+          <a:blip r:embed="rId6">
+            <a:extLst>
+              <a:ext uri="{28A0092B-C50C-407E-A947-70E740481C1C}">
+                <a14:useLocalDpi xmlns:a14="http://schemas.microsoft.com/office/drawing/2010/main" val="0"/>
+              </a:ext>
+              <a:ext uri="{96DAC541-7B7A-43D3-8B79-37D633B846F1}">
+                <asvg:svgBlip xmlns:asvg="http://schemas.microsoft.com/office/drawing/2016/SVG/main" r:embed="rId7"/>
+              </a:ext>
+            </a:extLst>
+          </a:blip>
+          <a:stretch>
+            <a:fillRect/>
+          </a:stretch>
+        </p:blipFill>
+        <p:spPr>
+          <a:xfrm>
+            <a:off x="-4233" y="6291885"/>
+            <a:ext cx="495300" cy="495300"/>
+          </a:xfrm>
+          <a:prstGeom prst="rect">
+            <a:avLst/>
+          </a:prstGeom>
+        </p:spPr>
+      </p:pic>
+      <p:pic>
+        <p:nvPicPr>
+          <p:cNvPr id="17" name="Grafik 16" descr="Bauer mit einfarbiger Füllung">
+            <a:extLst>
+              <a:ext uri="{FF2B5EF4-FFF2-40B4-BE49-F238E27FC236}">
+                <a16:creationId xmlns:a16="http://schemas.microsoft.com/office/drawing/2014/main" id="{57B954E7-BB12-998B-BF57-1E2907D3F184}"/>
+              </a:ext>
+            </a:extLst>
+          </p:cNvPr>
+          <p:cNvPicPr>
+            <a:picLocks noChangeAspect="1"/>
+          </p:cNvPicPr>
+          <p:nvPr/>
+        </p:nvPicPr>
+        <p:blipFill>
+          <a:blip r:embed="rId8">
+            <a:extLst>
+              <a:ext uri="{28A0092B-C50C-407E-A947-70E740481C1C}">
+                <a14:useLocalDpi xmlns:a14="http://schemas.microsoft.com/office/drawing/2010/main" val="0"/>
+              </a:ext>
+              <a:ext uri="{96DAC541-7B7A-43D3-8B79-37D633B846F1}">
+                <asvg:svgBlip xmlns:asvg="http://schemas.microsoft.com/office/drawing/2016/SVG/main" r:embed="rId9"/>
+              </a:ext>
+            </a:extLst>
+          </a:blip>
+          <a:stretch>
+            <a:fillRect/>
+          </a:stretch>
+        </p:blipFill>
+        <p:spPr>
+          <a:xfrm>
+            <a:off x="-4990" y="1582987"/>
+            <a:ext cx="504487" cy="504487"/>
+          </a:xfrm>
+          <a:prstGeom prst="rect">
+            <a:avLst/>
+          </a:prstGeom>
+        </p:spPr>
+      </p:pic>
+      <p:pic>
+        <p:nvPicPr>
+          <p:cNvPr id="19" name="Grafik 18" descr="Fuchs mit einfarbiger Füllung">
+            <a:extLst>
+              <a:ext uri="{FF2B5EF4-FFF2-40B4-BE49-F238E27FC236}">
+                <a16:creationId xmlns:a16="http://schemas.microsoft.com/office/drawing/2014/main" id="{93ADE7F6-4941-38B0-A1FF-65740F1E51FF}"/>
+              </a:ext>
+            </a:extLst>
+          </p:cNvPr>
+          <p:cNvPicPr>
+            <a:picLocks noChangeAspect="1"/>
+          </p:cNvPicPr>
+          <p:nvPr/>
+        </p:nvPicPr>
+        <p:blipFill>
+          <a:blip r:embed="rId10">
+            <a:extLst>
+              <a:ext uri="{28A0092B-C50C-407E-A947-70E740481C1C}">
+                <a14:useLocalDpi xmlns:a14="http://schemas.microsoft.com/office/drawing/2010/main" val="0"/>
+              </a:ext>
+              <a:ext uri="{96DAC541-7B7A-43D3-8B79-37D633B846F1}">
+                <asvg:svgBlip xmlns:asvg="http://schemas.microsoft.com/office/drawing/2016/SVG/main" r:embed="rId11"/>
+              </a:ext>
+            </a:extLst>
+          </a:blip>
+          <a:stretch>
+            <a:fillRect/>
+          </a:stretch>
+        </p:blipFill>
+        <p:spPr>
+          <a:xfrm>
+            <a:off x="22160" y="1128208"/>
+            <a:ext cx="450186" cy="450186"/>
+          </a:xfrm>
+          <a:prstGeom prst="rect">
+            <a:avLst/>
+          </a:prstGeom>
+        </p:spPr>
+      </p:pic>
+      <p:pic>
+        <p:nvPicPr>
+          <p:cNvPr id="21" name="Grafik 20" descr="Feder mit einfarbiger Füllung">
+            <a:extLst>
+              <a:ext uri="{FF2B5EF4-FFF2-40B4-BE49-F238E27FC236}">
+                <a16:creationId xmlns:a16="http://schemas.microsoft.com/office/drawing/2014/main" id="{EE7291AC-43A2-3F33-5AA1-D0350C588DAE}"/>
+              </a:ext>
+            </a:extLst>
+          </p:cNvPr>
+          <p:cNvPicPr>
+            <a:picLocks noChangeAspect="1"/>
+          </p:cNvPicPr>
+          <p:nvPr/>
+        </p:nvPicPr>
+        <p:blipFill>
+          <a:blip r:embed="rId12">
+            <a:extLst>
+              <a:ext uri="{28A0092B-C50C-407E-A947-70E740481C1C}">
+                <a14:useLocalDpi xmlns:a14="http://schemas.microsoft.com/office/drawing/2010/main" val="0"/>
+              </a:ext>
+              <a:ext uri="{96DAC541-7B7A-43D3-8B79-37D633B846F1}">
+                <asvg:svgBlip xmlns:asvg="http://schemas.microsoft.com/office/drawing/2016/SVG/main" r:embed="rId13"/>
+              </a:ext>
+            </a:extLst>
+          </a:blip>
+          <a:stretch>
+            <a:fillRect/>
+          </a:stretch>
+        </p:blipFill>
+        <p:spPr>
+          <a:xfrm>
+            <a:off x="11598" y="652304"/>
+            <a:ext cx="471311" cy="471311"/>
+          </a:xfrm>
+          <a:prstGeom prst="rect">
+            <a:avLst/>
+          </a:prstGeom>
+        </p:spPr>
+      </p:pic>
+      <p:pic>
+        <p:nvPicPr>
+          <p:cNvPr id="22" name="Grafik 21" descr="Ordner mit einfarbiger Füllung">
+            <a:extLst>
+              <a:ext uri="{FF2B5EF4-FFF2-40B4-BE49-F238E27FC236}">
+                <a16:creationId xmlns:a16="http://schemas.microsoft.com/office/drawing/2014/main" id="{314DD2CA-7C1E-C5C3-BCFC-065774FC8ACD}"/>
+              </a:ext>
+            </a:extLst>
+          </p:cNvPr>
+          <p:cNvPicPr>
+            <a:picLocks noChangeAspect="1"/>
+          </p:cNvPicPr>
+          <p:nvPr/>
+        </p:nvPicPr>
+        <p:blipFill>
+          <a:blip r:embed="rId14">
+            <a:extLst>
+              <a:ext uri="{28A0092B-C50C-407E-A947-70E740481C1C}">
+                <a14:useLocalDpi xmlns:a14="http://schemas.microsoft.com/office/drawing/2010/main" val="0"/>
+              </a:ext>
+              <a:ext uri="{96DAC541-7B7A-43D3-8B79-37D633B846F1}">
+                <asvg:svgBlip xmlns:asvg="http://schemas.microsoft.com/office/drawing/2016/SVG/main" r:embed="rId15"/>
+              </a:ext>
+            </a:extLst>
+          </a:blip>
+          <a:stretch>
+            <a:fillRect/>
+          </a:stretch>
+        </p:blipFill>
+        <p:spPr>
+          <a:xfrm>
+            <a:off x="7042" y="167289"/>
+            <a:ext cx="480422" cy="480422"/>
+          </a:xfrm>
+          <a:prstGeom prst="rect">
+            <a:avLst/>
+          </a:prstGeom>
+        </p:spPr>
+      </p:pic>
+      <p:sp>
+        <p:nvSpPr>
+          <p:cNvPr id="23" name="Rechteck: abgerundete Ecken 22">
+            <a:extLst>
+              <a:ext uri="{FF2B5EF4-FFF2-40B4-BE49-F238E27FC236}">
+                <a16:creationId xmlns:a16="http://schemas.microsoft.com/office/drawing/2014/main" id="{D6662301-3288-E517-AF9B-2AE361180A83}"/>
+              </a:ext>
+            </a:extLst>
+          </p:cNvPr>
+          <p:cNvSpPr/>
+          <p:nvPr/>
+        </p:nvSpPr>
+        <p:spPr>
+          <a:xfrm>
+            <a:off x="1354667" y="323786"/>
+            <a:ext cx="7473244" cy="4914259"/>
+          </a:xfrm>
+          <a:prstGeom prst="roundRect">
+            <a:avLst>
+              <a:gd name="adj" fmla="val 1824"/>
+            </a:avLst>
+          </a:prstGeom>
+          <a:solidFill>
+            <a:srgbClr val="FFFFFF"/>
+          </a:solidFill>
+          <a:ln>
+            <a:noFill/>
+          </a:ln>
+        </p:spPr>
+        <p:style>
+          <a:lnRef idx="2">
+            <a:schemeClr val="accent1">
+              <a:shade val="15000"/>
+            </a:schemeClr>
+          </a:lnRef>
+          <a:fillRef idx="1">
+            <a:schemeClr val="accent1"/>
+          </a:fillRef>
+          <a:effectRef idx="0">
+            <a:schemeClr val="accent1"/>
+          </a:effectRef>
+          <a:fontRef idx="minor">
+            <a:schemeClr val="lt1"/>
+          </a:fontRef>
+        </p:style>
+        <p:txBody>
+          <a:bodyPr rtlCol="0" anchor="ctr"/>
+          <a:lstStyle/>
+          <a:p>
+            <a:pPr algn="ctr"/>
+            <a:endParaRPr lang="de-CH"/>
+          </a:p>
+        </p:txBody>
+      </p:sp>
+      <p:sp>
+        <p:nvSpPr>
+          <p:cNvPr id="25" name="Rechteck: abgerundete Ecken 24">
+            <a:extLst>
+              <a:ext uri="{FF2B5EF4-FFF2-40B4-BE49-F238E27FC236}">
+                <a16:creationId xmlns:a16="http://schemas.microsoft.com/office/drawing/2014/main" id="{8F4149F3-851E-1037-1F3D-A50A2A64AC54}"/>
+              </a:ext>
+            </a:extLst>
+          </p:cNvPr>
+          <p:cNvSpPr/>
+          <p:nvPr/>
+        </p:nvSpPr>
+        <p:spPr>
+          <a:xfrm>
+            <a:off x="1363097" y="361245"/>
+            <a:ext cx="1479125" cy="4876540"/>
+          </a:xfrm>
+          <a:prstGeom prst="roundRect">
+            <a:avLst>
+              <a:gd name="adj" fmla="val 1824"/>
+            </a:avLst>
+          </a:prstGeom>
+          <a:solidFill>
+            <a:srgbClr val="E7E5E4"/>
+          </a:solidFill>
+          <a:ln>
+            <a:solidFill>
+              <a:srgbClr val="C0C0C0"/>
+            </a:solidFill>
+          </a:ln>
+        </p:spPr>
+        <p:style>
+          <a:lnRef idx="2">
+            <a:schemeClr val="accent1">
+              <a:shade val="15000"/>
+            </a:schemeClr>
+          </a:lnRef>
+          <a:fillRef idx="1">
+            <a:schemeClr val="accent1"/>
+          </a:fillRef>
+          <a:effectRef idx="0">
+            <a:schemeClr val="accent1"/>
+          </a:effectRef>
+          <a:fontRef idx="minor">
+            <a:schemeClr val="lt1"/>
+          </a:fontRef>
+        </p:style>
+        <p:txBody>
+          <a:bodyPr rtlCol="0" anchor="ctr"/>
+          <a:lstStyle/>
+          <a:p>
+            <a:pPr algn="ctr"/>
+            <a:endParaRPr lang="de-CH"/>
+          </a:p>
+        </p:txBody>
+      </p:sp>
+      <p:sp>
+        <p:nvSpPr>
+          <p:cNvPr id="24" name="Rechteck: abgerundete Ecken 23">
+            <a:extLst>
+              <a:ext uri="{FF2B5EF4-FFF2-40B4-BE49-F238E27FC236}">
+                <a16:creationId xmlns:a16="http://schemas.microsoft.com/office/drawing/2014/main" id="{217DBF24-125B-CDB1-0496-910FDC0DF6ED}"/>
+              </a:ext>
+            </a:extLst>
+          </p:cNvPr>
+          <p:cNvSpPr/>
+          <p:nvPr/>
+        </p:nvSpPr>
+        <p:spPr>
+          <a:xfrm>
+            <a:off x="1346509" y="323785"/>
+            <a:ext cx="7481402" cy="251947"/>
+          </a:xfrm>
+          <a:prstGeom prst="roundRect">
+            <a:avLst>
+              <a:gd name="adj" fmla="val 1824"/>
+            </a:avLst>
+          </a:prstGeom>
+          <a:solidFill>
+            <a:srgbClr val="4F4F48"/>
+          </a:solidFill>
+          <a:ln>
+            <a:noFill/>
+          </a:ln>
+        </p:spPr>
+        <p:style>
+          <a:lnRef idx="2">
+            <a:schemeClr val="accent1">
+              <a:shade val="15000"/>
+            </a:schemeClr>
+          </a:lnRef>
+          <a:fillRef idx="1">
+            <a:schemeClr val="accent1"/>
+          </a:fillRef>
+          <a:effectRef idx="0">
+            <a:schemeClr val="accent1"/>
+          </a:effectRef>
+          <a:fontRef idx="minor">
+            <a:schemeClr val="lt1"/>
+          </a:fontRef>
+        </p:style>
+        <p:txBody>
+          <a:bodyPr rtlCol="0" anchor="ctr"/>
+          <a:lstStyle/>
+          <a:p>
+            <a:pPr algn="ctr"/>
+            <a:endParaRPr lang="de-CH"/>
+          </a:p>
+        </p:txBody>
+      </p:sp>
+      <p:sp>
+        <p:nvSpPr>
+          <p:cNvPr id="32" name="Ellipse 31">
+            <a:extLst>
+              <a:ext uri="{FF2B5EF4-FFF2-40B4-BE49-F238E27FC236}">
+                <a16:creationId xmlns:a16="http://schemas.microsoft.com/office/drawing/2014/main" id="{6609B31F-24A5-6AC2-5695-8B6208ED2001}"/>
+              </a:ext>
+            </a:extLst>
+          </p:cNvPr>
+          <p:cNvSpPr/>
+          <p:nvPr/>
+        </p:nvSpPr>
+        <p:spPr>
+          <a:xfrm>
+            <a:off x="1385667" y="388664"/>
+            <a:ext cx="108000" cy="108000"/>
+          </a:xfrm>
+          <a:prstGeom prst="ellipse">
+            <a:avLst/>
+          </a:prstGeom>
+          <a:solidFill>
+            <a:srgbClr val="EA5E2F"/>
+          </a:solidFill>
+          <a:ln>
+            <a:noFill/>
+          </a:ln>
+        </p:spPr>
+        <p:style>
+          <a:lnRef idx="2">
+            <a:schemeClr val="accent1">
+              <a:shade val="15000"/>
+            </a:schemeClr>
+          </a:lnRef>
+          <a:fillRef idx="1">
+            <a:schemeClr val="accent1"/>
+          </a:fillRef>
+          <a:effectRef idx="0">
+            <a:schemeClr val="accent1"/>
+          </a:effectRef>
+          <a:fontRef idx="minor">
+            <a:schemeClr val="lt1"/>
+          </a:fontRef>
+        </p:style>
+        <p:txBody>
+          <a:bodyPr rtlCol="0" anchor="ctr"/>
+          <a:lstStyle/>
+          <a:p>
+            <a:pPr algn="ctr"/>
+            <a:endParaRPr lang="de-CH"/>
+          </a:p>
+        </p:txBody>
+      </p:sp>
+      <p:sp>
+        <p:nvSpPr>
+          <p:cNvPr id="33" name="Ellipse 32">
+            <a:extLst>
+              <a:ext uri="{FF2B5EF4-FFF2-40B4-BE49-F238E27FC236}">
+                <a16:creationId xmlns:a16="http://schemas.microsoft.com/office/drawing/2014/main" id="{45794A89-BB3E-3237-3E70-E28F4CCF68E0}"/>
+              </a:ext>
+            </a:extLst>
+          </p:cNvPr>
+          <p:cNvSpPr/>
+          <p:nvPr/>
+        </p:nvSpPr>
+        <p:spPr>
+          <a:xfrm>
+            <a:off x="1516237" y="388664"/>
+            <a:ext cx="108000" cy="108000"/>
+          </a:xfrm>
+          <a:prstGeom prst="ellipse">
+            <a:avLst/>
+          </a:prstGeom>
+          <a:solidFill>
+            <a:srgbClr val="878680"/>
+          </a:solidFill>
+          <a:ln>
+            <a:noFill/>
+          </a:ln>
+        </p:spPr>
+        <p:style>
+          <a:lnRef idx="2">
+            <a:schemeClr val="accent1">
+              <a:shade val="15000"/>
+            </a:schemeClr>
+          </a:lnRef>
+          <a:fillRef idx="1">
+            <a:schemeClr val="accent1"/>
+          </a:fillRef>
+          <a:effectRef idx="0">
+            <a:schemeClr val="accent1"/>
+          </a:effectRef>
+          <a:fontRef idx="minor">
+            <a:schemeClr val="lt1"/>
+          </a:fontRef>
+        </p:style>
+        <p:txBody>
+          <a:bodyPr rtlCol="0" anchor="ctr"/>
+          <a:lstStyle/>
+          <a:p>
+            <a:pPr algn="ctr"/>
+            <a:endParaRPr lang="de-CH"/>
+          </a:p>
+        </p:txBody>
+      </p:sp>
+      <p:sp>
+        <p:nvSpPr>
+          <p:cNvPr id="34" name="Ellipse 33">
+            <a:extLst>
+              <a:ext uri="{FF2B5EF4-FFF2-40B4-BE49-F238E27FC236}">
+                <a16:creationId xmlns:a16="http://schemas.microsoft.com/office/drawing/2014/main" id="{F5DBFEF6-AA14-ADB6-A82D-1203D4932811}"/>
+              </a:ext>
+            </a:extLst>
+          </p:cNvPr>
+          <p:cNvSpPr/>
+          <p:nvPr/>
+        </p:nvSpPr>
+        <p:spPr>
+          <a:xfrm>
+            <a:off x="1646807" y="388664"/>
+            <a:ext cx="108000" cy="108000"/>
+          </a:xfrm>
+          <a:prstGeom prst="ellipse">
+            <a:avLst/>
+          </a:prstGeom>
+          <a:solidFill>
+            <a:srgbClr val="878680"/>
+          </a:solidFill>
+          <a:ln>
+            <a:noFill/>
+          </a:ln>
+        </p:spPr>
+        <p:style>
+          <a:lnRef idx="2">
+            <a:schemeClr val="accent1">
+              <a:shade val="15000"/>
+            </a:schemeClr>
+          </a:lnRef>
+          <a:fillRef idx="1">
+            <a:schemeClr val="accent1"/>
+          </a:fillRef>
+          <a:effectRef idx="0">
+            <a:schemeClr val="accent1"/>
+          </a:effectRef>
+          <a:fontRef idx="minor">
+            <a:schemeClr val="lt1"/>
+          </a:fontRef>
+        </p:style>
+        <p:txBody>
+          <a:bodyPr rtlCol="0" anchor="ctr"/>
+          <a:lstStyle/>
+          <a:p>
+            <a:pPr algn="ctr"/>
+            <a:endParaRPr lang="de-CH"/>
+          </a:p>
+        </p:txBody>
+      </p:sp>
+      <p:pic>
+        <p:nvPicPr>
+          <p:cNvPr id="7" name="Grafik 6" descr="Ordner mit einfarbiger Füllung">
+            <a:extLst>
+              <a:ext uri="{FF2B5EF4-FFF2-40B4-BE49-F238E27FC236}">
+                <a16:creationId xmlns:a16="http://schemas.microsoft.com/office/drawing/2014/main" id="{0F76F2EF-4CE3-52EA-0E82-1FB2D1257FCC}"/>
+              </a:ext>
+            </a:extLst>
+          </p:cNvPr>
+          <p:cNvPicPr>
+            <a:picLocks noChangeAspect="1"/>
+          </p:cNvPicPr>
+          <p:nvPr/>
+        </p:nvPicPr>
+        <p:blipFill>
+          <a:blip r:embed="rId14">
+            <a:extLst>
+              <a:ext uri="{28A0092B-C50C-407E-A947-70E740481C1C}">
+                <a14:useLocalDpi xmlns:a14="http://schemas.microsoft.com/office/drawing/2010/main" val="0"/>
+              </a:ext>
+              <a:ext uri="{96DAC541-7B7A-43D3-8B79-37D633B846F1}">
+                <asvg:svgBlip xmlns:asvg="http://schemas.microsoft.com/office/drawing/2016/SVG/main" r:embed="rId15"/>
+              </a:ext>
+            </a:extLst>
+          </a:blip>
+          <a:stretch>
+            <a:fillRect/>
+          </a:stretch>
+        </p:blipFill>
+        <p:spPr>
+          <a:xfrm>
+            <a:off x="3471825" y="342098"/>
+            <a:ext cx="1884752" cy="1884752"/>
+          </a:xfrm>
+          <a:prstGeom prst="rect">
+            <a:avLst/>
+          </a:prstGeom>
+        </p:spPr>
+      </p:pic>
+      <p:sp>
+        <p:nvSpPr>
           <p:cNvPr id="2" name="Titel 1">
             <a:extLst>
               <a:ext uri="{FF2B5EF4-FFF2-40B4-BE49-F238E27FC236}">
@@ -3377,71 +4204,455 @@
             <p:ph type="ctrTitle"/>
           </p:nvPr>
         </p:nvSpPr>
-        <p:spPr/>
-        <p:txBody>
-          <a:bodyPr/>
-          <a:lstStyle/>
-          <a:p>
-            <a:r>
-              <a:rPr lang="de-CH" dirty="0"/>
+        <p:spPr>
+          <a:xfrm>
+            <a:off x="3165367" y="1898385"/>
+            <a:ext cx="2497667" cy="1126699"/>
+          </a:xfrm>
+        </p:spPr>
+        <p:txBody>
+          <a:bodyPr>
+            <a:normAutofit/>
+          </a:bodyPr>
+          <a:lstStyle/>
+          <a:p>
+            <a:r>
+              <a:rPr lang="de-CH" sz="3600" dirty="0"/>
               <a:t>File System Extension</a:t>
             </a:r>
           </a:p>
         </p:txBody>
       </p:sp>
-      <p:sp>
-        <p:nvSpPr>
-          <p:cNvPr id="3" name="Untertitel 2">
-            <a:extLst>
-              <a:ext uri="{FF2B5EF4-FFF2-40B4-BE49-F238E27FC236}">
-                <a16:creationId xmlns:a16="http://schemas.microsoft.com/office/drawing/2014/main" id="{BEE6FBFA-E575-2D63-6AA7-FF5CE777E292}"/>
-              </a:ext>
-            </a:extLst>
-          </p:cNvPr>
-          <p:cNvSpPr>
-            <a:spLocks noGrp="1"/>
+      <p:pic>
+        <p:nvPicPr>
+          <p:cNvPr id="35" name="Grafik 34" descr="Ordner mit einfarbiger Füllung">
+            <a:extLst>
+              <a:ext uri="{FF2B5EF4-FFF2-40B4-BE49-F238E27FC236}">
+                <a16:creationId xmlns:a16="http://schemas.microsoft.com/office/drawing/2014/main" id="{76C0E315-229A-570E-60C0-0E1910477795}"/>
+              </a:ext>
+            </a:extLst>
+          </p:cNvPr>
+          <p:cNvPicPr>
+            <a:picLocks noChangeAspect="1"/>
+          </p:cNvPicPr>
+          <p:nvPr/>
+        </p:nvPicPr>
+        <p:blipFill>
+          <a:blip r:embed="rId16">
+            <a:extLst>
+              <a:ext uri="{28A0092B-C50C-407E-A947-70E740481C1C}">
+                <a14:useLocalDpi xmlns:a14="http://schemas.microsoft.com/office/drawing/2010/main" val="0"/>
+              </a:ext>
+              <a:ext uri="{96DAC541-7B7A-43D3-8B79-37D633B846F1}">
+                <asvg:svgBlip xmlns:asvg="http://schemas.microsoft.com/office/drawing/2016/SVG/main" r:embed="rId17"/>
+              </a:ext>
+            </a:extLst>
+          </a:blip>
+          <a:stretch>
+            <a:fillRect/>
+          </a:stretch>
+        </p:blipFill>
+        <p:spPr>
+          <a:xfrm>
+            <a:off x="6149867" y="342098"/>
+            <a:ext cx="1884752" cy="1884752"/>
+          </a:xfrm>
+          <a:prstGeom prst="rect">
+            <a:avLst/>
+          </a:prstGeom>
+        </p:spPr>
+      </p:pic>
+      <p:sp>
+        <p:nvSpPr>
+          <p:cNvPr id="36" name="Titel 1">
+            <a:extLst>
+              <a:ext uri="{FF2B5EF4-FFF2-40B4-BE49-F238E27FC236}">
+                <a16:creationId xmlns:a16="http://schemas.microsoft.com/office/drawing/2014/main" id="{BFF1A3ED-502D-6AE7-AD51-EAF95F2FCD31}"/>
+              </a:ext>
+            </a:extLst>
+          </p:cNvPr>
+          <p:cNvSpPr txBox="1">
+            <a:spLocks/>
           </p:cNvSpPr>
-          <p:nvPr>
-            <p:ph type="subTitle" idx="1"/>
-          </p:nvPr>
-        </p:nvSpPr>
-        <p:spPr/>
-        <p:txBody>
-          <a:bodyPr>
-            <a:normAutofit lnSpcReduction="10000"/>
+          <p:nvPr/>
+        </p:nvSpPr>
+        <p:spPr>
+          <a:xfrm>
+            <a:off x="5843409" y="1898385"/>
+            <a:ext cx="2497667" cy="643093"/>
+          </a:xfrm>
+          <a:prstGeom prst="rect">
+            <a:avLst/>
+          </a:prstGeom>
+        </p:spPr>
+        <p:txBody>
+          <a:bodyPr vert="horz" lIns="91440" tIns="45720" rIns="91440" bIns="45720" rtlCol="0" anchor="b">
+            <a:normAutofit/>
           </a:bodyPr>
-          <a:lstStyle/>
-          <a:p>
-            <a:r>
-              <a:rPr lang="de-CH" dirty="0"/>
-              <a:t>04.04.2024</a:t>
-            </a:r>
-          </a:p>
-          <a:p>
-            <a:r>
-              <a:rPr lang="de-CH" dirty="0"/>
-              <a:t>Anna </a:t>
-            </a:r>
-            <a:r>
-              <a:rPr lang="de-CH" dirty="0" err="1"/>
-              <a:t>Pietzak</a:t>
-            </a:r>
-            <a:r>
-              <a:rPr lang="de-CH" dirty="0"/>
-              <a:t>, Timothy Roberts</a:t>
-            </a:r>
-          </a:p>
-          <a:p>
-            <a:r>
-              <a:rPr lang="de-CH" dirty="0"/>
-              <a:t>Operating Systems</a:t>
-            </a:r>
-          </a:p>
-          <a:p>
-            <a:r>
-              <a:rPr lang="de-CH" dirty="0"/>
-              <a:t>FS24</a:t>
-            </a:r>
+          <a:lstStyle>
+            <a:lvl1pPr algn="ctr" defTabSz="914400" rtl="0" eaLnBrk="1" latinLnBrk="0" hangingPunct="1">
+              <a:lnSpc>
+                <a:spcPct val="90000"/>
+              </a:lnSpc>
+              <a:spcBef>
+                <a:spcPct val="0"/>
+              </a:spcBef>
+              <a:buNone/>
+              <a:defRPr sz="6000" kern="1200">
+                <a:solidFill>
+                  <a:schemeClr val="tx1"/>
+                </a:solidFill>
+                <a:latin typeface="+mj-lt"/>
+                <a:ea typeface="+mj-ea"/>
+                <a:cs typeface="+mj-cs"/>
+              </a:defRPr>
+            </a:lvl1pPr>
+          </a:lstStyle>
+          <a:p>
+            <a:r>
+              <a:rPr lang="de-CH" sz="3600" dirty="0" err="1">
+                <a:solidFill>
+                  <a:schemeClr val="bg1">
+                    <a:lumMod val="65000"/>
+                  </a:schemeClr>
+                </a:solidFill>
+              </a:rPr>
+              <a:t>work</a:t>
+            </a:r>
+            <a:endParaRPr lang="de-CH" sz="3600" dirty="0">
+              <a:solidFill>
+                <a:schemeClr val="bg1">
+                  <a:lumMod val="65000"/>
+                </a:schemeClr>
+              </a:solidFill>
+            </a:endParaRPr>
+          </a:p>
+        </p:txBody>
+      </p:sp>
+      <p:pic>
+        <p:nvPicPr>
+          <p:cNvPr id="37" name="Grafik 36" descr="Ordner mit einfarbiger Füllung">
+            <a:extLst>
+              <a:ext uri="{FF2B5EF4-FFF2-40B4-BE49-F238E27FC236}">
+                <a16:creationId xmlns:a16="http://schemas.microsoft.com/office/drawing/2014/main" id="{2490CCF6-9D7D-B228-1AB0-57561E6E8E37}"/>
+              </a:ext>
+            </a:extLst>
+          </p:cNvPr>
+          <p:cNvPicPr>
+            <a:picLocks noChangeAspect="1"/>
+          </p:cNvPicPr>
+          <p:nvPr/>
+        </p:nvPicPr>
+        <p:blipFill>
+          <a:blip r:embed="rId16">
+            <a:extLst>
+              <a:ext uri="{28A0092B-C50C-407E-A947-70E740481C1C}">
+                <a14:useLocalDpi xmlns:a14="http://schemas.microsoft.com/office/drawing/2010/main" val="0"/>
+              </a:ext>
+              <a:ext uri="{96DAC541-7B7A-43D3-8B79-37D633B846F1}">
+                <asvg:svgBlip xmlns:asvg="http://schemas.microsoft.com/office/drawing/2016/SVG/main" r:embed="rId17"/>
+              </a:ext>
+            </a:extLst>
+          </a:blip>
+          <a:stretch>
+            <a:fillRect/>
+          </a:stretch>
+        </p:blipFill>
+        <p:spPr>
+          <a:xfrm>
+            <a:off x="3471825" y="2910831"/>
+            <a:ext cx="1884752" cy="1884752"/>
+          </a:xfrm>
+          <a:prstGeom prst="rect">
+            <a:avLst/>
+          </a:prstGeom>
+        </p:spPr>
+      </p:pic>
+      <p:sp>
+        <p:nvSpPr>
+          <p:cNvPr id="38" name="Titel 1">
+            <a:extLst>
+              <a:ext uri="{FF2B5EF4-FFF2-40B4-BE49-F238E27FC236}">
+                <a16:creationId xmlns:a16="http://schemas.microsoft.com/office/drawing/2014/main" id="{AAD5F39F-01A2-B512-0648-F969D2C566DA}"/>
+              </a:ext>
+            </a:extLst>
+          </p:cNvPr>
+          <p:cNvSpPr txBox="1">
+            <a:spLocks/>
+          </p:cNvSpPr>
+          <p:nvPr/>
+        </p:nvSpPr>
+        <p:spPr>
+          <a:xfrm>
+            <a:off x="3165367" y="4467118"/>
+            <a:ext cx="2497667" cy="643093"/>
+          </a:xfrm>
+          <a:prstGeom prst="rect">
+            <a:avLst/>
+          </a:prstGeom>
+        </p:spPr>
+        <p:txBody>
+          <a:bodyPr vert="horz" lIns="91440" tIns="45720" rIns="91440" bIns="45720" rtlCol="0" anchor="b">
+            <a:normAutofit/>
+          </a:bodyPr>
+          <a:lstStyle>
+            <a:lvl1pPr algn="ctr" defTabSz="914400" rtl="0" eaLnBrk="1" latinLnBrk="0" hangingPunct="1">
+              <a:lnSpc>
+                <a:spcPct val="90000"/>
+              </a:lnSpc>
+              <a:spcBef>
+                <a:spcPct val="0"/>
+              </a:spcBef>
+              <a:buNone/>
+              <a:defRPr sz="6000" kern="1200">
+                <a:solidFill>
+                  <a:schemeClr val="tx1"/>
+                </a:solidFill>
+                <a:latin typeface="+mj-lt"/>
+                <a:ea typeface="+mj-ea"/>
+                <a:cs typeface="+mj-cs"/>
+              </a:defRPr>
+            </a:lvl1pPr>
+          </a:lstStyle>
+          <a:p>
+            <a:r>
+              <a:rPr lang="de-CH" sz="3600" dirty="0">
+                <a:solidFill>
+                  <a:schemeClr val="bg1">
+                    <a:lumMod val="65000"/>
+                  </a:schemeClr>
+                </a:solidFill>
+              </a:rPr>
+              <a:t>private</a:t>
+            </a:r>
+          </a:p>
+        </p:txBody>
+      </p:sp>
+      <p:sp>
+        <p:nvSpPr>
+          <p:cNvPr id="39" name="Titel 1">
+            <a:extLst>
+              <a:ext uri="{FF2B5EF4-FFF2-40B4-BE49-F238E27FC236}">
+                <a16:creationId xmlns:a16="http://schemas.microsoft.com/office/drawing/2014/main" id="{45EBE2C2-AD52-7962-A2C7-AC342FEF8EAF}"/>
+              </a:ext>
+            </a:extLst>
+          </p:cNvPr>
+          <p:cNvSpPr txBox="1">
+            <a:spLocks/>
+          </p:cNvSpPr>
+          <p:nvPr/>
+        </p:nvSpPr>
+        <p:spPr>
+          <a:xfrm>
+            <a:off x="1407310" y="505980"/>
+            <a:ext cx="1458843" cy="2228091"/>
+          </a:xfrm>
+          <a:prstGeom prst="rect">
+            <a:avLst/>
+          </a:prstGeom>
+        </p:spPr>
+        <p:txBody>
+          <a:bodyPr vert="horz" lIns="91440" tIns="45720" rIns="91440" bIns="45720" rtlCol="0" anchor="b">
+            <a:normAutofit fontScale="85000" lnSpcReduction="20000"/>
+          </a:bodyPr>
+          <a:lstStyle>
+            <a:lvl1pPr algn="ctr" defTabSz="914400" rtl="0" eaLnBrk="1" latinLnBrk="0" hangingPunct="1">
+              <a:lnSpc>
+                <a:spcPct val="90000"/>
+              </a:lnSpc>
+              <a:spcBef>
+                <a:spcPct val="0"/>
+              </a:spcBef>
+              <a:buNone/>
+              <a:defRPr sz="6000" kern="1200">
+                <a:solidFill>
+                  <a:schemeClr val="tx1"/>
+                </a:solidFill>
+                <a:latin typeface="+mj-lt"/>
+                <a:ea typeface="+mj-ea"/>
+                <a:cs typeface="+mj-cs"/>
+              </a:defRPr>
+            </a:lvl1pPr>
+          </a:lstStyle>
+          <a:p>
+            <a:pPr algn="l"/>
+            <a:r>
+              <a:rPr lang="de-CH" sz="1400" b="1" dirty="0"/>
+              <a:t>Places</a:t>
+            </a:r>
+          </a:p>
+          <a:p>
+            <a:pPr algn="l"/>
+            <a:r>
+              <a:rPr lang="de-CH" sz="1400" dirty="0" err="1"/>
+              <a:t>Recent</a:t>
+            </a:r>
+            <a:endParaRPr lang="de-CH" sz="1400" dirty="0"/>
+          </a:p>
+          <a:p>
+            <a:pPr algn="l"/>
+            <a:r>
+              <a:rPr lang="de-CH" sz="1400" dirty="0"/>
+              <a:t>Home</a:t>
+            </a:r>
+          </a:p>
+          <a:p>
+            <a:pPr algn="l"/>
+            <a:r>
+              <a:rPr lang="de-CH" sz="1400" dirty="0"/>
+              <a:t>Desktop</a:t>
+            </a:r>
+          </a:p>
+          <a:p>
+            <a:pPr algn="l"/>
+            <a:r>
+              <a:rPr lang="de-CH" sz="1400" dirty="0" err="1"/>
+              <a:t>Documents</a:t>
+            </a:r>
+            <a:endParaRPr lang="de-CH" sz="1400" dirty="0"/>
+          </a:p>
+          <a:p>
+            <a:pPr algn="l"/>
+            <a:r>
+              <a:rPr lang="de-CH" sz="1400" dirty="0"/>
+              <a:t>Downloads</a:t>
+            </a:r>
+          </a:p>
+          <a:p>
+            <a:pPr algn="l"/>
+            <a:r>
+              <a:rPr lang="de-CH" sz="1400" dirty="0"/>
+              <a:t>Music</a:t>
+            </a:r>
+          </a:p>
+          <a:p>
+            <a:pPr algn="l"/>
+            <a:r>
+              <a:rPr lang="de-CH" sz="1400" dirty="0"/>
+              <a:t>Pictures</a:t>
+            </a:r>
+          </a:p>
+          <a:p>
+            <a:pPr algn="l"/>
+            <a:r>
+              <a:rPr lang="de-CH" sz="1400" dirty="0"/>
+              <a:t>Videos</a:t>
+            </a:r>
+          </a:p>
+          <a:p>
+            <a:pPr algn="l"/>
+            <a:r>
+              <a:rPr lang="de-CH" sz="1400" dirty="0"/>
+              <a:t>Trash</a:t>
+            </a:r>
+          </a:p>
+          <a:p>
+            <a:pPr algn="l"/>
+            <a:endParaRPr lang="de-CH" sz="1400" dirty="0"/>
+          </a:p>
+          <a:p>
+            <a:pPr algn="l"/>
+            <a:r>
+              <a:rPr lang="de-CH" sz="1400" b="1" dirty="0"/>
+              <a:t>Devices</a:t>
+            </a:r>
+          </a:p>
+          <a:p>
+            <a:pPr algn="l"/>
+            <a:r>
+              <a:rPr lang="de-CH" sz="1400" dirty="0"/>
+              <a:t>Computer</a:t>
+            </a:r>
+          </a:p>
+          <a:p>
+            <a:pPr algn="l"/>
+            <a:endParaRPr lang="de-CH" sz="1400" dirty="0"/>
+          </a:p>
+          <a:p>
+            <a:pPr algn="l"/>
+            <a:r>
+              <a:rPr lang="de-CH" sz="1400" b="1" dirty="0"/>
+              <a:t>Network</a:t>
+            </a:r>
+          </a:p>
+          <a:p>
+            <a:pPr algn="l"/>
+            <a:r>
+              <a:rPr lang="de-CH" sz="1400" dirty="0"/>
+              <a:t>Connect </a:t>
+            </a:r>
+            <a:r>
+              <a:rPr lang="de-CH" sz="1400" dirty="0" err="1"/>
+              <a:t>to</a:t>
+            </a:r>
+            <a:r>
+              <a:rPr lang="de-CH" sz="1400" dirty="0"/>
+              <a:t> Server</a:t>
+            </a:r>
+          </a:p>
+        </p:txBody>
+      </p:sp>
+      <p:sp>
+        <p:nvSpPr>
+          <p:cNvPr id="43" name="Titel 1">
+            <a:extLst>
+              <a:ext uri="{FF2B5EF4-FFF2-40B4-BE49-F238E27FC236}">
+                <a16:creationId xmlns:a16="http://schemas.microsoft.com/office/drawing/2014/main" id="{E6C525BE-89F0-E627-867A-FDD0CDD04573}"/>
+              </a:ext>
+            </a:extLst>
+          </p:cNvPr>
+          <p:cNvSpPr txBox="1">
+            <a:spLocks/>
+          </p:cNvSpPr>
+          <p:nvPr/>
+        </p:nvSpPr>
+        <p:spPr>
+          <a:xfrm>
+            <a:off x="1754807" y="213201"/>
+            <a:ext cx="1458843" cy="403364"/>
+          </a:xfrm>
+          <a:prstGeom prst="rect">
+            <a:avLst/>
+          </a:prstGeom>
+        </p:spPr>
+        <p:txBody>
+          <a:bodyPr vert="horz" lIns="91440" tIns="45720" rIns="91440" bIns="45720" rtlCol="0" anchor="b">
+            <a:normAutofit/>
+          </a:bodyPr>
+          <a:lstStyle>
+            <a:lvl1pPr algn="ctr" defTabSz="914400" rtl="0" eaLnBrk="1" latinLnBrk="0" hangingPunct="1">
+              <a:lnSpc>
+                <a:spcPct val="90000"/>
+              </a:lnSpc>
+              <a:spcBef>
+                <a:spcPct val="0"/>
+              </a:spcBef>
+              <a:buNone/>
+              <a:defRPr sz="6000" kern="1200">
+                <a:solidFill>
+                  <a:schemeClr val="tx1"/>
+                </a:solidFill>
+                <a:latin typeface="+mj-lt"/>
+                <a:ea typeface="+mj-ea"/>
+                <a:cs typeface="+mj-cs"/>
+              </a:defRPr>
+            </a:lvl1pPr>
+          </a:lstStyle>
+          <a:p>
+            <a:pPr algn="l"/>
+            <a:r>
+              <a:rPr lang="de-CH" sz="1600" b="1" dirty="0">
+                <a:solidFill>
+                  <a:schemeClr val="bg1"/>
+                </a:solidFill>
+              </a:rPr>
+              <a:t>/</a:t>
+            </a:r>
+            <a:endParaRPr lang="de-CH" sz="1600" dirty="0">
+              <a:solidFill>
+                <a:schemeClr val="bg1"/>
+              </a:solidFill>
+            </a:endParaRPr>
           </a:p>
         </p:txBody>
       </p:sp>
@@ -3477,38 +4688,980 @@
       </p:grpSpPr>
       <p:sp>
         <p:nvSpPr>
-          <p:cNvPr id="2" name="Titel 1">
-            <a:extLst>
-              <a:ext uri="{FF2B5EF4-FFF2-40B4-BE49-F238E27FC236}">
-                <a16:creationId xmlns:a16="http://schemas.microsoft.com/office/drawing/2014/main" id="{FF534EB4-C1BD-72A2-055F-B56CD43994D3}"/>
+          <p:cNvPr id="4" name="Rechteck 3">
+            <a:extLst>
+              <a:ext uri="{FF2B5EF4-FFF2-40B4-BE49-F238E27FC236}">
+                <a16:creationId xmlns:a16="http://schemas.microsoft.com/office/drawing/2014/main" id="{1EBC7BC9-92A8-433B-1D7C-51181B79E014}"/>
               </a:ext>
             </a:extLst>
           </p:cNvPr>
           <p:cNvSpPr>
-            <a:spLocks noGrp="1"/>
+            <a:spLocks noGrp="1" noRot="1" noMove="1" noResize="1" noEditPoints="1" noAdjustHandles="1" noChangeArrowheads="1" noChangeShapeType="1"/>
           </p:cNvSpPr>
-          <p:nvPr>
-            <p:ph type="title"/>
-          </p:nvPr>
-        </p:nvSpPr>
-        <p:spPr/>
-        <p:txBody>
-          <a:bodyPr/>
-          <a:lstStyle/>
-          <a:p>
-            <a:r>
-              <a:rPr lang="de-CH" dirty="0"/>
-              <a:t>Problem Statement</a:t>
-            </a:r>
-          </a:p>
-        </p:txBody>
-      </p:sp>
-      <p:sp>
-        <p:nvSpPr>
-          <p:cNvPr id="3" name="Inhaltsplatzhalter 2">
-            <a:extLst>
-              <a:ext uri="{FF2B5EF4-FFF2-40B4-BE49-F238E27FC236}">
-                <a16:creationId xmlns:a16="http://schemas.microsoft.com/office/drawing/2014/main" id="{9DD252F4-E30B-1561-E14E-74B9DB697713}"/>
+          <p:nvPr/>
+        </p:nvSpPr>
+        <p:spPr>
+          <a:xfrm>
+            <a:off x="0" y="0"/>
+            <a:ext cx="491067" cy="6858000"/>
+          </a:xfrm>
+          <a:prstGeom prst="rect">
+            <a:avLst/>
+          </a:prstGeom>
+          <a:solidFill>
+            <a:srgbClr val="7B2420">
+              <a:alpha val="45000"/>
+            </a:srgbClr>
+          </a:solidFill>
+          <a:ln>
+            <a:noFill/>
+          </a:ln>
+        </p:spPr>
+        <p:style>
+          <a:lnRef idx="2">
+            <a:schemeClr val="accent1">
+              <a:shade val="15000"/>
+            </a:schemeClr>
+          </a:lnRef>
+          <a:fillRef idx="1">
+            <a:schemeClr val="accent1"/>
+          </a:fillRef>
+          <a:effectRef idx="0">
+            <a:schemeClr val="accent1"/>
+          </a:effectRef>
+          <a:fontRef idx="minor">
+            <a:schemeClr val="lt1"/>
+          </a:fontRef>
+        </p:style>
+        <p:txBody>
+          <a:bodyPr rtlCol="0" anchor="ctr"/>
+          <a:lstStyle/>
+          <a:p>
+            <a:pPr algn="ctr"/>
+            <a:endParaRPr lang="de-CH"/>
+          </a:p>
+        </p:txBody>
+      </p:sp>
+      <p:sp>
+        <p:nvSpPr>
+          <p:cNvPr id="5" name="Rechteck 4">
+            <a:extLst>
+              <a:ext uri="{FF2B5EF4-FFF2-40B4-BE49-F238E27FC236}">
+                <a16:creationId xmlns:a16="http://schemas.microsoft.com/office/drawing/2014/main" id="{A6BB1D60-9068-26A2-12D4-535B79126CED}"/>
+              </a:ext>
+            </a:extLst>
+          </p:cNvPr>
+          <p:cNvSpPr>
+            <a:spLocks noGrp="1" noRot="1" noMove="1" noResize="1" noEditPoints="1" noAdjustHandles="1" noChangeArrowheads="1" noChangeShapeType="1"/>
+          </p:cNvSpPr>
+          <p:nvPr/>
+        </p:nvSpPr>
+        <p:spPr>
+          <a:xfrm>
+            <a:off x="0" y="0"/>
+            <a:ext cx="12192000" cy="144624"/>
+          </a:xfrm>
+          <a:prstGeom prst="rect">
+            <a:avLst/>
+          </a:prstGeom>
+          <a:solidFill>
+            <a:srgbClr val="4F4F48"/>
+          </a:solidFill>
+          <a:ln>
+            <a:noFill/>
+          </a:ln>
+        </p:spPr>
+        <p:style>
+          <a:lnRef idx="2">
+            <a:schemeClr val="accent1">
+              <a:shade val="15000"/>
+            </a:schemeClr>
+          </a:lnRef>
+          <a:fillRef idx="1">
+            <a:schemeClr val="accent1"/>
+          </a:fillRef>
+          <a:effectRef idx="0">
+            <a:schemeClr val="accent1"/>
+          </a:effectRef>
+          <a:fontRef idx="minor">
+            <a:schemeClr val="lt1"/>
+          </a:fontRef>
+        </p:style>
+        <p:txBody>
+          <a:bodyPr rtlCol="0" anchor="ctr"/>
+          <a:lstStyle/>
+          <a:p>
+            <a:pPr algn="ctr"/>
+            <a:endParaRPr lang="de-CH"/>
+          </a:p>
+        </p:txBody>
+      </p:sp>
+      <p:pic>
+        <p:nvPicPr>
+          <p:cNvPr id="6" name="Grafik 5" descr="Zahnrad mit einfarbiger Füllung">
+            <a:extLst>
+              <a:ext uri="{FF2B5EF4-FFF2-40B4-BE49-F238E27FC236}">
+                <a16:creationId xmlns:a16="http://schemas.microsoft.com/office/drawing/2014/main" id="{CFF2B3BF-A609-7804-37CC-B68833B66273}"/>
+              </a:ext>
+            </a:extLst>
+          </p:cNvPr>
+          <p:cNvPicPr>
+            <a:picLocks noGrp="1" noRot="1" noChangeAspect="1" noMove="1" noResize="1" noEditPoints="1" noAdjustHandles="1" noChangeArrowheads="1" noChangeShapeType="1" noCrop="1"/>
+          </p:cNvPicPr>
+          <p:nvPr/>
+        </p:nvPicPr>
+        <p:blipFill>
+          <a:blip r:embed="rId2">
+            <a:extLst>
+              <a:ext uri="{28A0092B-C50C-407E-A947-70E740481C1C}">
+                <a14:useLocalDpi xmlns:a14="http://schemas.microsoft.com/office/drawing/2010/main" val="0"/>
+              </a:ext>
+              <a:ext uri="{96DAC541-7B7A-43D3-8B79-37D633B846F1}">
+                <asvg:svgBlip xmlns:asvg="http://schemas.microsoft.com/office/drawing/2016/SVG/main" r:embed="rId3"/>
+              </a:ext>
+            </a:extLst>
+          </a:blip>
+          <a:stretch>
+            <a:fillRect/>
+          </a:stretch>
+        </p:blipFill>
+        <p:spPr>
+          <a:xfrm>
+            <a:off x="-4990" y="2092068"/>
+            <a:ext cx="504487" cy="504487"/>
+          </a:xfrm>
+          <a:prstGeom prst="rect">
+            <a:avLst/>
+          </a:prstGeom>
+        </p:spPr>
+      </p:pic>
+      <p:pic>
+        <p:nvPicPr>
+          <p:cNvPr id="7" name="Grafik 6" descr="Abfall mit einfarbiger Füllung">
+            <a:extLst>
+              <a:ext uri="{FF2B5EF4-FFF2-40B4-BE49-F238E27FC236}">
+                <a16:creationId xmlns:a16="http://schemas.microsoft.com/office/drawing/2014/main" id="{F355EF2A-3E92-7EC6-247C-5C38201410E6}"/>
+              </a:ext>
+            </a:extLst>
+          </p:cNvPr>
+          <p:cNvPicPr>
+            <a:picLocks noGrp="1" noRot="1" noChangeAspect="1" noMove="1" noResize="1" noEditPoints="1" noAdjustHandles="1" noChangeArrowheads="1" noChangeShapeType="1" noCrop="1"/>
+          </p:cNvPicPr>
+          <p:nvPr/>
+        </p:nvPicPr>
+        <p:blipFill>
+          <a:blip r:embed="rId4">
+            <a:extLst>
+              <a:ext uri="{28A0092B-C50C-407E-A947-70E740481C1C}">
+                <a14:useLocalDpi xmlns:a14="http://schemas.microsoft.com/office/drawing/2010/main" val="0"/>
+              </a:ext>
+              <a:ext uri="{96DAC541-7B7A-43D3-8B79-37D633B846F1}">
+                <asvg:svgBlip xmlns:asvg="http://schemas.microsoft.com/office/drawing/2016/SVG/main" r:embed="rId5"/>
+              </a:ext>
+            </a:extLst>
+          </a:blip>
+          <a:stretch>
+            <a:fillRect/>
+          </a:stretch>
+        </p:blipFill>
+        <p:spPr>
+          <a:xfrm>
+            <a:off x="-4233" y="6291885"/>
+            <a:ext cx="495300" cy="495300"/>
+          </a:xfrm>
+          <a:prstGeom prst="rect">
+            <a:avLst/>
+          </a:prstGeom>
+        </p:spPr>
+      </p:pic>
+      <p:pic>
+        <p:nvPicPr>
+          <p:cNvPr id="8" name="Grafik 7" descr="Bauer mit einfarbiger Füllung">
+            <a:extLst>
+              <a:ext uri="{FF2B5EF4-FFF2-40B4-BE49-F238E27FC236}">
+                <a16:creationId xmlns:a16="http://schemas.microsoft.com/office/drawing/2014/main" id="{66E4704C-8597-5095-5530-477B8474C847}"/>
+              </a:ext>
+            </a:extLst>
+          </p:cNvPr>
+          <p:cNvPicPr>
+            <a:picLocks noGrp="1" noRot="1" noChangeAspect="1" noMove="1" noResize="1" noEditPoints="1" noAdjustHandles="1" noChangeArrowheads="1" noChangeShapeType="1" noCrop="1"/>
+          </p:cNvPicPr>
+          <p:nvPr/>
+        </p:nvPicPr>
+        <p:blipFill>
+          <a:blip r:embed="rId6">
+            <a:extLst>
+              <a:ext uri="{28A0092B-C50C-407E-A947-70E740481C1C}">
+                <a14:useLocalDpi xmlns:a14="http://schemas.microsoft.com/office/drawing/2010/main" val="0"/>
+              </a:ext>
+              <a:ext uri="{96DAC541-7B7A-43D3-8B79-37D633B846F1}">
+                <asvg:svgBlip xmlns:asvg="http://schemas.microsoft.com/office/drawing/2016/SVG/main" r:embed="rId7"/>
+              </a:ext>
+            </a:extLst>
+          </a:blip>
+          <a:stretch>
+            <a:fillRect/>
+          </a:stretch>
+        </p:blipFill>
+        <p:spPr>
+          <a:xfrm>
+            <a:off x="-4990" y="1582987"/>
+            <a:ext cx="504487" cy="504487"/>
+          </a:xfrm>
+          <a:prstGeom prst="rect">
+            <a:avLst/>
+          </a:prstGeom>
+        </p:spPr>
+      </p:pic>
+      <p:pic>
+        <p:nvPicPr>
+          <p:cNvPr id="9" name="Grafik 8" descr="Fuchs mit einfarbiger Füllung">
+            <a:extLst>
+              <a:ext uri="{FF2B5EF4-FFF2-40B4-BE49-F238E27FC236}">
+                <a16:creationId xmlns:a16="http://schemas.microsoft.com/office/drawing/2014/main" id="{D28C4A7B-3D4E-B28F-3512-A05879CE9B33}"/>
+              </a:ext>
+            </a:extLst>
+          </p:cNvPr>
+          <p:cNvPicPr>
+            <a:picLocks noGrp="1" noRot="1" noChangeAspect="1" noMove="1" noResize="1" noEditPoints="1" noAdjustHandles="1" noChangeArrowheads="1" noChangeShapeType="1" noCrop="1"/>
+          </p:cNvPicPr>
+          <p:nvPr/>
+        </p:nvPicPr>
+        <p:blipFill>
+          <a:blip r:embed="rId8">
+            <a:extLst>
+              <a:ext uri="{28A0092B-C50C-407E-A947-70E740481C1C}">
+                <a14:useLocalDpi xmlns:a14="http://schemas.microsoft.com/office/drawing/2010/main" val="0"/>
+              </a:ext>
+              <a:ext uri="{96DAC541-7B7A-43D3-8B79-37D633B846F1}">
+                <asvg:svgBlip xmlns:asvg="http://schemas.microsoft.com/office/drawing/2016/SVG/main" r:embed="rId9"/>
+              </a:ext>
+            </a:extLst>
+          </a:blip>
+          <a:stretch>
+            <a:fillRect/>
+          </a:stretch>
+        </p:blipFill>
+        <p:spPr>
+          <a:xfrm>
+            <a:off x="22160" y="1128208"/>
+            <a:ext cx="450186" cy="450186"/>
+          </a:xfrm>
+          <a:prstGeom prst="rect">
+            <a:avLst/>
+          </a:prstGeom>
+        </p:spPr>
+      </p:pic>
+      <p:pic>
+        <p:nvPicPr>
+          <p:cNvPr id="10" name="Grafik 9" descr="Feder mit einfarbiger Füllung">
+            <a:extLst>
+              <a:ext uri="{FF2B5EF4-FFF2-40B4-BE49-F238E27FC236}">
+                <a16:creationId xmlns:a16="http://schemas.microsoft.com/office/drawing/2014/main" id="{19230F80-9E76-ACCD-27B7-01EA9A2B7703}"/>
+              </a:ext>
+            </a:extLst>
+          </p:cNvPr>
+          <p:cNvPicPr>
+            <a:picLocks noGrp="1" noRot="1" noChangeAspect="1" noMove="1" noResize="1" noEditPoints="1" noAdjustHandles="1" noChangeArrowheads="1" noChangeShapeType="1" noCrop="1"/>
+          </p:cNvPicPr>
+          <p:nvPr/>
+        </p:nvPicPr>
+        <p:blipFill>
+          <a:blip r:embed="rId10">
+            <a:extLst>
+              <a:ext uri="{28A0092B-C50C-407E-A947-70E740481C1C}">
+                <a14:useLocalDpi xmlns:a14="http://schemas.microsoft.com/office/drawing/2010/main" val="0"/>
+              </a:ext>
+              <a:ext uri="{96DAC541-7B7A-43D3-8B79-37D633B846F1}">
+                <asvg:svgBlip xmlns:asvg="http://schemas.microsoft.com/office/drawing/2016/SVG/main" r:embed="rId11"/>
+              </a:ext>
+            </a:extLst>
+          </a:blip>
+          <a:stretch>
+            <a:fillRect/>
+          </a:stretch>
+        </p:blipFill>
+        <p:spPr>
+          <a:xfrm>
+            <a:off x="11598" y="652304"/>
+            <a:ext cx="471311" cy="471311"/>
+          </a:xfrm>
+          <a:prstGeom prst="rect">
+            <a:avLst/>
+          </a:prstGeom>
+        </p:spPr>
+      </p:pic>
+      <p:pic>
+        <p:nvPicPr>
+          <p:cNvPr id="11" name="Grafik 10" descr="Ordner mit einfarbiger Füllung">
+            <a:extLst>
+              <a:ext uri="{FF2B5EF4-FFF2-40B4-BE49-F238E27FC236}">
+                <a16:creationId xmlns:a16="http://schemas.microsoft.com/office/drawing/2014/main" id="{97360CCF-D673-7963-2830-629B02C0D8BB}"/>
+              </a:ext>
+            </a:extLst>
+          </p:cNvPr>
+          <p:cNvPicPr>
+            <a:picLocks noGrp="1" noRot="1" noChangeAspect="1" noMove="1" noResize="1" noEditPoints="1" noAdjustHandles="1" noChangeArrowheads="1" noChangeShapeType="1" noCrop="1"/>
+          </p:cNvPicPr>
+          <p:nvPr/>
+        </p:nvPicPr>
+        <p:blipFill>
+          <a:blip r:embed="rId12">
+            <a:extLst>
+              <a:ext uri="{28A0092B-C50C-407E-A947-70E740481C1C}">
+                <a14:useLocalDpi xmlns:a14="http://schemas.microsoft.com/office/drawing/2010/main" val="0"/>
+              </a:ext>
+              <a:ext uri="{96DAC541-7B7A-43D3-8B79-37D633B846F1}">
+                <asvg:svgBlip xmlns:asvg="http://schemas.microsoft.com/office/drawing/2016/SVG/main" r:embed="rId13"/>
+              </a:ext>
+            </a:extLst>
+          </a:blip>
+          <a:stretch>
+            <a:fillRect/>
+          </a:stretch>
+        </p:blipFill>
+        <p:spPr>
+          <a:xfrm>
+            <a:off x="7042" y="167289"/>
+            <a:ext cx="480422" cy="480422"/>
+          </a:xfrm>
+          <a:prstGeom prst="rect">
+            <a:avLst/>
+          </a:prstGeom>
+        </p:spPr>
+      </p:pic>
+      <p:sp>
+        <p:nvSpPr>
+          <p:cNvPr id="38" name="Rechteck: abgerundete Ecken 37">
+            <a:extLst>
+              <a:ext uri="{FF2B5EF4-FFF2-40B4-BE49-F238E27FC236}">
+                <a16:creationId xmlns:a16="http://schemas.microsoft.com/office/drawing/2014/main" id="{206BC2DF-9FE4-5AD4-99C9-2F2F048092CF}"/>
+              </a:ext>
+            </a:extLst>
+          </p:cNvPr>
+          <p:cNvSpPr/>
+          <p:nvPr/>
+        </p:nvSpPr>
+        <p:spPr>
+          <a:xfrm>
+            <a:off x="1354666" y="323786"/>
+            <a:ext cx="9999133" cy="5883831"/>
+          </a:xfrm>
+          <a:prstGeom prst="roundRect">
+            <a:avLst>
+              <a:gd name="adj" fmla="val 1824"/>
+            </a:avLst>
+          </a:prstGeom>
+          <a:solidFill>
+            <a:srgbClr val="FFFFFF"/>
+          </a:solidFill>
+          <a:ln>
+            <a:noFill/>
+          </a:ln>
+        </p:spPr>
+        <p:style>
+          <a:lnRef idx="2">
+            <a:schemeClr val="accent1">
+              <a:shade val="15000"/>
+            </a:schemeClr>
+          </a:lnRef>
+          <a:fillRef idx="1">
+            <a:schemeClr val="accent1"/>
+          </a:fillRef>
+          <a:effectRef idx="0">
+            <a:schemeClr val="accent1"/>
+          </a:effectRef>
+          <a:fontRef idx="minor">
+            <a:schemeClr val="lt1"/>
+          </a:fontRef>
+        </p:style>
+        <p:txBody>
+          <a:bodyPr rtlCol="0" anchor="ctr"/>
+          <a:lstStyle/>
+          <a:p>
+            <a:pPr algn="ctr"/>
+            <a:endParaRPr lang="de-CH"/>
+          </a:p>
+        </p:txBody>
+      </p:sp>
+      <p:sp>
+        <p:nvSpPr>
+          <p:cNvPr id="39" name="Rechteck: abgerundete Ecken 38">
+            <a:extLst>
+              <a:ext uri="{FF2B5EF4-FFF2-40B4-BE49-F238E27FC236}">
+                <a16:creationId xmlns:a16="http://schemas.microsoft.com/office/drawing/2014/main" id="{5C795C08-8AAE-AB8C-77F4-076016DC53C8}"/>
+              </a:ext>
+            </a:extLst>
+          </p:cNvPr>
+          <p:cNvSpPr/>
+          <p:nvPr/>
+        </p:nvSpPr>
+        <p:spPr>
+          <a:xfrm>
+            <a:off x="1363097" y="361245"/>
+            <a:ext cx="1479125" cy="5838670"/>
+          </a:xfrm>
+          <a:prstGeom prst="roundRect">
+            <a:avLst>
+              <a:gd name="adj" fmla="val 1824"/>
+            </a:avLst>
+          </a:prstGeom>
+          <a:solidFill>
+            <a:srgbClr val="E7E5E4"/>
+          </a:solidFill>
+          <a:ln>
+            <a:solidFill>
+              <a:srgbClr val="C0C0C0"/>
+            </a:solidFill>
+          </a:ln>
+        </p:spPr>
+        <p:style>
+          <a:lnRef idx="2">
+            <a:schemeClr val="accent1">
+              <a:shade val="15000"/>
+            </a:schemeClr>
+          </a:lnRef>
+          <a:fillRef idx="1">
+            <a:schemeClr val="accent1"/>
+          </a:fillRef>
+          <a:effectRef idx="0">
+            <a:schemeClr val="accent1"/>
+          </a:effectRef>
+          <a:fontRef idx="minor">
+            <a:schemeClr val="lt1"/>
+          </a:fontRef>
+        </p:style>
+        <p:txBody>
+          <a:bodyPr rtlCol="0" anchor="ctr"/>
+          <a:lstStyle/>
+          <a:p>
+            <a:pPr algn="ctr"/>
+            <a:endParaRPr lang="de-CH"/>
+          </a:p>
+        </p:txBody>
+      </p:sp>
+      <p:sp>
+        <p:nvSpPr>
+          <p:cNvPr id="40" name="Rechteck: abgerundete Ecken 39">
+            <a:extLst>
+              <a:ext uri="{FF2B5EF4-FFF2-40B4-BE49-F238E27FC236}">
+                <a16:creationId xmlns:a16="http://schemas.microsoft.com/office/drawing/2014/main" id="{2FA22589-BD65-A8D1-ABC2-55A26C74608E}"/>
+              </a:ext>
+            </a:extLst>
+          </p:cNvPr>
+          <p:cNvSpPr/>
+          <p:nvPr/>
+        </p:nvSpPr>
+        <p:spPr>
+          <a:xfrm>
+            <a:off x="1346509" y="323785"/>
+            <a:ext cx="10010048" cy="251947"/>
+          </a:xfrm>
+          <a:prstGeom prst="roundRect">
+            <a:avLst>
+              <a:gd name="adj" fmla="val 1824"/>
+            </a:avLst>
+          </a:prstGeom>
+          <a:solidFill>
+            <a:srgbClr val="4F4F48"/>
+          </a:solidFill>
+          <a:ln>
+            <a:noFill/>
+          </a:ln>
+        </p:spPr>
+        <p:style>
+          <a:lnRef idx="2">
+            <a:schemeClr val="accent1">
+              <a:shade val="15000"/>
+            </a:schemeClr>
+          </a:lnRef>
+          <a:fillRef idx="1">
+            <a:schemeClr val="accent1"/>
+          </a:fillRef>
+          <a:effectRef idx="0">
+            <a:schemeClr val="accent1"/>
+          </a:effectRef>
+          <a:fontRef idx="minor">
+            <a:schemeClr val="lt1"/>
+          </a:fontRef>
+        </p:style>
+        <p:txBody>
+          <a:bodyPr rtlCol="0" anchor="ctr"/>
+          <a:lstStyle/>
+          <a:p>
+            <a:pPr algn="ctr"/>
+            <a:endParaRPr lang="de-CH"/>
+          </a:p>
+        </p:txBody>
+      </p:sp>
+      <p:sp>
+        <p:nvSpPr>
+          <p:cNvPr id="41" name="Ellipse 40">
+            <a:extLst>
+              <a:ext uri="{FF2B5EF4-FFF2-40B4-BE49-F238E27FC236}">
+                <a16:creationId xmlns:a16="http://schemas.microsoft.com/office/drawing/2014/main" id="{AC222B29-F6DD-5E69-6DE0-D3DB7AA4D9D1}"/>
+              </a:ext>
+            </a:extLst>
+          </p:cNvPr>
+          <p:cNvSpPr/>
+          <p:nvPr/>
+        </p:nvSpPr>
+        <p:spPr>
+          <a:xfrm>
+            <a:off x="1385667" y="388664"/>
+            <a:ext cx="108000" cy="108000"/>
+          </a:xfrm>
+          <a:prstGeom prst="ellipse">
+            <a:avLst/>
+          </a:prstGeom>
+          <a:solidFill>
+            <a:srgbClr val="EA5E2F"/>
+          </a:solidFill>
+          <a:ln>
+            <a:noFill/>
+          </a:ln>
+        </p:spPr>
+        <p:style>
+          <a:lnRef idx="2">
+            <a:schemeClr val="accent1">
+              <a:shade val="15000"/>
+            </a:schemeClr>
+          </a:lnRef>
+          <a:fillRef idx="1">
+            <a:schemeClr val="accent1"/>
+          </a:fillRef>
+          <a:effectRef idx="0">
+            <a:schemeClr val="accent1"/>
+          </a:effectRef>
+          <a:fontRef idx="minor">
+            <a:schemeClr val="lt1"/>
+          </a:fontRef>
+        </p:style>
+        <p:txBody>
+          <a:bodyPr rtlCol="0" anchor="ctr"/>
+          <a:lstStyle/>
+          <a:p>
+            <a:pPr algn="ctr"/>
+            <a:endParaRPr lang="de-CH"/>
+          </a:p>
+        </p:txBody>
+      </p:sp>
+      <p:sp>
+        <p:nvSpPr>
+          <p:cNvPr id="42" name="Ellipse 41">
+            <a:extLst>
+              <a:ext uri="{FF2B5EF4-FFF2-40B4-BE49-F238E27FC236}">
+                <a16:creationId xmlns:a16="http://schemas.microsoft.com/office/drawing/2014/main" id="{79532EE7-9642-ED53-1242-71CA75F7D3D2}"/>
+              </a:ext>
+            </a:extLst>
+          </p:cNvPr>
+          <p:cNvSpPr/>
+          <p:nvPr/>
+        </p:nvSpPr>
+        <p:spPr>
+          <a:xfrm>
+            <a:off x="1516237" y="388664"/>
+            <a:ext cx="108000" cy="108000"/>
+          </a:xfrm>
+          <a:prstGeom prst="ellipse">
+            <a:avLst/>
+          </a:prstGeom>
+          <a:solidFill>
+            <a:srgbClr val="878680"/>
+          </a:solidFill>
+          <a:ln>
+            <a:noFill/>
+          </a:ln>
+        </p:spPr>
+        <p:style>
+          <a:lnRef idx="2">
+            <a:schemeClr val="accent1">
+              <a:shade val="15000"/>
+            </a:schemeClr>
+          </a:lnRef>
+          <a:fillRef idx="1">
+            <a:schemeClr val="accent1"/>
+          </a:fillRef>
+          <a:effectRef idx="0">
+            <a:schemeClr val="accent1"/>
+          </a:effectRef>
+          <a:fontRef idx="minor">
+            <a:schemeClr val="lt1"/>
+          </a:fontRef>
+        </p:style>
+        <p:txBody>
+          <a:bodyPr rtlCol="0" anchor="ctr"/>
+          <a:lstStyle/>
+          <a:p>
+            <a:pPr algn="ctr"/>
+            <a:endParaRPr lang="de-CH"/>
+          </a:p>
+        </p:txBody>
+      </p:sp>
+      <p:sp>
+        <p:nvSpPr>
+          <p:cNvPr id="43" name="Ellipse 42">
+            <a:extLst>
+              <a:ext uri="{FF2B5EF4-FFF2-40B4-BE49-F238E27FC236}">
+                <a16:creationId xmlns:a16="http://schemas.microsoft.com/office/drawing/2014/main" id="{1E1BE2B1-8F0D-27F5-C6A3-41B46DC60474}"/>
+              </a:ext>
+            </a:extLst>
+          </p:cNvPr>
+          <p:cNvSpPr/>
+          <p:nvPr/>
+        </p:nvSpPr>
+        <p:spPr>
+          <a:xfrm>
+            <a:off x="1646807" y="388664"/>
+            <a:ext cx="108000" cy="108000"/>
+          </a:xfrm>
+          <a:prstGeom prst="ellipse">
+            <a:avLst/>
+          </a:prstGeom>
+          <a:solidFill>
+            <a:srgbClr val="878680"/>
+          </a:solidFill>
+          <a:ln>
+            <a:noFill/>
+          </a:ln>
+        </p:spPr>
+        <p:style>
+          <a:lnRef idx="2">
+            <a:schemeClr val="accent1">
+              <a:shade val="15000"/>
+            </a:schemeClr>
+          </a:lnRef>
+          <a:fillRef idx="1">
+            <a:schemeClr val="accent1"/>
+          </a:fillRef>
+          <a:effectRef idx="0">
+            <a:schemeClr val="accent1"/>
+          </a:effectRef>
+          <a:fontRef idx="minor">
+            <a:schemeClr val="lt1"/>
+          </a:fontRef>
+        </p:style>
+        <p:txBody>
+          <a:bodyPr rtlCol="0" anchor="ctr"/>
+          <a:lstStyle/>
+          <a:p>
+            <a:pPr algn="ctr"/>
+            <a:endParaRPr lang="de-CH"/>
+          </a:p>
+        </p:txBody>
+      </p:sp>
+      <p:sp>
+        <p:nvSpPr>
+          <p:cNvPr id="50" name="Titel 1">
+            <a:extLst>
+              <a:ext uri="{FF2B5EF4-FFF2-40B4-BE49-F238E27FC236}">
+                <a16:creationId xmlns:a16="http://schemas.microsoft.com/office/drawing/2014/main" id="{CBCEA5E9-2E41-18BF-777B-6D24026802F5}"/>
+              </a:ext>
+            </a:extLst>
+          </p:cNvPr>
+          <p:cNvSpPr txBox="1">
+            <a:spLocks/>
+          </p:cNvSpPr>
+          <p:nvPr/>
+        </p:nvSpPr>
+        <p:spPr>
+          <a:xfrm>
+            <a:off x="1407310" y="505980"/>
+            <a:ext cx="1458843" cy="2228091"/>
+          </a:xfrm>
+          <a:prstGeom prst="rect">
+            <a:avLst/>
+          </a:prstGeom>
+        </p:spPr>
+        <p:txBody>
+          <a:bodyPr vert="horz" lIns="91440" tIns="45720" rIns="91440" bIns="45720" rtlCol="0" anchor="b">
+            <a:normAutofit fontScale="85000" lnSpcReduction="20000"/>
+          </a:bodyPr>
+          <a:lstStyle>
+            <a:lvl1pPr algn="ctr" defTabSz="914400" rtl="0" eaLnBrk="1" latinLnBrk="0" hangingPunct="1">
+              <a:lnSpc>
+                <a:spcPct val="90000"/>
+              </a:lnSpc>
+              <a:spcBef>
+                <a:spcPct val="0"/>
+              </a:spcBef>
+              <a:buNone/>
+              <a:defRPr sz="6000" kern="1200">
+                <a:solidFill>
+                  <a:schemeClr val="tx1"/>
+                </a:solidFill>
+                <a:latin typeface="+mj-lt"/>
+                <a:ea typeface="+mj-ea"/>
+                <a:cs typeface="+mj-cs"/>
+              </a:defRPr>
+            </a:lvl1pPr>
+          </a:lstStyle>
+          <a:p>
+            <a:pPr algn="l"/>
+            <a:r>
+              <a:rPr lang="de-CH" sz="1400" b="1" dirty="0"/>
+              <a:t>Places</a:t>
+            </a:r>
+          </a:p>
+          <a:p>
+            <a:pPr algn="l"/>
+            <a:r>
+              <a:rPr lang="de-CH" sz="1400" dirty="0" err="1"/>
+              <a:t>Recent</a:t>
+            </a:r>
+            <a:endParaRPr lang="de-CH" sz="1400" dirty="0"/>
+          </a:p>
+          <a:p>
+            <a:pPr algn="l"/>
+            <a:r>
+              <a:rPr lang="de-CH" sz="1400" dirty="0"/>
+              <a:t>Home</a:t>
+            </a:r>
+          </a:p>
+          <a:p>
+            <a:pPr algn="l"/>
+            <a:r>
+              <a:rPr lang="de-CH" sz="1400" dirty="0"/>
+              <a:t>Desktop</a:t>
+            </a:r>
+          </a:p>
+          <a:p>
+            <a:pPr algn="l"/>
+            <a:r>
+              <a:rPr lang="de-CH" sz="1400" dirty="0" err="1"/>
+              <a:t>Documents</a:t>
+            </a:r>
+            <a:endParaRPr lang="de-CH" sz="1400" dirty="0"/>
+          </a:p>
+          <a:p>
+            <a:pPr algn="l"/>
+            <a:r>
+              <a:rPr lang="de-CH" sz="1400" dirty="0"/>
+              <a:t>Downloads</a:t>
+            </a:r>
+          </a:p>
+          <a:p>
+            <a:pPr algn="l"/>
+            <a:r>
+              <a:rPr lang="de-CH" sz="1400" dirty="0"/>
+              <a:t>Music</a:t>
+            </a:r>
+          </a:p>
+          <a:p>
+            <a:pPr algn="l"/>
+            <a:r>
+              <a:rPr lang="de-CH" sz="1400" dirty="0"/>
+              <a:t>Pictures</a:t>
+            </a:r>
+          </a:p>
+          <a:p>
+            <a:pPr algn="l"/>
+            <a:r>
+              <a:rPr lang="de-CH" sz="1400" dirty="0"/>
+              <a:t>Videos</a:t>
+            </a:r>
+          </a:p>
+          <a:p>
+            <a:pPr algn="l"/>
+            <a:r>
+              <a:rPr lang="de-CH" sz="1400" dirty="0"/>
+              <a:t>Trash</a:t>
+            </a:r>
+          </a:p>
+          <a:p>
+            <a:pPr algn="l"/>
+            <a:endParaRPr lang="de-CH" sz="1400" dirty="0"/>
+          </a:p>
+          <a:p>
+            <a:pPr algn="l"/>
+            <a:r>
+              <a:rPr lang="de-CH" sz="1400" b="1" dirty="0"/>
+              <a:t>Devices</a:t>
+            </a:r>
+          </a:p>
+          <a:p>
+            <a:pPr algn="l"/>
+            <a:r>
+              <a:rPr lang="de-CH" sz="1400" dirty="0"/>
+              <a:t>Computer</a:t>
+            </a:r>
+          </a:p>
+          <a:p>
+            <a:pPr algn="l"/>
+            <a:endParaRPr lang="de-CH" sz="1400" dirty="0"/>
+          </a:p>
+          <a:p>
+            <a:pPr algn="l"/>
+            <a:r>
+              <a:rPr lang="de-CH" sz="1400" b="1" dirty="0"/>
+              <a:t>Network</a:t>
+            </a:r>
+          </a:p>
+          <a:p>
+            <a:pPr algn="l"/>
+            <a:r>
+              <a:rPr lang="de-CH" sz="1400" dirty="0"/>
+              <a:t>Connect </a:t>
+            </a:r>
+            <a:r>
+              <a:rPr lang="de-CH" sz="1400" dirty="0" err="1"/>
+              <a:t>to</a:t>
+            </a:r>
+            <a:r>
+              <a:rPr lang="de-CH" sz="1400" dirty="0"/>
+              <a:t> Server</a:t>
+            </a:r>
+          </a:p>
+        </p:txBody>
+      </p:sp>
+      <p:sp>
+        <p:nvSpPr>
+          <p:cNvPr id="51" name="Titel 1">
+            <a:extLst>
+              <a:ext uri="{FF2B5EF4-FFF2-40B4-BE49-F238E27FC236}">
+                <a16:creationId xmlns:a16="http://schemas.microsoft.com/office/drawing/2014/main" id="{B3EEA290-A0ED-35DC-E57E-4BDCD281DD31}"/>
+              </a:ext>
+            </a:extLst>
+          </p:cNvPr>
+          <p:cNvSpPr txBox="1">
+            <a:spLocks/>
+          </p:cNvSpPr>
+          <p:nvPr/>
+        </p:nvSpPr>
+        <p:spPr>
+          <a:xfrm>
+            <a:off x="1754807" y="213201"/>
+            <a:ext cx="5579711" cy="403364"/>
+          </a:xfrm>
+          <a:prstGeom prst="rect">
+            <a:avLst/>
+          </a:prstGeom>
+        </p:spPr>
+        <p:txBody>
+          <a:bodyPr vert="horz" lIns="91440" tIns="45720" rIns="91440" bIns="45720" rtlCol="0" anchor="b">
+            <a:normAutofit/>
+          </a:bodyPr>
+          <a:lstStyle>
+            <a:lvl1pPr algn="ctr" defTabSz="914400" rtl="0" eaLnBrk="1" latinLnBrk="0" hangingPunct="1">
+              <a:lnSpc>
+                <a:spcPct val="90000"/>
+              </a:lnSpc>
+              <a:spcBef>
+                <a:spcPct val="0"/>
+              </a:spcBef>
+              <a:buNone/>
+              <a:defRPr sz="6000" kern="1200">
+                <a:solidFill>
+                  <a:schemeClr val="tx1"/>
+                </a:solidFill>
+                <a:latin typeface="+mj-lt"/>
+                <a:ea typeface="+mj-ea"/>
+                <a:cs typeface="+mj-cs"/>
+              </a:defRPr>
+            </a:lvl1pPr>
+          </a:lstStyle>
+          <a:p>
+            <a:pPr algn="l"/>
+            <a:r>
+              <a:rPr lang="de-CH" sz="1600" b="1" dirty="0">
+                <a:solidFill>
+                  <a:schemeClr val="bg1"/>
+                </a:solidFill>
+              </a:rPr>
+              <a:t>/File System Extension/Problem.txt</a:t>
+            </a:r>
+            <a:endParaRPr lang="de-CH" sz="1600" dirty="0">
+              <a:solidFill>
+                <a:schemeClr val="bg1"/>
+              </a:solidFill>
+            </a:endParaRPr>
+          </a:p>
+        </p:txBody>
+      </p:sp>
+      <p:pic>
+        <p:nvPicPr>
+          <p:cNvPr id="60" name="Grafik 59" descr="Pfeil nach unten mit einfarbiger Füllung">
+            <a:extLst>
+              <a:ext uri="{FF2B5EF4-FFF2-40B4-BE49-F238E27FC236}">
+                <a16:creationId xmlns:a16="http://schemas.microsoft.com/office/drawing/2014/main" id="{8573EB0A-0682-683A-4F1B-64361B19AD71}"/>
+              </a:ext>
+            </a:extLst>
+          </p:cNvPr>
+          <p:cNvPicPr>
+            <a:picLocks noChangeAspect="1"/>
+          </p:cNvPicPr>
+          <p:nvPr/>
+        </p:nvPicPr>
+        <p:blipFill>
+          <a:blip r:embed="rId14">
+            <a:extLst>
+              <a:ext uri="{28A0092B-C50C-407E-A947-70E740481C1C}">
+                <a14:useLocalDpi xmlns:a14="http://schemas.microsoft.com/office/drawing/2010/main" val="0"/>
+              </a:ext>
+              <a:ext uri="{96DAC541-7B7A-43D3-8B79-37D633B846F1}">
+                <asvg:svgBlip xmlns:asvg="http://schemas.microsoft.com/office/drawing/2016/SVG/main" r:embed="rId15"/>
+              </a:ext>
+            </a:extLst>
+          </a:blip>
+          <a:stretch>
+            <a:fillRect/>
+          </a:stretch>
+        </p:blipFill>
+        <p:spPr>
+          <a:xfrm>
+            <a:off x="6169651" y="3085867"/>
+            <a:ext cx="914400" cy="914400"/>
+          </a:xfrm>
+          <a:prstGeom prst="rect">
+            <a:avLst/>
+          </a:prstGeom>
+        </p:spPr>
+      </p:pic>
+      <p:pic>
+        <p:nvPicPr>
+          <p:cNvPr id="62" name="Grafik 61" descr="Laptop mit einfarbiger Füllung">
+            <a:extLst>
+              <a:ext uri="{FF2B5EF4-FFF2-40B4-BE49-F238E27FC236}">
+                <a16:creationId xmlns:a16="http://schemas.microsoft.com/office/drawing/2014/main" id="{DB05E3F3-A56F-96D7-022D-FEE805A4668A}"/>
+              </a:ext>
+            </a:extLst>
+          </p:cNvPr>
+          <p:cNvPicPr>
+            <a:picLocks noChangeAspect="1"/>
+          </p:cNvPicPr>
+          <p:nvPr/>
+        </p:nvPicPr>
+        <p:blipFill>
+          <a:blip r:embed="rId16">
+            <a:extLst>
+              <a:ext uri="{28A0092B-C50C-407E-A947-70E740481C1C}">
+                <a14:useLocalDpi xmlns:a14="http://schemas.microsoft.com/office/drawing/2010/main" val="0"/>
+              </a:ext>
+              <a:ext uri="{96DAC541-7B7A-43D3-8B79-37D633B846F1}">
+                <asvg:svgBlip xmlns:asvg="http://schemas.microsoft.com/office/drawing/2016/SVG/main" r:embed="rId17"/>
+              </a:ext>
+            </a:extLst>
+          </a:blip>
+          <a:stretch>
+            <a:fillRect/>
+          </a:stretch>
+        </p:blipFill>
+        <p:spPr>
+          <a:xfrm>
+            <a:off x="5423346" y="647711"/>
+            <a:ext cx="2407010" cy="2407010"/>
+          </a:xfrm>
+          <a:prstGeom prst="rect">
+            <a:avLst/>
+          </a:prstGeom>
+        </p:spPr>
+      </p:pic>
+      <p:sp>
+        <p:nvSpPr>
+          <p:cNvPr id="64" name="Inhaltsplatzhalter 63" hidden="1">
+            <a:extLst>
+              <a:ext uri="{FF2B5EF4-FFF2-40B4-BE49-F238E27FC236}">
+                <a16:creationId xmlns:a16="http://schemas.microsoft.com/office/drawing/2014/main" id="{1CD08A09-D9EE-F002-4A50-06D917798CB3}"/>
               </a:ext>
             </a:extLst>
           </p:cNvPr>
@@ -3525,6 +5678,422 @@
           <a:lstStyle/>
           <a:p>
             <a:endParaRPr lang="de-CH"/>
+          </a:p>
+        </p:txBody>
+      </p:sp>
+      <p:pic>
+        <p:nvPicPr>
+          <p:cNvPr id="65" name="Grafik 64" descr="Pfeil nach unten mit einfarbiger Füllung">
+            <a:extLst>
+              <a:ext uri="{FF2B5EF4-FFF2-40B4-BE49-F238E27FC236}">
+                <a16:creationId xmlns:a16="http://schemas.microsoft.com/office/drawing/2014/main" id="{308C5835-E152-7A10-5D21-8AAEF78B72D4}"/>
+              </a:ext>
+            </a:extLst>
+          </p:cNvPr>
+          <p:cNvPicPr>
+            <a:picLocks noChangeAspect="1"/>
+          </p:cNvPicPr>
+          <p:nvPr/>
+        </p:nvPicPr>
+        <p:blipFill>
+          <a:blip r:embed="rId14">
+            <a:extLst>
+              <a:ext uri="{28A0092B-C50C-407E-A947-70E740481C1C}">
+                <a14:useLocalDpi xmlns:a14="http://schemas.microsoft.com/office/drawing/2010/main" val="0"/>
+              </a:ext>
+              <a:ext uri="{96DAC541-7B7A-43D3-8B79-37D633B846F1}">
+                <asvg:svgBlip xmlns:asvg="http://schemas.microsoft.com/office/drawing/2016/SVG/main" r:embed="rId15"/>
+              </a:ext>
+            </a:extLst>
+          </a:blip>
+          <a:stretch>
+            <a:fillRect/>
+          </a:stretch>
+        </p:blipFill>
+        <p:spPr>
+          <a:xfrm rot="2163241">
+            <a:off x="4793973" y="3085867"/>
+            <a:ext cx="914400" cy="914400"/>
+          </a:xfrm>
+          <a:prstGeom prst="rect">
+            <a:avLst/>
+          </a:prstGeom>
+        </p:spPr>
+      </p:pic>
+      <p:pic>
+        <p:nvPicPr>
+          <p:cNvPr id="69" name="Grafik 68" descr="Pfeil nach unten mit einfarbiger Füllung">
+            <a:extLst>
+              <a:ext uri="{FF2B5EF4-FFF2-40B4-BE49-F238E27FC236}">
+                <a16:creationId xmlns:a16="http://schemas.microsoft.com/office/drawing/2014/main" id="{E0AE4312-23DF-3DDE-F728-D03AD08A6B1D}"/>
+              </a:ext>
+            </a:extLst>
+          </p:cNvPr>
+          <p:cNvPicPr>
+            <a:picLocks noChangeAspect="1"/>
+          </p:cNvPicPr>
+          <p:nvPr/>
+        </p:nvPicPr>
+        <p:blipFill>
+          <a:blip r:embed="rId14">
+            <a:extLst>
+              <a:ext uri="{28A0092B-C50C-407E-A947-70E740481C1C}">
+                <a14:useLocalDpi xmlns:a14="http://schemas.microsoft.com/office/drawing/2010/main" val="0"/>
+              </a:ext>
+              <a:ext uri="{96DAC541-7B7A-43D3-8B79-37D633B846F1}">
+                <asvg:svgBlip xmlns:asvg="http://schemas.microsoft.com/office/drawing/2016/SVG/main" r:embed="rId15"/>
+              </a:ext>
+            </a:extLst>
+          </a:blip>
+          <a:stretch>
+            <a:fillRect/>
+          </a:stretch>
+        </p:blipFill>
+        <p:spPr>
+          <a:xfrm rot="19436759" flipH="1">
+            <a:off x="7545328" y="3085867"/>
+            <a:ext cx="914400" cy="914400"/>
+          </a:xfrm>
+          <a:prstGeom prst="rect">
+            <a:avLst/>
+          </a:prstGeom>
+        </p:spPr>
+      </p:pic>
+      <p:pic>
+        <p:nvPicPr>
+          <p:cNvPr id="70" name="Grafik 69" descr="Ordner mit einfarbiger Füllung">
+            <a:extLst>
+              <a:ext uri="{FF2B5EF4-FFF2-40B4-BE49-F238E27FC236}">
+                <a16:creationId xmlns:a16="http://schemas.microsoft.com/office/drawing/2014/main" id="{FE840B94-A631-EA78-D334-94BB098DD529}"/>
+              </a:ext>
+            </a:extLst>
+          </p:cNvPr>
+          <p:cNvPicPr>
+            <a:picLocks noChangeAspect="1"/>
+          </p:cNvPicPr>
+          <p:nvPr/>
+        </p:nvPicPr>
+        <p:blipFill>
+          <a:blip r:embed="rId12">
+            <a:extLst>
+              <a:ext uri="{28A0092B-C50C-407E-A947-70E740481C1C}">
+                <a14:useLocalDpi xmlns:a14="http://schemas.microsoft.com/office/drawing/2010/main" val="0"/>
+              </a:ext>
+              <a:ext uri="{96DAC541-7B7A-43D3-8B79-37D633B846F1}">
+                <asvg:svgBlip xmlns:asvg="http://schemas.microsoft.com/office/drawing/2016/SVG/main" r:embed="rId13"/>
+              </a:ext>
+            </a:extLst>
+          </a:blip>
+          <a:stretch>
+            <a:fillRect/>
+          </a:stretch>
+        </p:blipFill>
+        <p:spPr>
+          <a:xfrm>
+            <a:off x="3457094" y="3868415"/>
+            <a:ext cx="1616790" cy="1616790"/>
+          </a:xfrm>
+          <a:prstGeom prst="rect">
+            <a:avLst/>
+          </a:prstGeom>
+        </p:spPr>
+      </p:pic>
+      <p:pic>
+        <p:nvPicPr>
+          <p:cNvPr id="71" name="Grafik 70" descr="Ordner mit einfarbiger Füllung">
+            <a:extLst>
+              <a:ext uri="{FF2B5EF4-FFF2-40B4-BE49-F238E27FC236}">
+                <a16:creationId xmlns:a16="http://schemas.microsoft.com/office/drawing/2014/main" id="{B9300525-B3B9-6587-50C8-D5EF24468FDC}"/>
+              </a:ext>
+            </a:extLst>
+          </p:cNvPr>
+          <p:cNvPicPr>
+            <a:picLocks noChangeAspect="1"/>
+          </p:cNvPicPr>
+          <p:nvPr/>
+        </p:nvPicPr>
+        <p:blipFill>
+          <a:blip r:embed="rId12">
+            <a:extLst>
+              <a:ext uri="{28A0092B-C50C-407E-A947-70E740481C1C}">
+                <a14:useLocalDpi xmlns:a14="http://schemas.microsoft.com/office/drawing/2010/main" val="0"/>
+              </a:ext>
+              <a:ext uri="{96DAC541-7B7A-43D3-8B79-37D633B846F1}">
+                <asvg:svgBlip xmlns:asvg="http://schemas.microsoft.com/office/drawing/2016/SVG/main" r:embed="rId13"/>
+              </a:ext>
+            </a:extLst>
+          </a:blip>
+          <a:stretch>
+            <a:fillRect/>
+          </a:stretch>
+        </p:blipFill>
+        <p:spPr>
+          <a:xfrm>
+            <a:off x="5818456" y="3868415"/>
+            <a:ext cx="1616790" cy="1616790"/>
+          </a:xfrm>
+          <a:prstGeom prst="rect">
+            <a:avLst/>
+          </a:prstGeom>
+        </p:spPr>
+      </p:pic>
+      <p:pic>
+        <p:nvPicPr>
+          <p:cNvPr id="72" name="Grafik 24" descr="Ordner mit einfarbiger Füllung">
+            <a:extLst>
+              <a:ext uri="{FF2B5EF4-FFF2-40B4-BE49-F238E27FC236}">
+                <a16:creationId xmlns:a16="http://schemas.microsoft.com/office/drawing/2014/main" id="{2A212A10-A7AD-32B3-C417-CA186F3F7429}"/>
+              </a:ext>
+            </a:extLst>
+          </p:cNvPr>
+          <p:cNvPicPr>
+            <a:picLocks noChangeAspect="1"/>
+          </p:cNvPicPr>
+          <p:nvPr/>
+        </p:nvPicPr>
+        <p:blipFill>
+          <a:blip r:embed="rId12">
+            <a:extLst>
+              <a:ext uri="{28A0092B-C50C-407E-A947-70E740481C1C}">
+                <a14:useLocalDpi xmlns:a14="http://schemas.microsoft.com/office/drawing/2010/main" val="0"/>
+              </a:ext>
+              <a:ext uri="{96DAC541-7B7A-43D3-8B79-37D633B846F1}">
+                <asvg:svgBlip xmlns:asvg="http://schemas.microsoft.com/office/drawing/2016/SVG/main" r:embed="rId13"/>
+              </a:ext>
+            </a:extLst>
+          </a:blip>
+          <a:stretch>
+            <a:fillRect/>
+          </a:stretch>
+        </p:blipFill>
+        <p:spPr>
+          <a:xfrm>
+            <a:off x="7939220" y="3868415"/>
+            <a:ext cx="1616790" cy="1616790"/>
+          </a:xfrm>
+          <a:prstGeom prst="rect">
+            <a:avLst/>
+          </a:prstGeom>
+        </p:spPr>
+      </p:pic>
+      <p:sp>
+        <p:nvSpPr>
+          <p:cNvPr id="73" name="Textfeld 72">
+            <a:extLst>
+              <a:ext uri="{FF2B5EF4-FFF2-40B4-BE49-F238E27FC236}">
+                <a16:creationId xmlns:a16="http://schemas.microsoft.com/office/drawing/2014/main" id="{53C432F5-DEFC-B4B0-453E-E5D496CCC2B3}"/>
+              </a:ext>
+            </a:extLst>
+          </p:cNvPr>
+          <p:cNvSpPr txBox="1"/>
+          <p:nvPr/>
+        </p:nvSpPr>
+        <p:spPr>
+          <a:xfrm>
+            <a:off x="3405609" y="5228823"/>
+            <a:ext cx="1849459" cy="369332"/>
+          </a:xfrm>
+          <a:prstGeom prst="rect">
+            <a:avLst/>
+          </a:prstGeom>
+          <a:noFill/>
+        </p:spPr>
+        <p:txBody>
+          <a:bodyPr wrap="square" rtlCol="0">
+            <a:spAutoFit/>
+          </a:bodyPr>
+          <a:lstStyle/>
+          <a:p>
+            <a:pPr algn="ctr"/>
+            <a:r>
+              <a:rPr lang="de-CH" dirty="0"/>
+              <a:t>Holiday Pictures</a:t>
+            </a:r>
+          </a:p>
+        </p:txBody>
+      </p:sp>
+      <p:sp>
+        <p:nvSpPr>
+          <p:cNvPr id="74" name="Textfeld 73">
+            <a:extLst>
+              <a:ext uri="{FF2B5EF4-FFF2-40B4-BE49-F238E27FC236}">
+                <a16:creationId xmlns:a16="http://schemas.microsoft.com/office/drawing/2014/main" id="{1784099C-748F-A5B9-EE78-42AC13EF9D96}"/>
+              </a:ext>
+            </a:extLst>
+          </p:cNvPr>
+          <p:cNvSpPr txBox="1"/>
+          <p:nvPr/>
+        </p:nvSpPr>
+        <p:spPr>
+          <a:xfrm>
+            <a:off x="5854633" y="5228823"/>
+            <a:ext cx="1676203" cy="369332"/>
+          </a:xfrm>
+          <a:prstGeom prst="rect">
+            <a:avLst/>
+          </a:prstGeom>
+          <a:noFill/>
+        </p:spPr>
+        <p:txBody>
+          <a:bodyPr wrap="square" rtlCol="0">
+            <a:spAutoFit/>
+          </a:bodyPr>
+          <a:lstStyle/>
+          <a:p>
+            <a:pPr algn="ctr"/>
+            <a:r>
+              <a:rPr lang="de-CH" dirty="0"/>
+              <a:t>CS </a:t>
+            </a:r>
+            <a:r>
+              <a:rPr lang="de-CH" dirty="0" err="1"/>
+              <a:t>Exercises</a:t>
+            </a:r>
+            <a:endParaRPr lang="de-CH" dirty="0"/>
+          </a:p>
+        </p:txBody>
+      </p:sp>
+      <p:sp>
+        <p:nvSpPr>
+          <p:cNvPr id="75" name="Textfeld 74">
+            <a:extLst>
+              <a:ext uri="{FF2B5EF4-FFF2-40B4-BE49-F238E27FC236}">
+                <a16:creationId xmlns:a16="http://schemas.microsoft.com/office/drawing/2014/main" id="{944A60CE-A0F3-01D8-EE11-48991A302956}"/>
+              </a:ext>
+            </a:extLst>
+          </p:cNvPr>
+          <p:cNvSpPr txBox="1"/>
+          <p:nvPr/>
+        </p:nvSpPr>
+        <p:spPr>
+          <a:xfrm>
+            <a:off x="7968098" y="5228823"/>
+            <a:ext cx="1676203" cy="369332"/>
+          </a:xfrm>
+          <a:prstGeom prst="rect">
+            <a:avLst/>
+          </a:prstGeom>
+          <a:noFill/>
+        </p:spPr>
+        <p:txBody>
+          <a:bodyPr wrap="square" rtlCol="0">
+            <a:spAutoFit/>
+          </a:bodyPr>
+          <a:lstStyle/>
+          <a:p>
+            <a:pPr algn="ctr"/>
+            <a:r>
+              <a:rPr lang="de-CH" dirty="0"/>
+              <a:t>Work </a:t>
+            </a:r>
+            <a:r>
+              <a:rPr lang="de-CH" dirty="0" err="1"/>
+              <a:t>hours</a:t>
+            </a:r>
+            <a:endParaRPr lang="de-CH" dirty="0"/>
+          </a:p>
+        </p:txBody>
+      </p:sp>
+      <p:sp>
+        <p:nvSpPr>
+          <p:cNvPr id="76" name="Textfeld 75">
+            <a:extLst>
+              <a:ext uri="{FF2B5EF4-FFF2-40B4-BE49-F238E27FC236}">
+                <a16:creationId xmlns:a16="http://schemas.microsoft.com/office/drawing/2014/main" id="{70468577-3386-44F3-DBC1-81D8AFA465F1}"/>
+              </a:ext>
+            </a:extLst>
+          </p:cNvPr>
+          <p:cNvSpPr txBox="1"/>
+          <p:nvPr/>
+        </p:nvSpPr>
+        <p:spPr>
+          <a:xfrm>
+            <a:off x="8206277" y="1200937"/>
+            <a:ext cx="2496066" cy="1200329"/>
+          </a:xfrm>
+          <a:prstGeom prst="rect">
+            <a:avLst/>
+          </a:prstGeom>
+          <a:noFill/>
+        </p:spPr>
+        <p:txBody>
+          <a:bodyPr wrap="square" rtlCol="0">
+            <a:spAutoFit/>
+          </a:bodyPr>
+          <a:lstStyle/>
+          <a:p>
+            <a:r>
+              <a:rPr lang="de-CH" sz="2400" dirty="0" err="1"/>
+              <a:t>We</a:t>
+            </a:r>
+            <a:r>
+              <a:rPr lang="de-CH" sz="2400" dirty="0"/>
+              <a:t> </a:t>
+            </a:r>
+            <a:r>
+              <a:rPr lang="de-CH" sz="2400" dirty="0" err="1"/>
+              <a:t>have</a:t>
+            </a:r>
+            <a:r>
+              <a:rPr lang="de-CH" sz="2400" dirty="0"/>
+              <a:t> </a:t>
+            </a:r>
+            <a:r>
+              <a:rPr lang="de-CH" sz="2400" dirty="0" err="1"/>
+              <a:t>only</a:t>
+            </a:r>
+            <a:r>
+              <a:rPr lang="de-CH" sz="2400" dirty="0"/>
+              <a:t> </a:t>
+            </a:r>
+            <a:r>
+              <a:rPr lang="de-CH" sz="2400" dirty="0" err="1"/>
+              <a:t>one</a:t>
+            </a:r>
+            <a:r>
+              <a:rPr lang="de-CH" sz="2400" dirty="0"/>
+              <a:t> </a:t>
+            </a:r>
+            <a:r>
+              <a:rPr lang="de-CH" sz="2400" dirty="0" err="1"/>
+              <a:t>device</a:t>
+            </a:r>
+            <a:r>
+              <a:rPr lang="de-CH" sz="2400" dirty="0"/>
+              <a:t> </a:t>
+            </a:r>
+            <a:r>
+              <a:rPr lang="de-CH" sz="2400" dirty="0" err="1"/>
+              <a:t>for</a:t>
+            </a:r>
+            <a:r>
+              <a:rPr lang="de-CH" sz="2400" dirty="0"/>
+              <a:t> all </a:t>
+            </a:r>
+            <a:r>
+              <a:rPr lang="de-CH" sz="2400" dirty="0" err="1"/>
+              <a:t>parts</a:t>
+            </a:r>
+            <a:r>
+              <a:rPr lang="de-CH" sz="2400" dirty="0"/>
+              <a:t> </a:t>
+            </a:r>
+            <a:r>
+              <a:rPr lang="de-CH" sz="2400" dirty="0" err="1"/>
+              <a:t>of</a:t>
+            </a:r>
+            <a:r>
+              <a:rPr lang="de-CH" sz="2400" dirty="0"/>
+              <a:t> </a:t>
+            </a:r>
+            <a:r>
+              <a:rPr lang="de-CH" sz="2400" dirty="0" err="1"/>
+              <a:t>our</a:t>
+            </a:r>
+            <a:r>
+              <a:rPr lang="de-CH" sz="2400" dirty="0"/>
+              <a:t> live. </a:t>
+            </a:r>
           </a:p>
         </p:txBody>
       </p:sp>
@@ -3538,6 +6107,112 @@
   <p:clrMapOvr>
     <a:masterClrMapping/>
   </p:clrMapOvr>
+  <mc:AlternateContent xmlns:mc="http://schemas.openxmlformats.org/markup-compatibility/2006">
+    <mc:Choice xmlns:p159="http://schemas.microsoft.com/office/powerpoint/2015/09/main" Requires="p159">
+      <p:transition xmlns:p14="http://schemas.microsoft.com/office/powerpoint/2010/main" spd="slow" p14:dur="2000">
+        <p159:morph option="byObject"/>
+      </p:transition>
+    </mc:Choice>
+    <mc:Fallback>
+      <p:transition spd="slow">
+        <p:fade/>
+      </p:transition>
+    </mc:Fallback>
+  </mc:AlternateContent>
+  <p:timing>
+    <p:tnLst>
+      <p:par>
+        <p:cTn id="1" dur="indefinite" restart="never" nodeType="tmRoot">
+          <p:childTnLst>
+            <p:seq concurrent="1" nextAc="seek">
+              <p:cTn id="2" dur="indefinite" nodeType="mainSeq">
+                <p:childTnLst>
+                  <p:par>
+                    <p:cTn id="3" fill="hold">
+                      <p:stCondLst>
+                        <p:cond delay="indefinite"/>
+                        <p:cond evt="onBegin" delay="0">
+                          <p:tn val="2"/>
+                        </p:cond>
+                      </p:stCondLst>
+                      <p:childTnLst>
+                        <p:par>
+                          <p:cTn id="4" fill="hold">
+                            <p:stCondLst>
+                              <p:cond delay="0"/>
+                            </p:stCondLst>
+                            <p:childTnLst>
+                              <p:par>
+                                <p:cTn id="5" presetID="22" presetClass="entr" presetSubtype="8" fill="hold" nodeType="withEffect">
+                                  <p:stCondLst>
+                                    <p:cond delay="0"/>
+                                  </p:stCondLst>
+                                  <p:childTnLst>
+                                    <p:set>
+                                      <p:cBhvr>
+                                        <p:cTn id="6" dur="1" fill="hold">
+                                          <p:stCondLst>
+                                            <p:cond delay="0"/>
+                                          </p:stCondLst>
+                                        </p:cTn>
+                                        <p:tgtEl>
+                                          <p:spTgt spid="51">
+                                            <p:txEl>
+                                              <p:pRg st="0" end="0"/>
+                                            </p:txEl>
+                                          </p:spTgt>
+                                        </p:tgtEl>
+                                        <p:attrNameLst>
+                                          <p:attrName>style.visibility</p:attrName>
+                                        </p:attrNameLst>
+                                      </p:cBhvr>
+                                      <p:to>
+                                        <p:strVal val="visible"/>
+                                      </p:to>
+                                    </p:set>
+                                    <p:animEffect transition="in" filter="wipe(left)">
+                                      <p:cBhvr>
+                                        <p:cTn id="7" dur="500"/>
+                                        <p:tgtEl>
+                                          <p:spTgt spid="51">
+                                            <p:txEl>
+                                              <p:pRg st="0" end="0"/>
+                                            </p:txEl>
+                                          </p:spTgt>
+                                        </p:tgtEl>
+                                      </p:cBhvr>
+                                    </p:animEffect>
+                                  </p:childTnLst>
+                                </p:cTn>
+                              </p:par>
+                            </p:childTnLst>
+                          </p:cTn>
+                        </p:par>
+                      </p:childTnLst>
+                    </p:cTn>
+                  </p:par>
+                </p:childTnLst>
+              </p:cTn>
+              <p:prevCondLst>
+                <p:cond evt="onPrev" delay="0">
+                  <p:tgtEl>
+                    <p:sldTgt/>
+                  </p:tgtEl>
+                </p:cond>
+              </p:prevCondLst>
+              <p:nextCondLst>
+                <p:cond evt="onNext" delay="0">
+                  <p:tgtEl>
+                    <p:sldTgt/>
+                  </p:tgtEl>
+                </p:cond>
+              </p:nextCondLst>
+            </p:seq>
+          </p:childTnLst>
+        </p:cTn>
+      </p:par>
+    </p:tnLst>
+  </p:timing>
 </p:sld>
 </file>
 
@@ -3579,10 +6254,7 @@
           <a:bodyPr/>
           <a:lstStyle/>
           <a:p>
-            <a:r>
-              <a:rPr lang="de-CH" dirty="0"/>
-              <a:t>Solution</a:t>
-            </a:r>
+            <a:endParaRPr lang="de-CH" dirty="0"/>
           </a:p>
         </p:txBody>
       </p:sp>
@@ -3607,23 +6279,1894 @@
           <a:bodyPr/>
           <a:lstStyle/>
           <a:p>
+            <a:endParaRPr lang="de-CH" dirty="0"/>
+          </a:p>
+        </p:txBody>
+      </p:sp>
+      <p:sp>
+        <p:nvSpPr>
+          <p:cNvPr id="4" name="Rechteck 3">
+            <a:extLst>
+              <a:ext uri="{FF2B5EF4-FFF2-40B4-BE49-F238E27FC236}">
+                <a16:creationId xmlns:a16="http://schemas.microsoft.com/office/drawing/2014/main" id="{C729C1EA-FDD2-6936-70E0-7AEF0992108A}"/>
+              </a:ext>
+            </a:extLst>
+          </p:cNvPr>
+          <p:cNvSpPr/>
+          <p:nvPr/>
+        </p:nvSpPr>
+        <p:spPr>
+          <a:xfrm>
+            <a:off x="0" y="0"/>
+            <a:ext cx="491067" cy="6858000"/>
+          </a:xfrm>
+          <a:prstGeom prst="rect">
+            <a:avLst/>
+          </a:prstGeom>
+          <a:solidFill>
+            <a:srgbClr val="7B2420">
+              <a:alpha val="45000"/>
+            </a:srgbClr>
+          </a:solidFill>
+          <a:ln>
+            <a:noFill/>
+          </a:ln>
+        </p:spPr>
+        <p:style>
+          <a:lnRef idx="2">
+            <a:schemeClr val="accent1">
+              <a:shade val="15000"/>
+            </a:schemeClr>
+          </a:lnRef>
+          <a:fillRef idx="1">
+            <a:schemeClr val="accent1"/>
+          </a:fillRef>
+          <a:effectRef idx="0">
+            <a:schemeClr val="accent1"/>
+          </a:effectRef>
+          <a:fontRef idx="minor">
+            <a:schemeClr val="lt1"/>
+          </a:fontRef>
+        </p:style>
+        <p:txBody>
+          <a:bodyPr rtlCol="0" anchor="ctr"/>
+          <a:lstStyle/>
+          <a:p>
+            <a:pPr algn="ctr"/>
+            <a:endParaRPr lang="de-CH"/>
+          </a:p>
+        </p:txBody>
+      </p:sp>
+      <p:sp>
+        <p:nvSpPr>
+          <p:cNvPr id="5" name="Rechteck 4">
+            <a:extLst>
+              <a:ext uri="{FF2B5EF4-FFF2-40B4-BE49-F238E27FC236}">
+                <a16:creationId xmlns:a16="http://schemas.microsoft.com/office/drawing/2014/main" id="{44849388-E5D6-75E3-347A-79AAB9B185ED}"/>
+              </a:ext>
+            </a:extLst>
+          </p:cNvPr>
+          <p:cNvSpPr/>
+          <p:nvPr/>
+        </p:nvSpPr>
+        <p:spPr>
+          <a:xfrm>
+            <a:off x="0" y="0"/>
+            <a:ext cx="12192000" cy="144624"/>
+          </a:xfrm>
+          <a:prstGeom prst="rect">
+            <a:avLst/>
+          </a:prstGeom>
+          <a:solidFill>
+            <a:srgbClr val="4F4F48"/>
+          </a:solidFill>
+          <a:ln>
+            <a:noFill/>
+          </a:ln>
+        </p:spPr>
+        <p:style>
+          <a:lnRef idx="2">
+            <a:schemeClr val="accent1">
+              <a:shade val="15000"/>
+            </a:schemeClr>
+          </a:lnRef>
+          <a:fillRef idx="1">
+            <a:schemeClr val="accent1"/>
+          </a:fillRef>
+          <a:effectRef idx="0">
+            <a:schemeClr val="accent1"/>
+          </a:effectRef>
+          <a:fontRef idx="minor">
+            <a:schemeClr val="lt1"/>
+          </a:fontRef>
+        </p:style>
+        <p:txBody>
+          <a:bodyPr rtlCol="0" anchor="ctr"/>
+          <a:lstStyle/>
+          <a:p>
+            <a:pPr algn="ctr"/>
+            <a:endParaRPr lang="de-CH"/>
+          </a:p>
+        </p:txBody>
+      </p:sp>
+      <p:pic>
+        <p:nvPicPr>
+          <p:cNvPr id="6" name="Grafik 5" descr="Zahnrad mit einfarbiger Füllung">
+            <a:extLst>
+              <a:ext uri="{FF2B5EF4-FFF2-40B4-BE49-F238E27FC236}">
+                <a16:creationId xmlns:a16="http://schemas.microsoft.com/office/drawing/2014/main" id="{7210CCCB-9212-2377-7CE4-6BA620629962}"/>
+              </a:ext>
+            </a:extLst>
+          </p:cNvPr>
+          <p:cNvPicPr>
+            <a:picLocks noChangeAspect="1"/>
+          </p:cNvPicPr>
+          <p:nvPr/>
+        </p:nvPicPr>
+        <p:blipFill>
+          <a:blip r:embed="rId2">
+            <a:extLst>
+              <a:ext uri="{28A0092B-C50C-407E-A947-70E740481C1C}">
+                <a14:useLocalDpi xmlns:a14="http://schemas.microsoft.com/office/drawing/2010/main" val="0"/>
+              </a:ext>
+              <a:ext uri="{96DAC541-7B7A-43D3-8B79-37D633B846F1}">
+                <asvg:svgBlip xmlns:asvg="http://schemas.microsoft.com/office/drawing/2016/SVG/main" r:embed="rId3"/>
+              </a:ext>
+            </a:extLst>
+          </a:blip>
+          <a:stretch>
+            <a:fillRect/>
+          </a:stretch>
+        </p:blipFill>
+        <p:spPr>
+          <a:xfrm>
+            <a:off x="-4990" y="2092068"/>
+            <a:ext cx="504487" cy="504487"/>
+          </a:xfrm>
+          <a:prstGeom prst="rect">
+            <a:avLst/>
+          </a:prstGeom>
+        </p:spPr>
+      </p:pic>
+      <p:pic>
+        <p:nvPicPr>
+          <p:cNvPr id="7" name="Grafik 6" descr="Abfall mit einfarbiger Füllung">
+            <a:extLst>
+              <a:ext uri="{FF2B5EF4-FFF2-40B4-BE49-F238E27FC236}">
+                <a16:creationId xmlns:a16="http://schemas.microsoft.com/office/drawing/2014/main" id="{AEEA02BB-6E83-47B9-4C47-56F21DA5CAE7}"/>
+              </a:ext>
+            </a:extLst>
+          </p:cNvPr>
+          <p:cNvPicPr>
+            <a:picLocks noChangeAspect="1"/>
+          </p:cNvPicPr>
+          <p:nvPr/>
+        </p:nvPicPr>
+        <p:blipFill>
+          <a:blip r:embed="rId4">
+            <a:extLst>
+              <a:ext uri="{28A0092B-C50C-407E-A947-70E740481C1C}">
+                <a14:useLocalDpi xmlns:a14="http://schemas.microsoft.com/office/drawing/2010/main" val="0"/>
+              </a:ext>
+              <a:ext uri="{96DAC541-7B7A-43D3-8B79-37D633B846F1}">
+                <asvg:svgBlip xmlns:asvg="http://schemas.microsoft.com/office/drawing/2016/SVG/main" r:embed="rId5"/>
+              </a:ext>
+            </a:extLst>
+          </a:blip>
+          <a:stretch>
+            <a:fillRect/>
+          </a:stretch>
+        </p:blipFill>
+        <p:spPr>
+          <a:xfrm>
+            <a:off x="-4233" y="6291885"/>
+            <a:ext cx="495300" cy="495300"/>
+          </a:xfrm>
+          <a:prstGeom prst="rect">
+            <a:avLst/>
+          </a:prstGeom>
+        </p:spPr>
+      </p:pic>
+      <p:pic>
+        <p:nvPicPr>
+          <p:cNvPr id="8" name="Grafik 7" descr="Bauer mit einfarbiger Füllung">
+            <a:extLst>
+              <a:ext uri="{FF2B5EF4-FFF2-40B4-BE49-F238E27FC236}">
+                <a16:creationId xmlns:a16="http://schemas.microsoft.com/office/drawing/2014/main" id="{43AF299F-68BC-3CB6-A122-E6E473BFE34C}"/>
+              </a:ext>
+            </a:extLst>
+          </p:cNvPr>
+          <p:cNvPicPr>
+            <a:picLocks noChangeAspect="1"/>
+          </p:cNvPicPr>
+          <p:nvPr/>
+        </p:nvPicPr>
+        <p:blipFill>
+          <a:blip r:embed="rId6">
+            <a:extLst>
+              <a:ext uri="{28A0092B-C50C-407E-A947-70E740481C1C}">
+                <a14:useLocalDpi xmlns:a14="http://schemas.microsoft.com/office/drawing/2010/main" val="0"/>
+              </a:ext>
+              <a:ext uri="{96DAC541-7B7A-43D3-8B79-37D633B846F1}">
+                <asvg:svgBlip xmlns:asvg="http://schemas.microsoft.com/office/drawing/2016/SVG/main" r:embed="rId7"/>
+              </a:ext>
+            </a:extLst>
+          </a:blip>
+          <a:stretch>
+            <a:fillRect/>
+          </a:stretch>
+        </p:blipFill>
+        <p:spPr>
+          <a:xfrm>
+            <a:off x="-4990" y="1582987"/>
+            <a:ext cx="504487" cy="504487"/>
+          </a:xfrm>
+          <a:prstGeom prst="rect">
+            <a:avLst/>
+          </a:prstGeom>
+        </p:spPr>
+      </p:pic>
+      <p:pic>
+        <p:nvPicPr>
+          <p:cNvPr id="9" name="Grafik 8" descr="Fuchs mit einfarbiger Füllung">
+            <a:extLst>
+              <a:ext uri="{FF2B5EF4-FFF2-40B4-BE49-F238E27FC236}">
+                <a16:creationId xmlns:a16="http://schemas.microsoft.com/office/drawing/2014/main" id="{9E7454FE-5BE3-70CC-0C21-4AA9577B10BF}"/>
+              </a:ext>
+            </a:extLst>
+          </p:cNvPr>
+          <p:cNvPicPr>
+            <a:picLocks noChangeAspect="1"/>
+          </p:cNvPicPr>
+          <p:nvPr/>
+        </p:nvPicPr>
+        <p:blipFill>
+          <a:blip r:embed="rId8">
+            <a:extLst>
+              <a:ext uri="{28A0092B-C50C-407E-A947-70E740481C1C}">
+                <a14:useLocalDpi xmlns:a14="http://schemas.microsoft.com/office/drawing/2010/main" val="0"/>
+              </a:ext>
+              <a:ext uri="{96DAC541-7B7A-43D3-8B79-37D633B846F1}">
+                <asvg:svgBlip xmlns:asvg="http://schemas.microsoft.com/office/drawing/2016/SVG/main" r:embed="rId9"/>
+              </a:ext>
+            </a:extLst>
+          </a:blip>
+          <a:stretch>
+            <a:fillRect/>
+          </a:stretch>
+        </p:blipFill>
+        <p:spPr>
+          <a:xfrm>
+            <a:off x="22160" y="1128208"/>
+            <a:ext cx="450186" cy="450186"/>
+          </a:xfrm>
+          <a:prstGeom prst="rect">
+            <a:avLst/>
+          </a:prstGeom>
+        </p:spPr>
+      </p:pic>
+      <p:pic>
+        <p:nvPicPr>
+          <p:cNvPr id="10" name="Grafik 9" descr="Feder mit einfarbiger Füllung">
+            <a:extLst>
+              <a:ext uri="{FF2B5EF4-FFF2-40B4-BE49-F238E27FC236}">
+                <a16:creationId xmlns:a16="http://schemas.microsoft.com/office/drawing/2014/main" id="{9B63E5FF-9320-2628-44FF-FC3EB128B185}"/>
+              </a:ext>
+            </a:extLst>
+          </p:cNvPr>
+          <p:cNvPicPr>
+            <a:picLocks noChangeAspect="1"/>
+          </p:cNvPicPr>
+          <p:nvPr/>
+        </p:nvPicPr>
+        <p:blipFill>
+          <a:blip r:embed="rId10">
+            <a:extLst>
+              <a:ext uri="{28A0092B-C50C-407E-A947-70E740481C1C}">
+                <a14:useLocalDpi xmlns:a14="http://schemas.microsoft.com/office/drawing/2010/main" val="0"/>
+              </a:ext>
+              <a:ext uri="{96DAC541-7B7A-43D3-8B79-37D633B846F1}">
+                <asvg:svgBlip xmlns:asvg="http://schemas.microsoft.com/office/drawing/2016/SVG/main" r:embed="rId11"/>
+              </a:ext>
+            </a:extLst>
+          </a:blip>
+          <a:stretch>
+            <a:fillRect/>
+          </a:stretch>
+        </p:blipFill>
+        <p:spPr>
+          <a:xfrm>
+            <a:off x="11598" y="652304"/>
+            <a:ext cx="471311" cy="471311"/>
+          </a:xfrm>
+          <a:prstGeom prst="rect">
+            <a:avLst/>
+          </a:prstGeom>
+        </p:spPr>
+      </p:pic>
+      <p:pic>
+        <p:nvPicPr>
+          <p:cNvPr id="11" name="Grafik 10" descr="Ordner mit einfarbiger Füllung">
+            <a:extLst>
+              <a:ext uri="{FF2B5EF4-FFF2-40B4-BE49-F238E27FC236}">
+                <a16:creationId xmlns:a16="http://schemas.microsoft.com/office/drawing/2014/main" id="{F2D58D6E-E1DF-68FC-557E-BCDFCA6C38DC}"/>
+              </a:ext>
+            </a:extLst>
+          </p:cNvPr>
+          <p:cNvPicPr>
+            <a:picLocks noChangeAspect="1"/>
+          </p:cNvPicPr>
+          <p:nvPr/>
+        </p:nvPicPr>
+        <p:blipFill>
+          <a:blip r:embed="rId12">
+            <a:extLst>
+              <a:ext uri="{28A0092B-C50C-407E-A947-70E740481C1C}">
+                <a14:useLocalDpi xmlns:a14="http://schemas.microsoft.com/office/drawing/2010/main" val="0"/>
+              </a:ext>
+              <a:ext uri="{96DAC541-7B7A-43D3-8B79-37D633B846F1}">
+                <asvg:svgBlip xmlns:asvg="http://schemas.microsoft.com/office/drawing/2016/SVG/main" r:embed="rId13"/>
+              </a:ext>
+            </a:extLst>
+          </a:blip>
+          <a:stretch>
+            <a:fillRect/>
+          </a:stretch>
+        </p:blipFill>
+        <p:spPr>
+          <a:xfrm>
+            <a:off x="7042" y="167289"/>
+            <a:ext cx="480422" cy="480422"/>
+          </a:xfrm>
+          <a:prstGeom prst="rect">
+            <a:avLst/>
+          </a:prstGeom>
+        </p:spPr>
+      </p:pic>
+      <p:sp>
+        <p:nvSpPr>
+          <p:cNvPr id="12" name="Rechteck: abgerundete Ecken 11">
+            <a:extLst>
+              <a:ext uri="{FF2B5EF4-FFF2-40B4-BE49-F238E27FC236}">
+                <a16:creationId xmlns:a16="http://schemas.microsoft.com/office/drawing/2014/main" id="{0F70F768-9EAC-A42C-C3AB-7101282F330E}"/>
+              </a:ext>
+            </a:extLst>
+          </p:cNvPr>
+          <p:cNvSpPr/>
+          <p:nvPr/>
+        </p:nvSpPr>
+        <p:spPr>
+          <a:xfrm>
+            <a:off x="1346509" y="323785"/>
+            <a:ext cx="9999133" cy="5883831"/>
+          </a:xfrm>
+          <a:prstGeom prst="roundRect">
+            <a:avLst>
+              <a:gd name="adj" fmla="val 1824"/>
+            </a:avLst>
+          </a:prstGeom>
+          <a:solidFill>
+            <a:srgbClr val="FFFFFF"/>
+          </a:solidFill>
+          <a:ln>
+            <a:noFill/>
+          </a:ln>
+        </p:spPr>
+        <p:style>
+          <a:lnRef idx="2">
+            <a:schemeClr val="accent1">
+              <a:shade val="15000"/>
+            </a:schemeClr>
+          </a:lnRef>
+          <a:fillRef idx="1">
+            <a:schemeClr val="accent1"/>
+          </a:fillRef>
+          <a:effectRef idx="0">
+            <a:schemeClr val="accent1"/>
+          </a:effectRef>
+          <a:fontRef idx="minor">
+            <a:schemeClr val="lt1"/>
+          </a:fontRef>
+        </p:style>
+        <p:txBody>
+          <a:bodyPr rtlCol="0" anchor="ctr"/>
+          <a:lstStyle/>
+          <a:p>
+            <a:pPr algn="ctr"/>
+            <a:endParaRPr lang="de-CH"/>
+          </a:p>
+        </p:txBody>
+      </p:sp>
+      <p:sp>
+        <p:nvSpPr>
+          <p:cNvPr id="13" name="Rechteck: abgerundete Ecken 12">
+            <a:extLst>
+              <a:ext uri="{FF2B5EF4-FFF2-40B4-BE49-F238E27FC236}">
+                <a16:creationId xmlns:a16="http://schemas.microsoft.com/office/drawing/2014/main" id="{5DBA6B08-0263-A4FC-93BA-35C607A3526C}"/>
+              </a:ext>
+            </a:extLst>
+          </p:cNvPr>
+          <p:cNvSpPr/>
+          <p:nvPr/>
+        </p:nvSpPr>
+        <p:spPr>
+          <a:xfrm>
+            <a:off x="1363097" y="361245"/>
+            <a:ext cx="1479125" cy="5838670"/>
+          </a:xfrm>
+          <a:prstGeom prst="roundRect">
+            <a:avLst>
+              <a:gd name="adj" fmla="val 1824"/>
+            </a:avLst>
+          </a:prstGeom>
+          <a:solidFill>
+            <a:srgbClr val="E7E5E4"/>
+          </a:solidFill>
+          <a:ln>
+            <a:solidFill>
+              <a:srgbClr val="C0C0C0"/>
+            </a:solidFill>
+          </a:ln>
+        </p:spPr>
+        <p:style>
+          <a:lnRef idx="2">
+            <a:schemeClr val="accent1">
+              <a:shade val="15000"/>
+            </a:schemeClr>
+          </a:lnRef>
+          <a:fillRef idx="1">
+            <a:schemeClr val="accent1"/>
+          </a:fillRef>
+          <a:effectRef idx="0">
+            <a:schemeClr val="accent1"/>
+          </a:effectRef>
+          <a:fontRef idx="minor">
+            <a:schemeClr val="lt1"/>
+          </a:fontRef>
+        </p:style>
+        <p:txBody>
+          <a:bodyPr rtlCol="0" anchor="ctr"/>
+          <a:lstStyle/>
+          <a:p>
+            <a:pPr algn="ctr"/>
+            <a:endParaRPr lang="de-CH"/>
+          </a:p>
+        </p:txBody>
+      </p:sp>
+      <p:sp>
+        <p:nvSpPr>
+          <p:cNvPr id="14" name="Rechteck: abgerundete Ecken 13">
+            <a:extLst>
+              <a:ext uri="{FF2B5EF4-FFF2-40B4-BE49-F238E27FC236}">
+                <a16:creationId xmlns:a16="http://schemas.microsoft.com/office/drawing/2014/main" id="{1E7D9201-6462-2E68-F3FF-9E2BDA622A97}"/>
+              </a:ext>
+            </a:extLst>
+          </p:cNvPr>
+          <p:cNvSpPr/>
+          <p:nvPr/>
+        </p:nvSpPr>
+        <p:spPr>
+          <a:xfrm>
+            <a:off x="1346509" y="323785"/>
+            <a:ext cx="10010048" cy="251947"/>
+          </a:xfrm>
+          <a:prstGeom prst="roundRect">
+            <a:avLst>
+              <a:gd name="adj" fmla="val 1824"/>
+            </a:avLst>
+          </a:prstGeom>
+          <a:solidFill>
+            <a:srgbClr val="4F4F48"/>
+          </a:solidFill>
+          <a:ln>
+            <a:noFill/>
+          </a:ln>
+        </p:spPr>
+        <p:style>
+          <a:lnRef idx="2">
+            <a:schemeClr val="accent1">
+              <a:shade val="15000"/>
+            </a:schemeClr>
+          </a:lnRef>
+          <a:fillRef idx="1">
+            <a:schemeClr val="accent1"/>
+          </a:fillRef>
+          <a:effectRef idx="0">
+            <a:schemeClr val="accent1"/>
+          </a:effectRef>
+          <a:fontRef idx="minor">
+            <a:schemeClr val="lt1"/>
+          </a:fontRef>
+        </p:style>
+        <p:txBody>
+          <a:bodyPr rtlCol="0" anchor="ctr"/>
+          <a:lstStyle/>
+          <a:p>
+            <a:pPr algn="ctr"/>
+            <a:endParaRPr lang="de-CH"/>
+          </a:p>
+        </p:txBody>
+      </p:sp>
+      <p:sp>
+        <p:nvSpPr>
+          <p:cNvPr id="15" name="Ellipse 14">
+            <a:extLst>
+              <a:ext uri="{FF2B5EF4-FFF2-40B4-BE49-F238E27FC236}">
+                <a16:creationId xmlns:a16="http://schemas.microsoft.com/office/drawing/2014/main" id="{E44E54A5-FDE1-3209-BDCB-6ED8E3EB077A}"/>
+              </a:ext>
+            </a:extLst>
+          </p:cNvPr>
+          <p:cNvSpPr/>
+          <p:nvPr/>
+        </p:nvSpPr>
+        <p:spPr>
+          <a:xfrm>
+            <a:off x="1385667" y="388664"/>
+            <a:ext cx="108000" cy="108000"/>
+          </a:xfrm>
+          <a:prstGeom prst="ellipse">
+            <a:avLst/>
+          </a:prstGeom>
+          <a:solidFill>
+            <a:srgbClr val="EA5E2F"/>
+          </a:solidFill>
+          <a:ln>
+            <a:noFill/>
+          </a:ln>
+        </p:spPr>
+        <p:style>
+          <a:lnRef idx="2">
+            <a:schemeClr val="accent1">
+              <a:shade val="15000"/>
+            </a:schemeClr>
+          </a:lnRef>
+          <a:fillRef idx="1">
+            <a:schemeClr val="accent1"/>
+          </a:fillRef>
+          <a:effectRef idx="0">
+            <a:schemeClr val="accent1"/>
+          </a:effectRef>
+          <a:fontRef idx="minor">
+            <a:schemeClr val="lt1"/>
+          </a:fontRef>
+        </p:style>
+        <p:txBody>
+          <a:bodyPr rtlCol="0" anchor="ctr"/>
+          <a:lstStyle/>
+          <a:p>
+            <a:pPr algn="ctr"/>
+            <a:endParaRPr lang="de-CH"/>
+          </a:p>
+        </p:txBody>
+      </p:sp>
+      <p:sp>
+        <p:nvSpPr>
+          <p:cNvPr id="16" name="Ellipse 15">
+            <a:extLst>
+              <a:ext uri="{FF2B5EF4-FFF2-40B4-BE49-F238E27FC236}">
+                <a16:creationId xmlns:a16="http://schemas.microsoft.com/office/drawing/2014/main" id="{D3FA83FC-F75D-4DC7-8681-C7052E314344}"/>
+              </a:ext>
+            </a:extLst>
+          </p:cNvPr>
+          <p:cNvSpPr/>
+          <p:nvPr/>
+        </p:nvSpPr>
+        <p:spPr>
+          <a:xfrm>
+            <a:off x="1516237" y="388664"/>
+            <a:ext cx="108000" cy="108000"/>
+          </a:xfrm>
+          <a:prstGeom prst="ellipse">
+            <a:avLst/>
+          </a:prstGeom>
+          <a:solidFill>
+            <a:srgbClr val="878680"/>
+          </a:solidFill>
+          <a:ln>
+            <a:noFill/>
+          </a:ln>
+        </p:spPr>
+        <p:style>
+          <a:lnRef idx="2">
+            <a:schemeClr val="accent1">
+              <a:shade val="15000"/>
+            </a:schemeClr>
+          </a:lnRef>
+          <a:fillRef idx="1">
+            <a:schemeClr val="accent1"/>
+          </a:fillRef>
+          <a:effectRef idx="0">
+            <a:schemeClr val="accent1"/>
+          </a:effectRef>
+          <a:fontRef idx="minor">
+            <a:schemeClr val="lt1"/>
+          </a:fontRef>
+        </p:style>
+        <p:txBody>
+          <a:bodyPr rtlCol="0" anchor="ctr"/>
+          <a:lstStyle/>
+          <a:p>
+            <a:pPr algn="ctr"/>
+            <a:endParaRPr lang="de-CH"/>
+          </a:p>
+        </p:txBody>
+      </p:sp>
+      <p:sp>
+        <p:nvSpPr>
+          <p:cNvPr id="17" name="Ellipse 16">
+            <a:extLst>
+              <a:ext uri="{FF2B5EF4-FFF2-40B4-BE49-F238E27FC236}">
+                <a16:creationId xmlns:a16="http://schemas.microsoft.com/office/drawing/2014/main" id="{CF140343-E28F-DCA1-BFC0-63E93F1EDFDE}"/>
+              </a:ext>
+            </a:extLst>
+          </p:cNvPr>
+          <p:cNvSpPr/>
+          <p:nvPr/>
+        </p:nvSpPr>
+        <p:spPr>
+          <a:xfrm>
+            <a:off x="1646807" y="388664"/>
+            <a:ext cx="108000" cy="108000"/>
+          </a:xfrm>
+          <a:prstGeom prst="ellipse">
+            <a:avLst/>
+          </a:prstGeom>
+          <a:solidFill>
+            <a:srgbClr val="878680"/>
+          </a:solidFill>
+          <a:ln>
+            <a:noFill/>
+          </a:ln>
+        </p:spPr>
+        <p:style>
+          <a:lnRef idx="2">
+            <a:schemeClr val="accent1">
+              <a:shade val="15000"/>
+            </a:schemeClr>
+          </a:lnRef>
+          <a:fillRef idx="1">
+            <a:schemeClr val="accent1"/>
+          </a:fillRef>
+          <a:effectRef idx="0">
+            <a:schemeClr val="accent1"/>
+          </a:effectRef>
+          <a:fontRef idx="minor">
+            <a:schemeClr val="lt1"/>
+          </a:fontRef>
+        </p:style>
+        <p:txBody>
+          <a:bodyPr rtlCol="0" anchor="ctr"/>
+          <a:lstStyle/>
+          <a:p>
+            <a:pPr algn="ctr"/>
+            <a:endParaRPr lang="de-CH"/>
+          </a:p>
+        </p:txBody>
+      </p:sp>
+      <p:sp>
+        <p:nvSpPr>
+          <p:cNvPr id="18" name="Titel 1">
+            <a:extLst>
+              <a:ext uri="{FF2B5EF4-FFF2-40B4-BE49-F238E27FC236}">
+                <a16:creationId xmlns:a16="http://schemas.microsoft.com/office/drawing/2014/main" id="{CA46F129-411E-FF84-379C-F8D84FFC8E7E}"/>
+              </a:ext>
+            </a:extLst>
+          </p:cNvPr>
+          <p:cNvSpPr txBox="1">
+            <a:spLocks/>
+          </p:cNvSpPr>
+          <p:nvPr/>
+        </p:nvSpPr>
+        <p:spPr>
+          <a:xfrm>
+            <a:off x="1407310" y="505980"/>
+            <a:ext cx="1458843" cy="2228091"/>
+          </a:xfrm>
+          <a:prstGeom prst="rect">
+            <a:avLst/>
+          </a:prstGeom>
+        </p:spPr>
+        <p:txBody>
+          <a:bodyPr vert="horz" lIns="91440" tIns="45720" rIns="91440" bIns="45720" rtlCol="0" anchor="b">
+            <a:normAutofit fontScale="85000" lnSpcReduction="20000"/>
+          </a:bodyPr>
+          <a:lstStyle>
+            <a:lvl1pPr algn="ctr" defTabSz="914400" rtl="0" eaLnBrk="1" latinLnBrk="0" hangingPunct="1">
+              <a:lnSpc>
+                <a:spcPct val="90000"/>
+              </a:lnSpc>
+              <a:spcBef>
+                <a:spcPct val="0"/>
+              </a:spcBef>
+              <a:buNone/>
+              <a:defRPr sz="6000" kern="1200">
+                <a:solidFill>
+                  <a:schemeClr val="tx1"/>
+                </a:solidFill>
+                <a:latin typeface="+mj-lt"/>
+                <a:ea typeface="+mj-ea"/>
+                <a:cs typeface="+mj-cs"/>
+              </a:defRPr>
+            </a:lvl1pPr>
+          </a:lstStyle>
+          <a:p>
+            <a:pPr algn="l"/>
+            <a:r>
+              <a:rPr lang="de-CH" sz="1400" b="1" dirty="0"/>
+              <a:t>Places</a:t>
+            </a:r>
+          </a:p>
+          <a:p>
+            <a:pPr algn="l"/>
+            <a:r>
+              <a:rPr lang="de-CH" sz="1400" dirty="0" err="1"/>
+              <a:t>Recent</a:t>
+            </a:r>
+            <a:endParaRPr lang="de-CH" sz="1400" dirty="0"/>
+          </a:p>
+          <a:p>
+            <a:pPr algn="l"/>
+            <a:r>
+              <a:rPr lang="de-CH" sz="1400" dirty="0"/>
+              <a:t>Home</a:t>
+            </a:r>
+          </a:p>
+          <a:p>
+            <a:pPr algn="l"/>
+            <a:r>
+              <a:rPr lang="de-CH" sz="1400" dirty="0"/>
+              <a:t>Desktop</a:t>
+            </a:r>
+          </a:p>
+          <a:p>
+            <a:pPr algn="l"/>
+            <a:r>
+              <a:rPr lang="de-CH" sz="1400" dirty="0" err="1"/>
+              <a:t>Documents</a:t>
+            </a:r>
+            <a:endParaRPr lang="de-CH" sz="1400" dirty="0"/>
+          </a:p>
+          <a:p>
+            <a:pPr algn="l"/>
+            <a:r>
+              <a:rPr lang="de-CH" sz="1400" dirty="0"/>
+              <a:t>Downloads</a:t>
+            </a:r>
+          </a:p>
+          <a:p>
+            <a:pPr algn="l"/>
+            <a:r>
+              <a:rPr lang="de-CH" sz="1400" dirty="0"/>
+              <a:t>Music</a:t>
+            </a:r>
+          </a:p>
+          <a:p>
+            <a:pPr algn="l"/>
+            <a:r>
+              <a:rPr lang="de-CH" sz="1400" dirty="0"/>
+              <a:t>Pictures</a:t>
+            </a:r>
+          </a:p>
+          <a:p>
+            <a:pPr algn="l"/>
+            <a:r>
+              <a:rPr lang="de-CH" sz="1400" dirty="0"/>
+              <a:t>Videos</a:t>
+            </a:r>
+          </a:p>
+          <a:p>
+            <a:pPr algn="l"/>
+            <a:r>
+              <a:rPr lang="de-CH" sz="1400" dirty="0"/>
+              <a:t>Trash</a:t>
+            </a:r>
+          </a:p>
+          <a:p>
+            <a:pPr algn="l"/>
+            <a:endParaRPr lang="de-CH" sz="1400" dirty="0"/>
+          </a:p>
+          <a:p>
+            <a:pPr algn="l"/>
+            <a:r>
+              <a:rPr lang="de-CH" sz="1400" b="1" dirty="0"/>
+              <a:t>Devices</a:t>
+            </a:r>
+          </a:p>
+          <a:p>
+            <a:pPr algn="l"/>
+            <a:r>
+              <a:rPr lang="de-CH" sz="1400" dirty="0"/>
+              <a:t>Computer</a:t>
+            </a:r>
+          </a:p>
+          <a:p>
+            <a:pPr algn="l"/>
+            <a:endParaRPr lang="de-CH" sz="1400" dirty="0"/>
+          </a:p>
+          <a:p>
+            <a:pPr algn="l"/>
+            <a:r>
+              <a:rPr lang="de-CH" sz="1400" b="1" dirty="0"/>
+              <a:t>Network</a:t>
+            </a:r>
+          </a:p>
+          <a:p>
+            <a:pPr algn="l"/>
+            <a:r>
+              <a:rPr lang="de-CH" sz="1400" dirty="0"/>
+              <a:t>Connect </a:t>
+            </a:r>
+            <a:r>
+              <a:rPr lang="de-CH" sz="1400" dirty="0" err="1"/>
+              <a:t>to</a:t>
+            </a:r>
+            <a:r>
+              <a:rPr lang="de-CH" sz="1400" dirty="0"/>
+              <a:t> Server</a:t>
+            </a:r>
+          </a:p>
+        </p:txBody>
+      </p:sp>
+      <p:pic>
+        <p:nvPicPr>
+          <p:cNvPr id="23" name="Grafik 22" descr="Ordner mit einfarbiger Füllung">
+            <a:extLst>
+              <a:ext uri="{FF2B5EF4-FFF2-40B4-BE49-F238E27FC236}">
+                <a16:creationId xmlns:a16="http://schemas.microsoft.com/office/drawing/2014/main" id="{D0750BD8-3C2B-3598-0D21-CE7CA65E89AD}"/>
+              </a:ext>
+            </a:extLst>
+          </p:cNvPr>
+          <p:cNvPicPr>
+            <a:picLocks noChangeAspect="1"/>
+          </p:cNvPicPr>
+          <p:nvPr/>
+        </p:nvPicPr>
+        <p:blipFill>
+          <a:blip r:embed="rId12">
+            <a:extLst>
+              <a:ext uri="{28A0092B-C50C-407E-A947-70E740481C1C}">
+                <a14:useLocalDpi xmlns:a14="http://schemas.microsoft.com/office/drawing/2010/main" val="0"/>
+              </a:ext>
+              <a:ext uri="{96DAC541-7B7A-43D3-8B79-37D633B846F1}">
+                <asvg:svgBlip xmlns:asvg="http://schemas.microsoft.com/office/drawing/2016/SVG/main" r:embed="rId13"/>
+              </a:ext>
+            </a:extLst>
+          </a:blip>
+          <a:stretch>
+            <a:fillRect/>
+          </a:stretch>
+        </p:blipFill>
+        <p:spPr>
+          <a:xfrm>
+            <a:off x="3050507" y="1165520"/>
+            <a:ext cx="963121" cy="963121"/>
+          </a:xfrm>
+          <a:prstGeom prst="rect">
+            <a:avLst/>
+          </a:prstGeom>
+        </p:spPr>
+      </p:pic>
+      <p:pic>
+        <p:nvPicPr>
+          <p:cNvPr id="24" name="Grafik 23" descr="Ordner mit einfarbiger Füllung">
+            <a:extLst>
+              <a:ext uri="{FF2B5EF4-FFF2-40B4-BE49-F238E27FC236}">
+                <a16:creationId xmlns:a16="http://schemas.microsoft.com/office/drawing/2014/main" id="{7821336E-EA2D-7108-AD59-8487171E1FAB}"/>
+              </a:ext>
+            </a:extLst>
+          </p:cNvPr>
+          <p:cNvPicPr>
+            <a:picLocks noChangeAspect="1"/>
+          </p:cNvPicPr>
+          <p:nvPr/>
+        </p:nvPicPr>
+        <p:blipFill>
+          <a:blip r:embed="rId12">
+            <a:extLst>
+              <a:ext uri="{28A0092B-C50C-407E-A947-70E740481C1C}">
+                <a14:useLocalDpi xmlns:a14="http://schemas.microsoft.com/office/drawing/2010/main" val="0"/>
+              </a:ext>
+              <a:ext uri="{96DAC541-7B7A-43D3-8B79-37D633B846F1}">
+                <asvg:svgBlip xmlns:asvg="http://schemas.microsoft.com/office/drawing/2016/SVG/main" r:embed="rId13"/>
+              </a:ext>
+            </a:extLst>
+          </a:blip>
+          <a:stretch>
+            <a:fillRect/>
+          </a:stretch>
+        </p:blipFill>
+        <p:spPr>
+          <a:xfrm>
+            <a:off x="3049667" y="2251119"/>
+            <a:ext cx="964800" cy="964800"/>
+          </a:xfrm>
+          <a:prstGeom prst="rect">
+            <a:avLst/>
+          </a:prstGeom>
+        </p:spPr>
+      </p:pic>
+      <p:pic>
+        <p:nvPicPr>
+          <p:cNvPr id="25" name="Grafik 24" descr="Ordner mit einfarbiger Füllung">
+            <a:extLst>
+              <a:ext uri="{FF2B5EF4-FFF2-40B4-BE49-F238E27FC236}">
+                <a16:creationId xmlns:a16="http://schemas.microsoft.com/office/drawing/2014/main" id="{C518C2D0-342F-3227-D463-8E83FAB3ECD4}"/>
+              </a:ext>
+            </a:extLst>
+          </p:cNvPr>
+          <p:cNvPicPr>
+            <a:picLocks noChangeAspect="1"/>
+          </p:cNvPicPr>
+          <p:nvPr/>
+        </p:nvPicPr>
+        <p:blipFill>
+          <a:blip r:embed="rId12">
+            <a:extLst>
+              <a:ext uri="{28A0092B-C50C-407E-A947-70E740481C1C}">
+                <a14:useLocalDpi xmlns:a14="http://schemas.microsoft.com/office/drawing/2010/main" val="0"/>
+              </a:ext>
+              <a:ext uri="{96DAC541-7B7A-43D3-8B79-37D633B846F1}">
+                <asvg:svgBlip xmlns:asvg="http://schemas.microsoft.com/office/drawing/2016/SVG/main" r:embed="rId13"/>
+              </a:ext>
+            </a:extLst>
+          </a:blip>
+          <a:stretch>
+            <a:fillRect/>
+          </a:stretch>
+        </p:blipFill>
+        <p:spPr>
+          <a:xfrm>
+            <a:off x="3049667" y="3338397"/>
+            <a:ext cx="964800" cy="964800"/>
+          </a:xfrm>
+          <a:prstGeom prst="rect">
+            <a:avLst/>
+          </a:prstGeom>
+        </p:spPr>
+      </p:pic>
+      <p:sp>
+        <p:nvSpPr>
+          <p:cNvPr id="26" name="Textfeld 25">
+            <a:extLst>
+              <a:ext uri="{FF2B5EF4-FFF2-40B4-BE49-F238E27FC236}">
+                <a16:creationId xmlns:a16="http://schemas.microsoft.com/office/drawing/2014/main" id="{3EE0313C-DC19-4A14-51BD-5370930F1811}"/>
+              </a:ext>
+            </a:extLst>
+          </p:cNvPr>
+          <p:cNvSpPr txBox="1"/>
+          <p:nvPr/>
+        </p:nvSpPr>
+        <p:spPr>
+          <a:xfrm>
+            <a:off x="4197980" y="1501656"/>
+            <a:ext cx="1849459" cy="369332"/>
+          </a:xfrm>
+          <a:prstGeom prst="rect">
+            <a:avLst/>
+          </a:prstGeom>
+          <a:noFill/>
+        </p:spPr>
+        <p:txBody>
+          <a:bodyPr wrap="square" rtlCol="0">
+            <a:spAutoFit/>
+          </a:bodyPr>
+          <a:lstStyle/>
+          <a:p>
             <a:r>
               <a:rPr lang="de-CH" dirty="0"/>
-              <a:t>Konzept vorhanden</a:t>
-            </a:r>
-          </a:p>
+              <a:t>Holiday Pictures</a:t>
+            </a:r>
+          </a:p>
+        </p:txBody>
+      </p:sp>
+      <p:sp>
+        <p:nvSpPr>
+          <p:cNvPr id="27" name="Textfeld 26">
+            <a:extLst>
+              <a:ext uri="{FF2B5EF4-FFF2-40B4-BE49-F238E27FC236}">
+                <a16:creationId xmlns:a16="http://schemas.microsoft.com/office/drawing/2014/main" id="{0594E0A9-069C-7A37-E848-51B2E8618776}"/>
+              </a:ext>
+            </a:extLst>
+          </p:cNvPr>
+          <p:cNvSpPr txBox="1"/>
+          <p:nvPr/>
+        </p:nvSpPr>
+        <p:spPr>
+          <a:xfrm>
+            <a:off x="4197980" y="2586234"/>
+            <a:ext cx="1676203" cy="369332"/>
+          </a:xfrm>
+          <a:prstGeom prst="rect">
+            <a:avLst/>
+          </a:prstGeom>
+          <a:noFill/>
+        </p:spPr>
+        <p:txBody>
+          <a:bodyPr wrap="square" rtlCol="0">
+            <a:spAutoFit/>
+          </a:bodyPr>
+          <a:lstStyle/>
           <a:p>
             <a:r>
               <a:rPr lang="de-CH" dirty="0"/>
-              <a:t>Technische Umsetzung </a:t>
-            </a:r>
-            <a:r>
-              <a:rPr lang="de-CH"/>
-              <a:t>noch offen</a:t>
-            </a:r>
-          </a:p>
-          <a:p>
+              <a:t>CS </a:t>
+            </a:r>
+            <a:r>
+              <a:rPr lang="de-CH" dirty="0" err="1"/>
+              <a:t>Exercises</a:t>
+            </a:r>
+            <a:endParaRPr lang="de-CH" dirty="0"/>
+          </a:p>
+        </p:txBody>
+      </p:sp>
+      <p:sp>
+        <p:nvSpPr>
+          <p:cNvPr id="28" name="Textfeld 27">
+            <a:extLst>
+              <a:ext uri="{FF2B5EF4-FFF2-40B4-BE49-F238E27FC236}">
+                <a16:creationId xmlns:a16="http://schemas.microsoft.com/office/drawing/2014/main" id="{0E4A00B8-5F8D-0DA3-ACD3-7A4F8A5079CE}"/>
+              </a:ext>
+            </a:extLst>
+          </p:cNvPr>
+          <p:cNvSpPr txBox="1"/>
+          <p:nvPr/>
+        </p:nvSpPr>
+        <p:spPr>
+          <a:xfrm>
+            <a:off x="4197980" y="3670811"/>
+            <a:ext cx="1676203" cy="369332"/>
+          </a:xfrm>
+          <a:prstGeom prst="rect">
+            <a:avLst/>
+          </a:prstGeom>
+          <a:noFill/>
+        </p:spPr>
+        <p:txBody>
+          <a:bodyPr wrap="square" rtlCol="0">
+            <a:spAutoFit/>
+          </a:bodyPr>
+          <a:lstStyle/>
+          <a:p>
+            <a:r>
+              <a:rPr lang="de-CH" dirty="0"/>
+              <a:t>Work </a:t>
+            </a:r>
+            <a:r>
+              <a:rPr lang="de-CH" dirty="0" err="1"/>
+              <a:t>hours</a:t>
+            </a:r>
+            <a:endParaRPr lang="de-CH" dirty="0"/>
+          </a:p>
+        </p:txBody>
+      </p:sp>
+      <p:sp>
+        <p:nvSpPr>
+          <p:cNvPr id="29" name="Textfeld 28">
+            <a:extLst>
+              <a:ext uri="{FF2B5EF4-FFF2-40B4-BE49-F238E27FC236}">
+                <a16:creationId xmlns:a16="http://schemas.microsoft.com/office/drawing/2014/main" id="{A5AA7B4F-9396-97F9-C957-F65341FD3016}"/>
+              </a:ext>
+            </a:extLst>
+          </p:cNvPr>
+          <p:cNvSpPr txBox="1"/>
+          <p:nvPr/>
+        </p:nvSpPr>
+        <p:spPr>
+          <a:xfrm>
+            <a:off x="3015277" y="4571514"/>
+            <a:ext cx="8150706" cy="1569660"/>
+          </a:xfrm>
+          <a:prstGeom prst="rect">
+            <a:avLst/>
+          </a:prstGeom>
+          <a:noFill/>
+        </p:spPr>
+        <p:txBody>
+          <a:bodyPr wrap="square" rtlCol="0">
+            <a:spAutoFit/>
+          </a:bodyPr>
+          <a:lstStyle/>
+          <a:p>
+            <a:r>
+              <a:rPr lang="de-CH" sz="2400" dirty="0" err="1"/>
+              <a:t>We</a:t>
+            </a:r>
+            <a:r>
+              <a:rPr lang="de-CH" sz="2400" dirty="0"/>
+              <a:t> </a:t>
+            </a:r>
+            <a:r>
+              <a:rPr lang="de-CH" sz="2400" dirty="0" err="1"/>
+              <a:t>can</a:t>
+            </a:r>
+            <a:r>
+              <a:rPr lang="de-CH" sz="2400" dirty="0"/>
+              <a:t> </a:t>
+            </a:r>
+            <a:r>
+              <a:rPr lang="de-CH" sz="2400" dirty="0" err="1"/>
+              <a:t>extend</a:t>
+            </a:r>
+            <a:r>
+              <a:rPr lang="de-CH" sz="2400" dirty="0"/>
+              <a:t> </a:t>
+            </a:r>
+            <a:r>
+              <a:rPr lang="de-CH" sz="2400"/>
+              <a:t>our </a:t>
+            </a:r>
+            <a:r>
+              <a:rPr lang="de-CH" sz="2400" dirty="0" err="1"/>
+              <a:t>file</a:t>
+            </a:r>
+            <a:r>
+              <a:rPr lang="de-CH" sz="2400" dirty="0"/>
+              <a:t> </a:t>
+            </a:r>
+            <a:r>
+              <a:rPr lang="de-CH" sz="2400" dirty="0" err="1"/>
+              <a:t>system</a:t>
+            </a:r>
+            <a:r>
+              <a:rPr lang="de-CH" sz="2400" dirty="0"/>
+              <a:t> </a:t>
+            </a:r>
+            <a:r>
+              <a:rPr lang="de-CH" sz="2400" dirty="0" err="1"/>
+              <a:t>to</a:t>
+            </a:r>
+            <a:r>
+              <a:rPr lang="de-CH" sz="2400" dirty="0"/>
+              <a:t> </a:t>
+            </a:r>
+            <a:r>
+              <a:rPr lang="de-CH" sz="2400" dirty="0" err="1"/>
+              <a:t>allow</a:t>
+            </a:r>
+            <a:r>
+              <a:rPr lang="de-CH" sz="2400" dirty="0"/>
+              <a:t> </a:t>
+            </a:r>
+            <a:r>
+              <a:rPr lang="de-CH" sz="2400" dirty="0" err="1"/>
+              <a:t>for</a:t>
+            </a:r>
+            <a:r>
+              <a:rPr lang="de-CH" sz="2400" dirty="0"/>
+              <a:t> </a:t>
+            </a:r>
+            <a:r>
+              <a:rPr lang="de-CH" sz="2400" dirty="0" err="1"/>
+              <a:t>further</a:t>
+            </a:r>
+            <a:r>
+              <a:rPr lang="de-CH" sz="2400" dirty="0"/>
+              <a:t> </a:t>
+            </a:r>
+            <a:r>
+              <a:rPr lang="de-CH" sz="2400" dirty="0" err="1"/>
+              <a:t>categorisation</a:t>
+            </a:r>
+            <a:r>
+              <a:rPr lang="de-CH" sz="2400" dirty="0"/>
+              <a:t> </a:t>
+            </a:r>
+            <a:r>
+              <a:rPr lang="de-CH" sz="2400" dirty="0" err="1"/>
+              <a:t>of</a:t>
+            </a:r>
+            <a:r>
+              <a:rPr lang="de-CH" sz="2400" dirty="0"/>
+              <a:t> </a:t>
+            </a:r>
+            <a:r>
+              <a:rPr lang="de-CH" sz="2400" dirty="0" err="1"/>
+              <a:t>our</a:t>
+            </a:r>
+            <a:r>
+              <a:rPr lang="de-CH" sz="2400" dirty="0"/>
+              <a:t> </a:t>
+            </a:r>
+            <a:r>
+              <a:rPr lang="de-CH" sz="2400" dirty="0" err="1"/>
+              <a:t>files</a:t>
+            </a:r>
+            <a:r>
+              <a:rPr lang="de-CH" sz="2400" dirty="0"/>
+              <a:t>. </a:t>
+            </a:r>
+          </a:p>
+          <a:p>
+            <a:r>
+              <a:rPr lang="de-CH" sz="2400" dirty="0" err="1"/>
+              <a:t>That</a:t>
+            </a:r>
+            <a:r>
+              <a:rPr lang="de-CH" sz="2400" dirty="0"/>
+              <a:t> </a:t>
+            </a:r>
+            <a:r>
+              <a:rPr lang="de-CH" sz="2400" dirty="0" err="1"/>
+              <a:t>way</a:t>
+            </a:r>
+            <a:r>
+              <a:rPr lang="de-CH" sz="2400" dirty="0"/>
+              <a:t> </a:t>
+            </a:r>
+            <a:r>
+              <a:rPr lang="de-CH" sz="2400" dirty="0" err="1"/>
+              <a:t>we</a:t>
+            </a:r>
+            <a:r>
+              <a:rPr lang="de-CH" sz="2400" dirty="0"/>
+              <a:t> </a:t>
+            </a:r>
+            <a:r>
+              <a:rPr lang="de-CH" sz="2400" dirty="0" err="1"/>
+              <a:t>can</a:t>
+            </a:r>
+            <a:r>
+              <a:rPr lang="de-CH" sz="2400" dirty="0"/>
+              <a:t> </a:t>
+            </a:r>
+            <a:r>
+              <a:rPr lang="de-CH" sz="2400" dirty="0" err="1"/>
+              <a:t>selectivly</a:t>
+            </a:r>
+            <a:r>
+              <a:rPr lang="de-CH" sz="2400" dirty="0"/>
+              <a:t> </a:t>
+            </a:r>
+            <a:r>
+              <a:rPr lang="de-CH" sz="2400" dirty="0" err="1"/>
+              <a:t>display</a:t>
+            </a:r>
+            <a:r>
+              <a:rPr lang="de-CH" sz="2400" dirty="0"/>
+              <a:t> </a:t>
+            </a:r>
+            <a:r>
+              <a:rPr lang="de-CH" sz="2400" dirty="0" err="1"/>
+              <a:t>only</a:t>
+            </a:r>
+            <a:r>
+              <a:rPr lang="de-CH" sz="2400" dirty="0"/>
+              <a:t> </a:t>
+            </a:r>
+            <a:r>
+              <a:rPr lang="de-CH" sz="2400" dirty="0" err="1"/>
+              <a:t>files</a:t>
+            </a:r>
+            <a:r>
+              <a:rPr lang="de-CH" sz="2400" dirty="0"/>
+              <a:t> </a:t>
+            </a:r>
+            <a:r>
+              <a:rPr lang="de-CH" sz="2400" dirty="0" err="1"/>
+              <a:t>related</a:t>
+            </a:r>
+            <a:r>
+              <a:rPr lang="de-CH" sz="2400" dirty="0"/>
+              <a:t> </a:t>
+            </a:r>
+            <a:r>
+              <a:rPr lang="de-CH" sz="2400" dirty="0" err="1"/>
+              <a:t>to</a:t>
+            </a:r>
+            <a:r>
+              <a:rPr lang="de-CH" sz="2400" dirty="0"/>
+              <a:t> </a:t>
+            </a:r>
+            <a:r>
+              <a:rPr lang="de-CH" sz="2400" dirty="0" err="1"/>
+              <a:t>our</a:t>
+            </a:r>
+            <a:r>
+              <a:rPr lang="de-CH" sz="2400" dirty="0"/>
+              <a:t> </a:t>
+            </a:r>
+            <a:r>
+              <a:rPr lang="de-CH" sz="2400" dirty="0" err="1"/>
+              <a:t>current</a:t>
+            </a:r>
+            <a:r>
+              <a:rPr lang="de-CH" sz="2400" dirty="0"/>
+              <a:t> </a:t>
+            </a:r>
+            <a:r>
+              <a:rPr lang="de-CH" sz="2400" dirty="0" err="1"/>
+              <a:t>activity</a:t>
+            </a:r>
+            <a:r>
+              <a:rPr lang="de-CH" sz="2400" dirty="0"/>
+              <a:t>. </a:t>
+            </a:r>
+          </a:p>
+        </p:txBody>
+      </p:sp>
+      <p:sp>
+        <p:nvSpPr>
+          <p:cNvPr id="30" name="Titel 1">
+            <a:extLst>
+              <a:ext uri="{FF2B5EF4-FFF2-40B4-BE49-F238E27FC236}">
+                <a16:creationId xmlns:a16="http://schemas.microsoft.com/office/drawing/2014/main" id="{15CBBFAA-5F54-F321-A9D4-7AAF61390606}"/>
+              </a:ext>
+            </a:extLst>
+          </p:cNvPr>
+          <p:cNvSpPr txBox="1">
+            <a:spLocks/>
+          </p:cNvSpPr>
+          <p:nvPr/>
+        </p:nvSpPr>
+        <p:spPr>
+          <a:xfrm>
+            <a:off x="1754807" y="213201"/>
+            <a:ext cx="5579711" cy="403364"/>
+          </a:xfrm>
+          <a:prstGeom prst="rect">
+            <a:avLst/>
+          </a:prstGeom>
+        </p:spPr>
+        <p:txBody>
+          <a:bodyPr vert="horz" lIns="91440" tIns="45720" rIns="91440" bIns="45720" rtlCol="0" anchor="b">
+            <a:normAutofit/>
+          </a:bodyPr>
+          <a:lstStyle>
+            <a:lvl1pPr algn="ctr" defTabSz="914400" rtl="0" eaLnBrk="1" latinLnBrk="0" hangingPunct="1">
+              <a:lnSpc>
+                <a:spcPct val="90000"/>
+              </a:lnSpc>
+              <a:spcBef>
+                <a:spcPct val="0"/>
+              </a:spcBef>
+              <a:buNone/>
+              <a:defRPr sz="6000" kern="1200">
+                <a:solidFill>
+                  <a:schemeClr val="tx1"/>
+                </a:solidFill>
+                <a:latin typeface="+mj-lt"/>
+                <a:ea typeface="+mj-ea"/>
+                <a:cs typeface="+mj-cs"/>
+              </a:defRPr>
+            </a:lvl1pPr>
+          </a:lstStyle>
+          <a:p>
+            <a:pPr algn="l"/>
+            <a:r>
+              <a:rPr lang="de-CH" sz="1600" b="1" dirty="0">
+                <a:solidFill>
+                  <a:schemeClr val="bg1"/>
+                </a:solidFill>
+              </a:rPr>
+              <a:t>/File System Extension/</a:t>
+            </a:r>
+            <a:r>
+              <a:rPr lang="de-CH" sz="1600" b="1" dirty="0" err="1">
+                <a:solidFill>
+                  <a:schemeClr val="bg1"/>
+                </a:solidFill>
+              </a:rPr>
+              <a:t>Solution.c</a:t>
+            </a:r>
+            <a:endParaRPr lang="de-CH" sz="1600" dirty="0">
+              <a:solidFill>
+                <a:schemeClr val="bg1"/>
+              </a:solidFill>
+            </a:endParaRPr>
+          </a:p>
+        </p:txBody>
+      </p:sp>
+      <p:sp>
+        <p:nvSpPr>
+          <p:cNvPr id="46" name="Rechteck: abgerundete Ecken 45">
+            <a:extLst>
+              <a:ext uri="{FF2B5EF4-FFF2-40B4-BE49-F238E27FC236}">
+                <a16:creationId xmlns:a16="http://schemas.microsoft.com/office/drawing/2014/main" id="{9C63C4CE-ED29-BB2E-E11A-A3E6BA03A8E2}"/>
+              </a:ext>
+            </a:extLst>
+          </p:cNvPr>
+          <p:cNvSpPr/>
+          <p:nvPr/>
+        </p:nvSpPr>
+        <p:spPr>
+          <a:xfrm>
+            <a:off x="8495167" y="694615"/>
+            <a:ext cx="1563233" cy="3497458"/>
+          </a:xfrm>
+          <a:prstGeom prst="roundRect">
+            <a:avLst>
+              <a:gd name="adj" fmla="val 5545"/>
+            </a:avLst>
+          </a:prstGeom>
+          <a:solidFill>
+            <a:srgbClr val="FFFF99"/>
+          </a:solidFill>
+          <a:ln>
+            <a:noFill/>
+          </a:ln>
+        </p:spPr>
+        <p:style>
+          <a:lnRef idx="2">
+            <a:schemeClr val="accent1">
+              <a:shade val="15000"/>
+            </a:schemeClr>
+          </a:lnRef>
+          <a:fillRef idx="1">
+            <a:schemeClr val="accent1"/>
+          </a:fillRef>
+          <a:effectRef idx="0">
+            <a:schemeClr val="accent1"/>
+          </a:effectRef>
+          <a:fontRef idx="minor">
+            <a:schemeClr val="lt1"/>
+          </a:fontRef>
+        </p:style>
+        <p:txBody>
+          <a:bodyPr rtlCol="0" anchor="ctr"/>
+          <a:lstStyle/>
+          <a:p>
+            <a:pPr algn="ctr"/>
             <a:endParaRPr lang="de-CH"/>
+          </a:p>
+        </p:txBody>
+      </p:sp>
+      <p:sp>
+        <p:nvSpPr>
+          <p:cNvPr id="31" name="Textfeld 30">
+            <a:extLst>
+              <a:ext uri="{FF2B5EF4-FFF2-40B4-BE49-F238E27FC236}">
+                <a16:creationId xmlns:a16="http://schemas.microsoft.com/office/drawing/2014/main" id="{D89006C1-8267-4654-34C7-A0BB025F0FCF}"/>
+              </a:ext>
+            </a:extLst>
+          </p:cNvPr>
+          <p:cNvSpPr txBox="1"/>
+          <p:nvPr/>
+        </p:nvSpPr>
+        <p:spPr>
+          <a:xfrm>
+            <a:off x="4197979" y="694615"/>
+            <a:ext cx="1849459" cy="369332"/>
+          </a:xfrm>
+          <a:prstGeom prst="rect">
+            <a:avLst/>
+          </a:prstGeom>
+          <a:noFill/>
+        </p:spPr>
+        <p:txBody>
+          <a:bodyPr wrap="square" rtlCol="0">
+            <a:spAutoFit/>
+          </a:bodyPr>
+          <a:lstStyle/>
+          <a:p>
+            <a:r>
+              <a:rPr lang="de-CH" dirty="0"/>
+              <a:t>Name</a:t>
+            </a:r>
+          </a:p>
+        </p:txBody>
+      </p:sp>
+      <p:sp>
+        <p:nvSpPr>
+          <p:cNvPr id="32" name="Textfeld 31">
+            <a:extLst>
+              <a:ext uri="{FF2B5EF4-FFF2-40B4-BE49-F238E27FC236}">
+                <a16:creationId xmlns:a16="http://schemas.microsoft.com/office/drawing/2014/main" id="{1F5E1279-05E8-7B2C-497C-E0B8A9D1EE0C}"/>
+              </a:ext>
+            </a:extLst>
+          </p:cNvPr>
+          <p:cNvSpPr txBox="1"/>
+          <p:nvPr/>
+        </p:nvSpPr>
+        <p:spPr>
+          <a:xfrm>
+            <a:off x="6096000" y="694615"/>
+            <a:ext cx="1026017" cy="369332"/>
+          </a:xfrm>
+          <a:prstGeom prst="rect">
+            <a:avLst/>
+          </a:prstGeom>
+          <a:noFill/>
+        </p:spPr>
+        <p:txBody>
+          <a:bodyPr wrap="square" rtlCol="0">
+            <a:spAutoFit/>
+          </a:bodyPr>
+          <a:lstStyle/>
+          <a:p>
+            <a:r>
+              <a:rPr lang="de-CH" dirty="0"/>
+              <a:t>Date</a:t>
+            </a:r>
+          </a:p>
+        </p:txBody>
+      </p:sp>
+      <p:sp>
+        <p:nvSpPr>
+          <p:cNvPr id="33" name="Textfeld 32">
+            <a:extLst>
+              <a:ext uri="{FF2B5EF4-FFF2-40B4-BE49-F238E27FC236}">
+                <a16:creationId xmlns:a16="http://schemas.microsoft.com/office/drawing/2014/main" id="{A8A13D7A-0087-BCB2-44F4-807D4FD96D56}"/>
+              </a:ext>
+            </a:extLst>
+          </p:cNvPr>
+          <p:cNvSpPr txBox="1"/>
+          <p:nvPr/>
+        </p:nvSpPr>
+        <p:spPr>
+          <a:xfrm>
+            <a:off x="7469150" y="694615"/>
+            <a:ext cx="1026017" cy="369332"/>
+          </a:xfrm>
+          <a:prstGeom prst="rect">
+            <a:avLst/>
+          </a:prstGeom>
+          <a:noFill/>
+        </p:spPr>
+        <p:txBody>
+          <a:bodyPr wrap="square" rtlCol="0">
+            <a:spAutoFit/>
+          </a:bodyPr>
+          <a:lstStyle/>
+          <a:p>
+            <a:r>
+              <a:rPr lang="de-CH" dirty="0"/>
+              <a:t>Type</a:t>
+            </a:r>
+          </a:p>
+        </p:txBody>
+      </p:sp>
+      <p:sp>
+        <p:nvSpPr>
+          <p:cNvPr id="34" name="Textfeld 33">
+            <a:extLst>
+              <a:ext uri="{FF2B5EF4-FFF2-40B4-BE49-F238E27FC236}">
+                <a16:creationId xmlns:a16="http://schemas.microsoft.com/office/drawing/2014/main" id="{BD1B0D6D-3942-08C1-EF4B-3322C311245F}"/>
+              </a:ext>
+            </a:extLst>
+          </p:cNvPr>
+          <p:cNvSpPr txBox="1"/>
+          <p:nvPr/>
+        </p:nvSpPr>
+        <p:spPr>
+          <a:xfrm>
+            <a:off x="8583769" y="694615"/>
+            <a:ext cx="1026017" cy="369332"/>
+          </a:xfrm>
+          <a:prstGeom prst="rect">
+            <a:avLst/>
+          </a:prstGeom>
+          <a:noFill/>
+        </p:spPr>
+        <p:txBody>
+          <a:bodyPr wrap="square" rtlCol="0">
+            <a:spAutoFit/>
+          </a:bodyPr>
+          <a:lstStyle/>
+          <a:p>
+            <a:r>
+              <a:rPr lang="de-CH" dirty="0"/>
+              <a:t>Tag</a:t>
+            </a:r>
+          </a:p>
+        </p:txBody>
+      </p:sp>
+      <p:sp>
+        <p:nvSpPr>
+          <p:cNvPr id="35" name="Textfeld 34">
+            <a:extLst>
+              <a:ext uri="{FF2B5EF4-FFF2-40B4-BE49-F238E27FC236}">
+                <a16:creationId xmlns:a16="http://schemas.microsoft.com/office/drawing/2014/main" id="{70CBA418-726F-7267-4E2B-711910AF5E4D}"/>
+              </a:ext>
+            </a:extLst>
+          </p:cNvPr>
+          <p:cNvSpPr txBox="1"/>
+          <p:nvPr/>
+        </p:nvSpPr>
+        <p:spPr>
+          <a:xfrm>
+            <a:off x="6096000" y="1501656"/>
+            <a:ext cx="1322231" cy="369332"/>
+          </a:xfrm>
+          <a:prstGeom prst="rect">
+            <a:avLst/>
+          </a:prstGeom>
+          <a:noFill/>
+        </p:spPr>
+        <p:txBody>
+          <a:bodyPr wrap="square" rtlCol="0">
+            <a:spAutoFit/>
+          </a:bodyPr>
+          <a:lstStyle/>
+          <a:p>
+            <a:r>
+              <a:rPr lang="de-CH" dirty="0"/>
+              <a:t>30.12.2023</a:t>
+            </a:r>
+          </a:p>
+        </p:txBody>
+      </p:sp>
+      <p:sp>
+        <p:nvSpPr>
+          <p:cNvPr id="36" name="Textfeld 35">
+            <a:extLst>
+              <a:ext uri="{FF2B5EF4-FFF2-40B4-BE49-F238E27FC236}">
+                <a16:creationId xmlns:a16="http://schemas.microsoft.com/office/drawing/2014/main" id="{8AC2183D-81BB-6E97-44AE-9AF0A8621BFE}"/>
+              </a:ext>
+            </a:extLst>
+          </p:cNvPr>
+          <p:cNvSpPr txBox="1"/>
+          <p:nvPr/>
+        </p:nvSpPr>
+        <p:spPr>
+          <a:xfrm>
+            <a:off x="6096000" y="2586234"/>
+            <a:ext cx="1676203" cy="369332"/>
+          </a:xfrm>
+          <a:prstGeom prst="rect">
+            <a:avLst/>
+          </a:prstGeom>
+          <a:noFill/>
+        </p:spPr>
+        <p:txBody>
+          <a:bodyPr wrap="square" rtlCol="0">
+            <a:spAutoFit/>
+          </a:bodyPr>
+          <a:lstStyle/>
+          <a:p>
+            <a:r>
+              <a:rPr lang="de-CH" dirty="0"/>
+              <a:t>01.04.2024</a:t>
+            </a:r>
+          </a:p>
+        </p:txBody>
+      </p:sp>
+      <p:sp>
+        <p:nvSpPr>
+          <p:cNvPr id="37" name="Textfeld 36">
+            <a:extLst>
+              <a:ext uri="{FF2B5EF4-FFF2-40B4-BE49-F238E27FC236}">
+                <a16:creationId xmlns:a16="http://schemas.microsoft.com/office/drawing/2014/main" id="{CFF1700A-15BA-B4E7-CEC2-2FDFDE0409AA}"/>
+              </a:ext>
+            </a:extLst>
+          </p:cNvPr>
+          <p:cNvSpPr txBox="1"/>
+          <p:nvPr/>
+        </p:nvSpPr>
+        <p:spPr>
+          <a:xfrm>
+            <a:off x="6096000" y="3670811"/>
+            <a:ext cx="1676203" cy="369332"/>
+          </a:xfrm>
+          <a:prstGeom prst="rect">
+            <a:avLst/>
+          </a:prstGeom>
+          <a:noFill/>
+        </p:spPr>
+        <p:txBody>
+          <a:bodyPr wrap="square" rtlCol="0">
+            <a:spAutoFit/>
+          </a:bodyPr>
+          <a:lstStyle/>
+          <a:p>
+            <a:r>
+              <a:rPr lang="de-CH" dirty="0"/>
+              <a:t>27.03.2024</a:t>
+            </a:r>
+          </a:p>
+        </p:txBody>
+      </p:sp>
+      <p:sp>
+        <p:nvSpPr>
+          <p:cNvPr id="40" name="Textfeld 39">
+            <a:extLst>
+              <a:ext uri="{FF2B5EF4-FFF2-40B4-BE49-F238E27FC236}">
+                <a16:creationId xmlns:a16="http://schemas.microsoft.com/office/drawing/2014/main" id="{93E00217-B145-7233-D06D-E32E9ACE80FB}"/>
+              </a:ext>
+            </a:extLst>
+          </p:cNvPr>
+          <p:cNvSpPr txBox="1"/>
+          <p:nvPr/>
+        </p:nvSpPr>
+        <p:spPr>
+          <a:xfrm>
+            <a:off x="7492084" y="1501656"/>
+            <a:ext cx="773160" cy="369332"/>
+          </a:xfrm>
+          <a:prstGeom prst="rect">
+            <a:avLst/>
+          </a:prstGeom>
+          <a:noFill/>
+        </p:spPr>
+        <p:txBody>
+          <a:bodyPr wrap="square" rtlCol="0">
+            <a:spAutoFit/>
+          </a:bodyPr>
+          <a:lstStyle/>
+          <a:p>
+            <a:r>
+              <a:rPr lang="de-CH" dirty="0" err="1"/>
+              <a:t>folder</a:t>
+            </a:r>
+            <a:endParaRPr lang="de-CH" dirty="0"/>
+          </a:p>
+        </p:txBody>
+      </p:sp>
+      <p:sp>
+        <p:nvSpPr>
+          <p:cNvPr id="41" name="Textfeld 40">
+            <a:extLst>
+              <a:ext uri="{FF2B5EF4-FFF2-40B4-BE49-F238E27FC236}">
+                <a16:creationId xmlns:a16="http://schemas.microsoft.com/office/drawing/2014/main" id="{B83E7697-8D92-FD01-E0AD-CAD880F744A6}"/>
+              </a:ext>
+            </a:extLst>
+          </p:cNvPr>
+          <p:cNvSpPr txBox="1"/>
+          <p:nvPr/>
+        </p:nvSpPr>
+        <p:spPr>
+          <a:xfrm>
+            <a:off x="7492084" y="2583346"/>
+            <a:ext cx="773160" cy="369332"/>
+          </a:xfrm>
+          <a:prstGeom prst="rect">
+            <a:avLst/>
+          </a:prstGeom>
+          <a:noFill/>
+        </p:spPr>
+        <p:txBody>
+          <a:bodyPr wrap="square" rtlCol="0">
+            <a:spAutoFit/>
+          </a:bodyPr>
+          <a:lstStyle/>
+          <a:p>
+            <a:r>
+              <a:rPr lang="de-CH" dirty="0" err="1"/>
+              <a:t>folder</a:t>
+            </a:r>
+            <a:endParaRPr lang="de-CH" dirty="0"/>
+          </a:p>
+        </p:txBody>
+      </p:sp>
+      <p:sp>
+        <p:nvSpPr>
+          <p:cNvPr id="42" name="Textfeld 41">
+            <a:extLst>
+              <a:ext uri="{FF2B5EF4-FFF2-40B4-BE49-F238E27FC236}">
+                <a16:creationId xmlns:a16="http://schemas.microsoft.com/office/drawing/2014/main" id="{EDA469B7-AC7B-DE39-825B-38B70B275560}"/>
+              </a:ext>
+            </a:extLst>
+          </p:cNvPr>
+          <p:cNvSpPr txBox="1"/>
+          <p:nvPr/>
+        </p:nvSpPr>
+        <p:spPr>
+          <a:xfrm>
+            <a:off x="7492084" y="3674227"/>
+            <a:ext cx="773160" cy="369332"/>
+          </a:xfrm>
+          <a:prstGeom prst="rect">
+            <a:avLst/>
+          </a:prstGeom>
+          <a:noFill/>
+        </p:spPr>
+        <p:txBody>
+          <a:bodyPr wrap="square" rtlCol="0">
+            <a:spAutoFit/>
+          </a:bodyPr>
+          <a:lstStyle/>
+          <a:p>
+            <a:r>
+              <a:rPr lang="de-CH" dirty="0" err="1"/>
+              <a:t>folder</a:t>
+            </a:r>
+            <a:endParaRPr lang="de-CH" dirty="0"/>
+          </a:p>
+        </p:txBody>
+      </p:sp>
+      <p:sp>
+        <p:nvSpPr>
+          <p:cNvPr id="43" name="Textfeld 42">
+            <a:extLst>
+              <a:ext uri="{FF2B5EF4-FFF2-40B4-BE49-F238E27FC236}">
+                <a16:creationId xmlns:a16="http://schemas.microsoft.com/office/drawing/2014/main" id="{5AA9F982-6711-25DF-8766-05A58B503361}"/>
+              </a:ext>
+            </a:extLst>
+          </p:cNvPr>
+          <p:cNvSpPr txBox="1"/>
+          <p:nvPr/>
+        </p:nvSpPr>
+        <p:spPr>
+          <a:xfrm>
+            <a:off x="8583769" y="1501656"/>
+            <a:ext cx="1026016" cy="369332"/>
+          </a:xfrm>
+          <a:prstGeom prst="rect">
+            <a:avLst/>
+          </a:prstGeom>
+          <a:noFill/>
+        </p:spPr>
+        <p:txBody>
+          <a:bodyPr wrap="square" rtlCol="0">
+            <a:spAutoFit/>
+          </a:bodyPr>
+          <a:lstStyle/>
+          <a:p>
+            <a:r>
+              <a:rPr lang="de-CH" dirty="0"/>
+              <a:t>private</a:t>
+            </a:r>
+          </a:p>
+        </p:txBody>
+      </p:sp>
+      <p:sp>
+        <p:nvSpPr>
+          <p:cNvPr id="44" name="Textfeld 43">
+            <a:extLst>
+              <a:ext uri="{FF2B5EF4-FFF2-40B4-BE49-F238E27FC236}">
+                <a16:creationId xmlns:a16="http://schemas.microsoft.com/office/drawing/2014/main" id="{B371E337-5DB3-26BA-D61C-BC33748AB2C1}"/>
+              </a:ext>
+            </a:extLst>
+          </p:cNvPr>
+          <p:cNvSpPr txBox="1"/>
+          <p:nvPr/>
+        </p:nvSpPr>
+        <p:spPr>
+          <a:xfrm>
+            <a:off x="8583768" y="2583346"/>
+            <a:ext cx="1378039" cy="369332"/>
+          </a:xfrm>
+          <a:prstGeom prst="rect">
+            <a:avLst/>
+          </a:prstGeom>
+          <a:noFill/>
+        </p:spPr>
+        <p:txBody>
+          <a:bodyPr wrap="square" rtlCol="0">
+            <a:spAutoFit/>
+          </a:bodyPr>
+          <a:lstStyle/>
+          <a:p>
+            <a:r>
+              <a:rPr lang="de-CH" dirty="0" err="1"/>
+              <a:t>education</a:t>
+            </a:r>
+            <a:endParaRPr lang="de-CH" dirty="0"/>
+          </a:p>
+        </p:txBody>
+      </p:sp>
+      <p:sp>
+        <p:nvSpPr>
+          <p:cNvPr id="45" name="Textfeld 44">
+            <a:extLst>
+              <a:ext uri="{FF2B5EF4-FFF2-40B4-BE49-F238E27FC236}">
+                <a16:creationId xmlns:a16="http://schemas.microsoft.com/office/drawing/2014/main" id="{EBA2CEA0-666E-D878-1AF7-B390196556D2}"/>
+              </a:ext>
+            </a:extLst>
+          </p:cNvPr>
+          <p:cNvSpPr txBox="1"/>
+          <p:nvPr/>
+        </p:nvSpPr>
+        <p:spPr>
+          <a:xfrm>
+            <a:off x="8583769" y="3674227"/>
+            <a:ext cx="773160" cy="369332"/>
+          </a:xfrm>
+          <a:prstGeom prst="rect">
+            <a:avLst/>
+          </a:prstGeom>
+          <a:noFill/>
+        </p:spPr>
+        <p:txBody>
+          <a:bodyPr wrap="square" rtlCol="0">
+            <a:spAutoFit/>
+          </a:bodyPr>
+          <a:lstStyle/>
+          <a:p>
+            <a:r>
+              <a:rPr lang="de-CH" dirty="0" err="1"/>
+              <a:t>work</a:t>
+            </a:r>
+            <a:endParaRPr lang="de-CH" dirty="0"/>
           </a:p>
         </p:txBody>
       </p:sp>
@@ -3637,6 +8180,636 @@
   <p:clrMapOvr>
     <a:masterClrMapping/>
   </p:clrMapOvr>
+  <mc:AlternateContent xmlns:mc="http://schemas.openxmlformats.org/markup-compatibility/2006">
+    <mc:Choice xmlns:p159="http://schemas.microsoft.com/office/powerpoint/2015/09/main" Requires="p159">
+      <p:transition xmlns:p14="http://schemas.microsoft.com/office/powerpoint/2010/main" spd="slow" p14:dur="2000">
+        <p159:morph option="byObject"/>
+      </p:transition>
+    </mc:Choice>
+    <mc:Fallback>
+      <p:transition spd="slow">
+        <p:fade/>
+      </p:transition>
+    </mc:Fallback>
+  </mc:AlternateContent>
+  <p:timing>
+    <p:tnLst>
+      <p:par>
+        <p:cTn id="1" dur="indefinite" restart="never" nodeType="tmRoot">
+          <p:childTnLst>
+            <p:seq concurrent="1" nextAc="seek">
+              <p:cTn id="2" dur="indefinite" nodeType="mainSeq">
+                <p:childTnLst>
+                  <p:par>
+                    <p:cTn id="3" fill="hold">
+                      <p:stCondLst>
+                        <p:cond delay="indefinite"/>
+                        <p:cond evt="onBegin" delay="0">
+                          <p:tn val="2"/>
+                        </p:cond>
+                      </p:stCondLst>
+                      <p:childTnLst>
+                        <p:par>
+                          <p:cTn id="4" fill="hold">
+                            <p:stCondLst>
+                              <p:cond delay="0"/>
+                            </p:stCondLst>
+                            <p:childTnLst>
+                              <p:par>
+                                <p:cTn id="5" presetID="15" presetClass="emph" presetSubtype="0" grpId="0" nodeType="withEffect">
+                                  <p:stCondLst>
+                                    <p:cond delay="0"/>
+                                  </p:stCondLst>
+                                  <p:iterate type="lt">
+                                    <p:tmAbs val="25"/>
+                                  </p:iterate>
+                                  <p:childTnLst>
+                                    <p:set>
+                                      <p:cBhvr override="childStyle">
+                                        <p:cTn id="6" dur="indefinite"/>
+                                        <p:tgtEl>
+                                          <p:spTgt spid="43"/>
+                                        </p:tgtEl>
+                                        <p:attrNameLst>
+                                          <p:attrName>style.fontWeight</p:attrName>
+                                        </p:attrNameLst>
+                                      </p:cBhvr>
+                                      <p:to>
+                                        <p:strVal val="bold"/>
+                                      </p:to>
+                                    </p:set>
+                                  </p:childTnLst>
+                                </p:cTn>
+                              </p:par>
+                              <p:par>
+                                <p:cTn id="7" presetID="15" presetClass="emph" presetSubtype="0" grpId="0" nodeType="withEffect">
+                                  <p:stCondLst>
+                                    <p:cond delay="0"/>
+                                  </p:stCondLst>
+                                  <p:iterate type="lt">
+                                    <p:tmAbs val="25"/>
+                                  </p:iterate>
+                                  <p:childTnLst>
+                                    <p:set>
+                                      <p:cBhvr override="childStyle">
+                                        <p:cTn id="8" dur="indefinite"/>
+                                        <p:tgtEl>
+                                          <p:spTgt spid="34"/>
+                                        </p:tgtEl>
+                                        <p:attrNameLst>
+                                          <p:attrName>style.fontWeight</p:attrName>
+                                        </p:attrNameLst>
+                                      </p:cBhvr>
+                                      <p:to>
+                                        <p:strVal val="bold"/>
+                                      </p:to>
+                                    </p:set>
+                                  </p:childTnLst>
+                                </p:cTn>
+                              </p:par>
+                              <p:par>
+                                <p:cTn id="9" presetID="15" presetClass="emph" presetSubtype="0" grpId="0" nodeType="withEffect">
+                                  <p:stCondLst>
+                                    <p:cond delay="0"/>
+                                  </p:stCondLst>
+                                  <p:iterate type="lt">
+                                    <p:tmAbs val="25"/>
+                                  </p:iterate>
+                                  <p:childTnLst>
+                                    <p:set>
+                                      <p:cBhvr override="childStyle">
+                                        <p:cTn id="10" dur="indefinite"/>
+                                        <p:tgtEl>
+                                          <p:spTgt spid="44"/>
+                                        </p:tgtEl>
+                                        <p:attrNameLst>
+                                          <p:attrName>style.fontWeight</p:attrName>
+                                        </p:attrNameLst>
+                                      </p:cBhvr>
+                                      <p:to>
+                                        <p:strVal val="bold"/>
+                                      </p:to>
+                                    </p:set>
+                                  </p:childTnLst>
+                                </p:cTn>
+                              </p:par>
+                              <p:par>
+                                <p:cTn id="11" presetID="15" presetClass="emph" presetSubtype="0" grpId="0" nodeType="withEffect">
+                                  <p:stCondLst>
+                                    <p:cond delay="0"/>
+                                  </p:stCondLst>
+                                  <p:iterate type="lt">
+                                    <p:tmAbs val="25"/>
+                                  </p:iterate>
+                                  <p:childTnLst>
+                                    <p:set>
+                                      <p:cBhvr override="childStyle">
+                                        <p:cTn id="12" dur="indefinite"/>
+                                        <p:tgtEl>
+                                          <p:spTgt spid="45"/>
+                                        </p:tgtEl>
+                                        <p:attrNameLst>
+                                          <p:attrName>style.fontWeight</p:attrName>
+                                        </p:attrNameLst>
+                                      </p:cBhvr>
+                                      <p:to>
+                                        <p:strVal val="bold"/>
+                                      </p:to>
+                                    </p:set>
+                                  </p:childTnLst>
+                                </p:cTn>
+                              </p:par>
+                              <p:par>
+                                <p:cTn id="13" presetID="10" presetClass="entr" presetSubtype="0" fill="hold" grpId="0" nodeType="withEffect">
+                                  <p:stCondLst>
+                                    <p:cond delay="0"/>
+                                  </p:stCondLst>
+                                  <p:childTnLst>
+                                    <p:set>
+                                      <p:cBhvr>
+                                        <p:cTn id="14" dur="1" fill="hold">
+                                          <p:stCondLst>
+                                            <p:cond delay="0"/>
+                                          </p:stCondLst>
+                                        </p:cTn>
+                                        <p:tgtEl>
+                                          <p:spTgt spid="46"/>
+                                        </p:tgtEl>
+                                        <p:attrNameLst>
+                                          <p:attrName>style.visibility</p:attrName>
+                                        </p:attrNameLst>
+                                      </p:cBhvr>
+                                      <p:to>
+                                        <p:strVal val="visible"/>
+                                      </p:to>
+                                    </p:set>
+                                    <p:animEffect transition="in" filter="fade">
+                                      <p:cBhvr>
+                                        <p:cTn id="15" dur="500"/>
+                                        <p:tgtEl>
+                                          <p:spTgt spid="46"/>
+                                        </p:tgtEl>
+                                      </p:cBhvr>
+                                    </p:animEffect>
+                                  </p:childTnLst>
+                                </p:cTn>
+                              </p:par>
+                            </p:childTnLst>
+                          </p:cTn>
+                        </p:par>
+                      </p:childTnLst>
+                    </p:cTn>
+                  </p:par>
+                  <p:par>
+                    <p:cTn id="16" fill="hold">
+                      <p:stCondLst>
+                        <p:cond delay="indefinite"/>
+                      </p:stCondLst>
+                      <p:childTnLst>
+                        <p:par>
+                          <p:cTn id="17" fill="hold">
+                            <p:stCondLst>
+                              <p:cond delay="0"/>
+                            </p:stCondLst>
+                            <p:childTnLst>
+                              <p:par>
+                                <p:cTn id="18" presetID="10" presetClass="entr" presetSubtype="0" fill="hold" nodeType="clickEffect">
+                                  <p:stCondLst>
+                                    <p:cond delay="0"/>
+                                  </p:stCondLst>
+                                  <p:childTnLst>
+                                    <p:set>
+                                      <p:cBhvr>
+                                        <p:cTn id="19" dur="1" fill="hold">
+                                          <p:stCondLst>
+                                            <p:cond delay="0"/>
+                                          </p:stCondLst>
+                                        </p:cTn>
+                                        <p:tgtEl>
+                                          <p:spTgt spid="29">
+                                            <p:txEl>
+                                              <p:pRg st="1" end="1"/>
+                                            </p:txEl>
+                                          </p:spTgt>
+                                        </p:tgtEl>
+                                        <p:attrNameLst>
+                                          <p:attrName>style.visibility</p:attrName>
+                                        </p:attrNameLst>
+                                      </p:cBhvr>
+                                      <p:to>
+                                        <p:strVal val="visible"/>
+                                      </p:to>
+                                    </p:set>
+                                    <p:animEffect transition="in" filter="fade">
+                                      <p:cBhvr>
+                                        <p:cTn id="20" dur="500"/>
+                                        <p:tgtEl>
+                                          <p:spTgt spid="29">
+                                            <p:txEl>
+                                              <p:pRg st="1" end="1"/>
+                                            </p:txEl>
+                                          </p:spTgt>
+                                        </p:tgtEl>
+                                      </p:cBhvr>
+                                    </p:animEffect>
+                                  </p:childTnLst>
+                                </p:cTn>
+                              </p:par>
+                              <p:par>
+                                <p:cTn id="21" presetID="10" presetClass="exit" presetSubtype="0" fill="hold" grpId="1" nodeType="withEffect">
+                                  <p:stCondLst>
+                                    <p:cond delay="0"/>
+                                  </p:stCondLst>
+                                  <p:childTnLst>
+                                    <p:animEffect transition="out" filter="fade">
+                                      <p:cBhvr>
+                                        <p:cTn id="22" dur="500"/>
+                                        <p:tgtEl>
+                                          <p:spTgt spid="46"/>
+                                        </p:tgtEl>
+                                      </p:cBhvr>
+                                    </p:animEffect>
+                                    <p:set>
+                                      <p:cBhvr>
+                                        <p:cTn id="23" dur="1" fill="hold">
+                                          <p:stCondLst>
+                                            <p:cond delay="499"/>
+                                          </p:stCondLst>
+                                        </p:cTn>
+                                        <p:tgtEl>
+                                          <p:spTgt spid="46"/>
+                                        </p:tgtEl>
+                                        <p:attrNameLst>
+                                          <p:attrName>style.visibility</p:attrName>
+                                        </p:attrNameLst>
+                                      </p:cBhvr>
+                                      <p:to>
+                                        <p:strVal val="hidden"/>
+                                      </p:to>
+                                    </p:set>
+                                  </p:childTnLst>
+                                </p:cTn>
+                              </p:par>
+                              <p:par>
+                                <p:cTn id="24" presetID="9" presetClass="emph" presetSubtype="0" grpId="1" nodeType="withEffect">
+                                  <p:stCondLst>
+                                    <p:cond delay="0"/>
+                                  </p:stCondLst>
+                                  <p:iterate type="lt">
+                                    <p:tmAbs val="0"/>
+                                  </p:iterate>
+                                  <p:childTnLst>
+                                    <p:set>
+                                      <p:cBhvr>
+                                        <p:cTn id="25" dur="indefinite"/>
+                                        <p:tgtEl>
+                                          <p:spTgt spid="43"/>
+                                        </p:tgtEl>
+                                        <p:attrNameLst>
+                                          <p:attrName>style.opacity</p:attrName>
+                                        </p:attrNameLst>
+                                      </p:cBhvr>
+                                      <p:to>
+                                        <p:strVal val="0.4"/>
+                                      </p:to>
+                                    </p:set>
+                                    <p:animEffect filter="image" prLst="opacity: 0.4">
+                                      <p:cBhvr rctx="IE">
+                                        <p:cTn id="26" dur="indefinite"/>
+                                        <p:tgtEl>
+                                          <p:spTgt spid="43"/>
+                                        </p:tgtEl>
+                                      </p:cBhvr>
+                                    </p:animEffect>
+                                  </p:childTnLst>
+                                </p:cTn>
+                              </p:par>
+                              <p:par>
+                                <p:cTn id="27" presetID="9" presetClass="emph" presetSubtype="0" grpId="1" nodeType="withEffect">
+                                  <p:stCondLst>
+                                    <p:cond delay="0"/>
+                                  </p:stCondLst>
+                                  <p:iterate type="lt">
+                                    <p:tmAbs val="0"/>
+                                  </p:iterate>
+                                  <p:childTnLst>
+                                    <p:set>
+                                      <p:cBhvr>
+                                        <p:cTn id="28" dur="indefinite"/>
+                                        <p:tgtEl>
+                                          <p:spTgt spid="45"/>
+                                        </p:tgtEl>
+                                        <p:attrNameLst>
+                                          <p:attrName>style.opacity</p:attrName>
+                                        </p:attrNameLst>
+                                      </p:cBhvr>
+                                      <p:to>
+                                        <p:strVal val="0.4"/>
+                                      </p:to>
+                                    </p:set>
+                                    <p:animEffect filter="image" prLst="opacity: 0.4">
+                                      <p:cBhvr rctx="IE">
+                                        <p:cTn id="29" dur="indefinite"/>
+                                        <p:tgtEl>
+                                          <p:spTgt spid="45"/>
+                                        </p:tgtEl>
+                                      </p:cBhvr>
+                                    </p:animEffect>
+                                  </p:childTnLst>
+                                </p:cTn>
+                              </p:par>
+                              <p:par>
+                                <p:cTn id="30" presetID="9" presetClass="emph" presetSubtype="0" grpId="0" nodeType="withEffect">
+                                  <p:stCondLst>
+                                    <p:cond delay="0"/>
+                                  </p:stCondLst>
+                                  <p:childTnLst>
+                                    <p:set>
+                                      <p:cBhvr>
+                                        <p:cTn id="31" dur="indefinite"/>
+                                        <p:tgtEl>
+                                          <p:spTgt spid="42"/>
+                                        </p:tgtEl>
+                                        <p:attrNameLst>
+                                          <p:attrName>style.opacity</p:attrName>
+                                        </p:attrNameLst>
+                                      </p:cBhvr>
+                                      <p:to>
+                                        <p:strVal val="0.4"/>
+                                      </p:to>
+                                    </p:set>
+                                    <p:animEffect filter="image" prLst="opacity: 0.4">
+                                      <p:cBhvr rctx="IE">
+                                        <p:cTn id="32" dur="indefinite"/>
+                                        <p:tgtEl>
+                                          <p:spTgt spid="42"/>
+                                        </p:tgtEl>
+                                      </p:cBhvr>
+                                    </p:animEffect>
+                                  </p:childTnLst>
+                                </p:cTn>
+                              </p:par>
+                              <p:par>
+                                <p:cTn id="33" presetID="9" presetClass="emph" presetSubtype="0" grpId="0" nodeType="withEffect">
+                                  <p:stCondLst>
+                                    <p:cond delay="0"/>
+                                  </p:stCondLst>
+                                  <p:childTnLst>
+                                    <p:set>
+                                      <p:cBhvr>
+                                        <p:cTn id="34" dur="indefinite"/>
+                                        <p:tgtEl>
+                                          <p:spTgt spid="37"/>
+                                        </p:tgtEl>
+                                        <p:attrNameLst>
+                                          <p:attrName>style.opacity</p:attrName>
+                                        </p:attrNameLst>
+                                      </p:cBhvr>
+                                      <p:to>
+                                        <p:strVal val="0.4"/>
+                                      </p:to>
+                                    </p:set>
+                                    <p:animEffect filter="image" prLst="opacity: 0.4">
+                                      <p:cBhvr rctx="IE">
+                                        <p:cTn id="35" dur="indefinite"/>
+                                        <p:tgtEl>
+                                          <p:spTgt spid="37"/>
+                                        </p:tgtEl>
+                                      </p:cBhvr>
+                                    </p:animEffect>
+                                  </p:childTnLst>
+                                </p:cTn>
+                              </p:par>
+                              <p:par>
+                                <p:cTn id="36" presetID="9" presetClass="emph" presetSubtype="0" grpId="0" nodeType="withEffect">
+                                  <p:stCondLst>
+                                    <p:cond delay="0"/>
+                                  </p:stCondLst>
+                                  <p:childTnLst>
+                                    <p:set>
+                                      <p:cBhvr>
+                                        <p:cTn id="37" dur="indefinite"/>
+                                        <p:tgtEl>
+                                          <p:spTgt spid="28"/>
+                                        </p:tgtEl>
+                                        <p:attrNameLst>
+                                          <p:attrName>style.opacity</p:attrName>
+                                        </p:attrNameLst>
+                                      </p:cBhvr>
+                                      <p:to>
+                                        <p:strVal val="0.4"/>
+                                      </p:to>
+                                    </p:set>
+                                    <p:animEffect filter="image" prLst="opacity: 0.4">
+                                      <p:cBhvr rctx="IE">
+                                        <p:cTn id="38" dur="indefinite"/>
+                                        <p:tgtEl>
+                                          <p:spTgt spid="28"/>
+                                        </p:tgtEl>
+                                      </p:cBhvr>
+                                    </p:animEffect>
+                                  </p:childTnLst>
+                                </p:cTn>
+                              </p:par>
+                              <p:par>
+                                <p:cTn id="39" presetID="9" presetClass="emph" presetSubtype="0" nodeType="withEffect">
+                                  <p:stCondLst>
+                                    <p:cond delay="0"/>
+                                  </p:stCondLst>
+                                  <p:childTnLst>
+                                    <p:set>
+                                      <p:cBhvr>
+                                        <p:cTn id="40" dur="indefinite"/>
+                                        <p:tgtEl>
+                                          <p:spTgt spid="25"/>
+                                        </p:tgtEl>
+                                        <p:attrNameLst>
+                                          <p:attrName>style.opacity</p:attrName>
+                                        </p:attrNameLst>
+                                      </p:cBhvr>
+                                      <p:to>
+                                        <p:strVal val="0.4"/>
+                                      </p:to>
+                                    </p:set>
+                                    <p:animEffect filter="image" prLst="opacity: 0.4">
+                                      <p:cBhvr rctx="IE">
+                                        <p:cTn id="41" dur="indefinite"/>
+                                        <p:tgtEl>
+                                          <p:spTgt spid="25"/>
+                                        </p:tgtEl>
+                                      </p:cBhvr>
+                                    </p:animEffect>
+                                  </p:childTnLst>
+                                </p:cTn>
+                              </p:par>
+                              <p:par>
+                                <p:cTn id="42" presetID="9" presetClass="emph" presetSubtype="0" nodeType="withEffect">
+                                  <p:stCondLst>
+                                    <p:cond delay="0"/>
+                                  </p:stCondLst>
+                                  <p:childTnLst>
+                                    <p:set>
+                                      <p:cBhvr>
+                                        <p:cTn id="43" dur="indefinite"/>
+                                        <p:tgtEl>
+                                          <p:spTgt spid="23"/>
+                                        </p:tgtEl>
+                                        <p:attrNameLst>
+                                          <p:attrName>style.opacity</p:attrName>
+                                        </p:attrNameLst>
+                                      </p:cBhvr>
+                                      <p:to>
+                                        <p:strVal val="0.4"/>
+                                      </p:to>
+                                    </p:set>
+                                    <p:animEffect filter="image" prLst="opacity: 0.4">
+                                      <p:cBhvr rctx="IE">
+                                        <p:cTn id="44" dur="indefinite"/>
+                                        <p:tgtEl>
+                                          <p:spTgt spid="23"/>
+                                        </p:tgtEl>
+                                      </p:cBhvr>
+                                    </p:animEffect>
+                                  </p:childTnLst>
+                                </p:cTn>
+                              </p:par>
+                              <p:par>
+                                <p:cTn id="45" presetID="9" presetClass="emph" presetSubtype="0" grpId="0" nodeType="withEffect">
+                                  <p:stCondLst>
+                                    <p:cond delay="0"/>
+                                  </p:stCondLst>
+                                  <p:childTnLst>
+                                    <p:set>
+                                      <p:cBhvr>
+                                        <p:cTn id="46" dur="indefinite"/>
+                                        <p:tgtEl>
+                                          <p:spTgt spid="26"/>
+                                        </p:tgtEl>
+                                        <p:attrNameLst>
+                                          <p:attrName>style.opacity</p:attrName>
+                                        </p:attrNameLst>
+                                      </p:cBhvr>
+                                      <p:to>
+                                        <p:strVal val="0.4"/>
+                                      </p:to>
+                                    </p:set>
+                                    <p:animEffect filter="image" prLst="opacity: 0.4">
+                                      <p:cBhvr rctx="IE">
+                                        <p:cTn id="47" dur="indefinite"/>
+                                        <p:tgtEl>
+                                          <p:spTgt spid="26"/>
+                                        </p:tgtEl>
+                                      </p:cBhvr>
+                                    </p:animEffect>
+                                  </p:childTnLst>
+                                </p:cTn>
+                              </p:par>
+                              <p:par>
+                                <p:cTn id="48" presetID="9" presetClass="emph" presetSubtype="0" grpId="0" nodeType="withEffect">
+                                  <p:stCondLst>
+                                    <p:cond delay="0"/>
+                                  </p:stCondLst>
+                                  <p:childTnLst>
+                                    <p:set>
+                                      <p:cBhvr>
+                                        <p:cTn id="49" dur="indefinite"/>
+                                        <p:tgtEl>
+                                          <p:spTgt spid="35"/>
+                                        </p:tgtEl>
+                                        <p:attrNameLst>
+                                          <p:attrName>style.opacity</p:attrName>
+                                        </p:attrNameLst>
+                                      </p:cBhvr>
+                                      <p:to>
+                                        <p:strVal val="0.4"/>
+                                      </p:to>
+                                    </p:set>
+                                    <p:animEffect filter="image" prLst="opacity: 0.4">
+                                      <p:cBhvr rctx="IE">
+                                        <p:cTn id="50" dur="indefinite"/>
+                                        <p:tgtEl>
+                                          <p:spTgt spid="35"/>
+                                        </p:tgtEl>
+                                      </p:cBhvr>
+                                    </p:animEffect>
+                                  </p:childTnLst>
+                                </p:cTn>
+                              </p:par>
+                              <p:par>
+                                <p:cTn id="51" presetID="9" presetClass="emph" presetSubtype="0" grpId="0" nodeType="withEffect">
+                                  <p:stCondLst>
+                                    <p:cond delay="0"/>
+                                  </p:stCondLst>
+                                  <p:childTnLst>
+                                    <p:set>
+                                      <p:cBhvr>
+                                        <p:cTn id="52" dur="indefinite"/>
+                                        <p:tgtEl>
+                                          <p:spTgt spid="40"/>
+                                        </p:tgtEl>
+                                        <p:attrNameLst>
+                                          <p:attrName>style.opacity</p:attrName>
+                                        </p:attrNameLst>
+                                      </p:cBhvr>
+                                      <p:to>
+                                        <p:strVal val="0.4"/>
+                                      </p:to>
+                                    </p:set>
+                                    <p:animEffect filter="image" prLst="opacity: 0.4">
+                                      <p:cBhvr rctx="IE">
+                                        <p:cTn id="53" dur="indefinite"/>
+                                        <p:tgtEl>
+                                          <p:spTgt spid="40"/>
+                                        </p:tgtEl>
+                                      </p:cBhvr>
+                                    </p:animEffect>
+                                  </p:childTnLst>
+                                </p:cTn>
+                              </p:par>
+                            </p:childTnLst>
+                          </p:cTn>
+                        </p:par>
+                      </p:childTnLst>
+                    </p:cTn>
+                  </p:par>
+                </p:childTnLst>
+              </p:cTn>
+              <p:prevCondLst>
+                <p:cond evt="onPrev" delay="0">
+                  <p:tgtEl>
+                    <p:sldTgt/>
+                  </p:tgtEl>
+                </p:cond>
+              </p:prevCondLst>
+              <p:nextCondLst>
+                <p:cond evt="onNext" delay="0">
+                  <p:tgtEl>
+                    <p:sldTgt/>
+                  </p:tgtEl>
+                </p:cond>
+              </p:nextCondLst>
+            </p:seq>
+          </p:childTnLst>
+        </p:cTn>
+      </p:par>
+    </p:tnLst>
+    <p:bldLst>
+      <p:bldP spid="26" grpId="0"/>
+      <p:bldP spid="28" grpId="0"/>
+      <p:bldP spid="46" grpId="0" animBg="1"/>
+      <p:bldP spid="46" grpId="1" animBg="1"/>
+      <p:bldP spid="34" grpId="0"/>
+      <p:bldP spid="35" grpId="0"/>
+      <p:bldP spid="37" grpId="0"/>
+      <p:bldP spid="40" grpId="0"/>
+      <p:bldP spid="42" grpId="0"/>
+      <p:bldP spid="43" grpId="0"/>
+      <p:bldP spid="43" grpId="1"/>
+      <p:bldP spid="44" grpId="0"/>
+      <p:bldP spid="45" grpId="0"/>
+      <p:bldP spid="45" grpId="1"/>
+    </p:bldLst>
+  </p:timing>
 </p:sld>
 </file>
 
@@ -3678,10 +8851,7 @@
           <a:bodyPr/>
           <a:lstStyle/>
           <a:p>
-            <a:r>
-              <a:rPr lang="de-CH" dirty="0"/>
-              <a:t>Time Plan</a:t>
-            </a:r>
+            <a:endParaRPr lang="de-CH" dirty="0"/>
           </a:p>
         </p:txBody>
       </p:sp>
@@ -3707,6 +8877,894 @@
           <a:lstStyle/>
           <a:p>
             <a:endParaRPr lang="de-CH"/>
+          </a:p>
+        </p:txBody>
+      </p:sp>
+      <p:sp>
+        <p:nvSpPr>
+          <p:cNvPr id="4" name="Rechteck 3">
+            <a:extLst>
+              <a:ext uri="{FF2B5EF4-FFF2-40B4-BE49-F238E27FC236}">
+                <a16:creationId xmlns:a16="http://schemas.microsoft.com/office/drawing/2014/main" id="{CF4D71CD-262D-B562-7DDA-707880FAA2FF}"/>
+              </a:ext>
+            </a:extLst>
+          </p:cNvPr>
+          <p:cNvSpPr/>
+          <p:nvPr/>
+        </p:nvSpPr>
+        <p:spPr>
+          <a:xfrm>
+            <a:off x="0" y="0"/>
+            <a:ext cx="491067" cy="6858000"/>
+          </a:xfrm>
+          <a:prstGeom prst="rect">
+            <a:avLst/>
+          </a:prstGeom>
+          <a:solidFill>
+            <a:srgbClr val="7B2420">
+              <a:alpha val="45000"/>
+            </a:srgbClr>
+          </a:solidFill>
+          <a:ln>
+            <a:noFill/>
+          </a:ln>
+        </p:spPr>
+        <p:style>
+          <a:lnRef idx="2">
+            <a:schemeClr val="accent1">
+              <a:shade val="15000"/>
+            </a:schemeClr>
+          </a:lnRef>
+          <a:fillRef idx="1">
+            <a:schemeClr val="accent1"/>
+          </a:fillRef>
+          <a:effectRef idx="0">
+            <a:schemeClr val="accent1"/>
+          </a:effectRef>
+          <a:fontRef idx="minor">
+            <a:schemeClr val="lt1"/>
+          </a:fontRef>
+        </p:style>
+        <p:txBody>
+          <a:bodyPr rtlCol="0" anchor="ctr"/>
+          <a:lstStyle/>
+          <a:p>
+            <a:pPr algn="ctr"/>
+            <a:endParaRPr lang="de-CH"/>
+          </a:p>
+        </p:txBody>
+      </p:sp>
+      <p:sp>
+        <p:nvSpPr>
+          <p:cNvPr id="5" name="Rechteck 4">
+            <a:extLst>
+              <a:ext uri="{FF2B5EF4-FFF2-40B4-BE49-F238E27FC236}">
+                <a16:creationId xmlns:a16="http://schemas.microsoft.com/office/drawing/2014/main" id="{DC45E160-AE81-9EF9-A214-B6C5E26B7A08}"/>
+              </a:ext>
+            </a:extLst>
+          </p:cNvPr>
+          <p:cNvSpPr/>
+          <p:nvPr/>
+        </p:nvSpPr>
+        <p:spPr>
+          <a:xfrm>
+            <a:off x="0" y="0"/>
+            <a:ext cx="12192000" cy="144624"/>
+          </a:xfrm>
+          <a:prstGeom prst="rect">
+            <a:avLst/>
+          </a:prstGeom>
+          <a:solidFill>
+            <a:srgbClr val="4F4F48"/>
+          </a:solidFill>
+          <a:ln>
+            <a:noFill/>
+          </a:ln>
+        </p:spPr>
+        <p:style>
+          <a:lnRef idx="2">
+            <a:schemeClr val="accent1">
+              <a:shade val="15000"/>
+            </a:schemeClr>
+          </a:lnRef>
+          <a:fillRef idx="1">
+            <a:schemeClr val="accent1"/>
+          </a:fillRef>
+          <a:effectRef idx="0">
+            <a:schemeClr val="accent1"/>
+          </a:effectRef>
+          <a:fontRef idx="minor">
+            <a:schemeClr val="lt1"/>
+          </a:fontRef>
+        </p:style>
+        <p:txBody>
+          <a:bodyPr rtlCol="0" anchor="ctr"/>
+          <a:lstStyle/>
+          <a:p>
+            <a:pPr algn="ctr"/>
+            <a:endParaRPr lang="de-CH"/>
+          </a:p>
+        </p:txBody>
+      </p:sp>
+      <p:pic>
+        <p:nvPicPr>
+          <p:cNvPr id="6" name="Grafik 5" descr="Zahnrad mit einfarbiger Füllung">
+            <a:extLst>
+              <a:ext uri="{FF2B5EF4-FFF2-40B4-BE49-F238E27FC236}">
+                <a16:creationId xmlns:a16="http://schemas.microsoft.com/office/drawing/2014/main" id="{E536234B-9985-03CC-FCE1-EA1FA793ECFF}"/>
+              </a:ext>
+            </a:extLst>
+          </p:cNvPr>
+          <p:cNvPicPr>
+            <a:picLocks noChangeAspect="1"/>
+          </p:cNvPicPr>
+          <p:nvPr/>
+        </p:nvPicPr>
+        <p:blipFill>
+          <a:blip r:embed="rId2">
+            <a:extLst>
+              <a:ext uri="{28A0092B-C50C-407E-A947-70E740481C1C}">
+                <a14:useLocalDpi xmlns:a14="http://schemas.microsoft.com/office/drawing/2010/main" val="0"/>
+              </a:ext>
+              <a:ext uri="{96DAC541-7B7A-43D3-8B79-37D633B846F1}">
+                <asvg:svgBlip xmlns:asvg="http://schemas.microsoft.com/office/drawing/2016/SVG/main" r:embed="rId3"/>
+              </a:ext>
+            </a:extLst>
+          </a:blip>
+          <a:stretch>
+            <a:fillRect/>
+          </a:stretch>
+        </p:blipFill>
+        <p:spPr>
+          <a:xfrm>
+            <a:off x="-4990" y="2092068"/>
+            <a:ext cx="504487" cy="504487"/>
+          </a:xfrm>
+          <a:prstGeom prst="rect">
+            <a:avLst/>
+          </a:prstGeom>
+        </p:spPr>
+      </p:pic>
+      <p:pic>
+        <p:nvPicPr>
+          <p:cNvPr id="7" name="Grafik 6" descr="Abfall mit einfarbiger Füllung">
+            <a:extLst>
+              <a:ext uri="{FF2B5EF4-FFF2-40B4-BE49-F238E27FC236}">
+                <a16:creationId xmlns:a16="http://schemas.microsoft.com/office/drawing/2014/main" id="{6E4E9D65-4BAB-C1B2-F0CD-3F4994303F2F}"/>
+              </a:ext>
+            </a:extLst>
+          </p:cNvPr>
+          <p:cNvPicPr>
+            <a:picLocks noChangeAspect="1"/>
+          </p:cNvPicPr>
+          <p:nvPr/>
+        </p:nvPicPr>
+        <p:blipFill>
+          <a:blip r:embed="rId4">
+            <a:extLst>
+              <a:ext uri="{28A0092B-C50C-407E-A947-70E740481C1C}">
+                <a14:useLocalDpi xmlns:a14="http://schemas.microsoft.com/office/drawing/2010/main" val="0"/>
+              </a:ext>
+              <a:ext uri="{96DAC541-7B7A-43D3-8B79-37D633B846F1}">
+                <asvg:svgBlip xmlns:asvg="http://schemas.microsoft.com/office/drawing/2016/SVG/main" r:embed="rId5"/>
+              </a:ext>
+            </a:extLst>
+          </a:blip>
+          <a:stretch>
+            <a:fillRect/>
+          </a:stretch>
+        </p:blipFill>
+        <p:spPr>
+          <a:xfrm>
+            <a:off x="-4233" y="6291885"/>
+            <a:ext cx="495300" cy="495300"/>
+          </a:xfrm>
+          <a:prstGeom prst="rect">
+            <a:avLst/>
+          </a:prstGeom>
+        </p:spPr>
+      </p:pic>
+      <p:pic>
+        <p:nvPicPr>
+          <p:cNvPr id="8" name="Grafik 7" descr="Bauer mit einfarbiger Füllung">
+            <a:extLst>
+              <a:ext uri="{FF2B5EF4-FFF2-40B4-BE49-F238E27FC236}">
+                <a16:creationId xmlns:a16="http://schemas.microsoft.com/office/drawing/2014/main" id="{CA135A8F-A5D5-1F46-EBBC-C1284A80479F}"/>
+              </a:ext>
+            </a:extLst>
+          </p:cNvPr>
+          <p:cNvPicPr>
+            <a:picLocks noChangeAspect="1"/>
+          </p:cNvPicPr>
+          <p:nvPr/>
+        </p:nvPicPr>
+        <p:blipFill>
+          <a:blip r:embed="rId6">
+            <a:extLst>
+              <a:ext uri="{28A0092B-C50C-407E-A947-70E740481C1C}">
+                <a14:useLocalDpi xmlns:a14="http://schemas.microsoft.com/office/drawing/2010/main" val="0"/>
+              </a:ext>
+              <a:ext uri="{96DAC541-7B7A-43D3-8B79-37D633B846F1}">
+                <asvg:svgBlip xmlns:asvg="http://schemas.microsoft.com/office/drawing/2016/SVG/main" r:embed="rId7"/>
+              </a:ext>
+            </a:extLst>
+          </a:blip>
+          <a:stretch>
+            <a:fillRect/>
+          </a:stretch>
+        </p:blipFill>
+        <p:spPr>
+          <a:xfrm>
+            <a:off x="-4990" y="1582987"/>
+            <a:ext cx="504487" cy="504487"/>
+          </a:xfrm>
+          <a:prstGeom prst="rect">
+            <a:avLst/>
+          </a:prstGeom>
+        </p:spPr>
+      </p:pic>
+      <p:pic>
+        <p:nvPicPr>
+          <p:cNvPr id="9" name="Grafik 8" descr="Fuchs mit einfarbiger Füllung">
+            <a:extLst>
+              <a:ext uri="{FF2B5EF4-FFF2-40B4-BE49-F238E27FC236}">
+                <a16:creationId xmlns:a16="http://schemas.microsoft.com/office/drawing/2014/main" id="{ACFD53A4-AA2F-25B1-576B-A3CA3095C6B2}"/>
+              </a:ext>
+            </a:extLst>
+          </p:cNvPr>
+          <p:cNvPicPr>
+            <a:picLocks noChangeAspect="1"/>
+          </p:cNvPicPr>
+          <p:nvPr/>
+        </p:nvPicPr>
+        <p:blipFill>
+          <a:blip r:embed="rId8">
+            <a:extLst>
+              <a:ext uri="{28A0092B-C50C-407E-A947-70E740481C1C}">
+                <a14:useLocalDpi xmlns:a14="http://schemas.microsoft.com/office/drawing/2010/main" val="0"/>
+              </a:ext>
+              <a:ext uri="{96DAC541-7B7A-43D3-8B79-37D633B846F1}">
+                <asvg:svgBlip xmlns:asvg="http://schemas.microsoft.com/office/drawing/2016/SVG/main" r:embed="rId9"/>
+              </a:ext>
+            </a:extLst>
+          </a:blip>
+          <a:stretch>
+            <a:fillRect/>
+          </a:stretch>
+        </p:blipFill>
+        <p:spPr>
+          <a:xfrm>
+            <a:off x="22160" y="1128208"/>
+            <a:ext cx="450186" cy="450186"/>
+          </a:xfrm>
+          <a:prstGeom prst="rect">
+            <a:avLst/>
+          </a:prstGeom>
+        </p:spPr>
+      </p:pic>
+      <p:pic>
+        <p:nvPicPr>
+          <p:cNvPr id="10" name="Grafik 9" descr="Feder mit einfarbiger Füllung">
+            <a:extLst>
+              <a:ext uri="{FF2B5EF4-FFF2-40B4-BE49-F238E27FC236}">
+                <a16:creationId xmlns:a16="http://schemas.microsoft.com/office/drawing/2014/main" id="{7F583F36-3A82-7395-590D-176C77E7DEC0}"/>
+              </a:ext>
+            </a:extLst>
+          </p:cNvPr>
+          <p:cNvPicPr>
+            <a:picLocks noChangeAspect="1"/>
+          </p:cNvPicPr>
+          <p:nvPr/>
+        </p:nvPicPr>
+        <p:blipFill>
+          <a:blip r:embed="rId10">
+            <a:extLst>
+              <a:ext uri="{28A0092B-C50C-407E-A947-70E740481C1C}">
+                <a14:useLocalDpi xmlns:a14="http://schemas.microsoft.com/office/drawing/2010/main" val="0"/>
+              </a:ext>
+              <a:ext uri="{96DAC541-7B7A-43D3-8B79-37D633B846F1}">
+                <asvg:svgBlip xmlns:asvg="http://schemas.microsoft.com/office/drawing/2016/SVG/main" r:embed="rId11"/>
+              </a:ext>
+            </a:extLst>
+          </a:blip>
+          <a:stretch>
+            <a:fillRect/>
+          </a:stretch>
+        </p:blipFill>
+        <p:spPr>
+          <a:xfrm>
+            <a:off x="11598" y="652304"/>
+            <a:ext cx="471311" cy="471311"/>
+          </a:xfrm>
+          <a:prstGeom prst="rect">
+            <a:avLst/>
+          </a:prstGeom>
+        </p:spPr>
+      </p:pic>
+      <p:pic>
+        <p:nvPicPr>
+          <p:cNvPr id="11" name="Grafik 10" descr="Ordner mit einfarbiger Füllung">
+            <a:extLst>
+              <a:ext uri="{FF2B5EF4-FFF2-40B4-BE49-F238E27FC236}">
+                <a16:creationId xmlns:a16="http://schemas.microsoft.com/office/drawing/2014/main" id="{5D4683CC-7577-CCDA-CD34-934565C6DFB9}"/>
+              </a:ext>
+            </a:extLst>
+          </p:cNvPr>
+          <p:cNvPicPr>
+            <a:picLocks noChangeAspect="1"/>
+          </p:cNvPicPr>
+          <p:nvPr/>
+        </p:nvPicPr>
+        <p:blipFill>
+          <a:blip r:embed="rId12">
+            <a:extLst>
+              <a:ext uri="{28A0092B-C50C-407E-A947-70E740481C1C}">
+                <a14:useLocalDpi xmlns:a14="http://schemas.microsoft.com/office/drawing/2010/main" val="0"/>
+              </a:ext>
+              <a:ext uri="{96DAC541-7B7A-43D3-8B79-37D633B846F1}">
+                <asvg:svgBlip xmlns:asvg="http://schemas.microsoft.com/office/drawing/2016/SVG/main" r:embed="rId13"/>
+              </a:ext>
+            </a:extLst>
+          </a:blip>
+          <a:stretch>
+            <a:fillRect/>
+          </a:stretch>
+        </p:blipFill>
+        <p:spPr>
+          <a:xfrm>
+            <a:off x="7042" y="167289"/>
+            <a:ext cx="480422" cy="480422"/>
+          </a:xfrm>
+          <a:prstGeom prst="rect">
+            <a:avLst/>
+          </a:prstGeom>
+        </p:spPr>
+      </p:pic>
+      <p:sp>
+        <p:nvSpPr>
+          <p:cNvPr id="13" name="Rechteck: abgerundete Ecken 12">
+            <a:extLst>
+              <a:ext uri="{FF2B5EF4-FFF2-40B4-BE49-F238E27FC236}">
+                <a16:creationId xmlns:a16="http://schemas.microsoft.com/office/drawing/2014/main" id="{5119E06D-24FD-5755-FB50-882EA30AAC11}"/>
+              </a:ext>
+            </a:extLst>
+          </p:cNvPr>
+          <p:cNvSpPr/>
+          <p:nvPr/>
+        </p:nvSpPr>
+        <p:spPr>
+          <a:xfrm>
+            <a:off x="1354666" y="323786"/>
+            <a:ext cx="9999133" cy="5883831"/>
+          </a:xfrm>
+          <a:prstGeom prst="roundRect">
+            <a:avLst>
+              <a:gd name="adj" fmla="val 1824"/>
+            </a:avLst>
+          </a:prstGeom>
+          <a:solidFill>
+            <a:srgbClr val="FFFFFF"/>
+          </a:solidFill>
+          <a:ln>
+            <a:noFill/>
+          </a:ln>
+        </p:spPr>
+        <p:style>
+          <a:lnRef idx="2">
+            <a:schemeClr val="accent1">
+              <a:shade val="15000"/>
+            </a:schemeClr>
+          </a:lnRef>
+          <a:fillRef idx="1">
+            <a:schemeClr val="accent1"/>
+          </a:fillRef>
+          <a:effectRef idx="0">
+            <a:schemeClr val="accent1"/>
+          </a:effectRef>
+          <a:fontRef idx="minor">
+            <a:schemeClr val="lt1"/>
+          </a:fontRef>
+        </p:style>
+        <p:txBody>
+          <a:bodyPr rtlCol="0" anchor="ctr"/>
+          <a:lstStyle/>
+          <a:p>
+            <a:pPr algn="ctr"/>
+            <a:endParaRPr lang="de-CH"/>
+          </a:p>
+        </p:txBody>
+      </p:sp>
+      <p:sp>
+        <p:nvSpPr>
+          <p:cNvPr id="14" name="Rechteck: abgerundete Ecken 13">
+            <a:extLst>
+              <a:ext uri="{FF2B5EF4-FFF2-40B4-BE49-F238E27FC236}">
+                <a16:creationId xmlns:a16="http://schemas.microsoft.com/office/drawing/2014/main" id="{6FEF005C-37B8-035D-06D1-E9C2E8660534}"/>
+              </a:ext>
+            </a:extLst>
+          </p:cNvPr>
+          <p:cNvSpPr/>
+          <p:nvPr/>
+        </p:nvSpPr>
+        <p:spPr>
+          <a:xfrm>
+            <a:off x="1363097" y="361245"/>
+            <a:ext cx="1479125" cy="5838670"/>
+          </a:xfrm>
+          <a:prstGeom prst="roundRect">
+            <a:avLst>
+              <a:gd name="adj" fmla="val 1824"/>
+            </a:avLst>
+          </a:prstGeom>
+          <a:solidFill>
+            <a:srgbClr val="E7E5E4"/>
+          </a:solidFill>
+          <a:ln>
+            <a:solidFill>
+              <a:srgbClr val="C0C0C0"/>
+            </a:solidFill>
+          </a:ln>
+        </p:spPr>
+        <p:style>
+          <a:lnRef idx="2">
+            <a:schemeClr val="accent1">
+              <a:shade val="15000"/>
+            </a:schemeClr>
+          </a:lnRef>
+          <a:fillRef idx="1">
+            <a:schemeClr val="accent1"/>
+          </a:fillRef>
+          <a:effectRef idx="0">
+            <a:schemeClr val="accent1"/>
+          </a:effectRef>
+          <a:fontRef idx="minor">
+            <a:schemeClr val="lt1"/>
+          </a:fontRef>
+        </p:style>
+        <p:txBody>
+          <a:bodyPr rtlCol="0" anchor="ctr"/>
+          <a:lstStyle/>
+          <a:p>
+            <a:pPr algn="ctr"/>
+            <a:endParaRPr lang="de-CH"/>
+          </a:p>
+        </p:txBody>
+      </p:sp>
+      <p:sp>
+        <p:nvSpPr>
+          <p:cNvPr id="15" name="Rechteck: abgerundete Ecken 14">
+            <a:extLst>
+              <a:ext uri="{FF2B5EF4-FFF2-40B4-BE49-F238E27FC236}">
+                <a16:creationId xmlns:a16="http://schemas.microsoft.com/office/drawing/2014/main" id="{8FD93E3E-187D-3B5B-7CCF-3C4F1D958672}"/>
+              </a:ext>
+            </a:extLst>
+          </p:cNvPr>
+          <p:cNvSpPr/>
+          <p:nvPr/>
+        </p:nvSpPr>
+        <p:spPr>
+          <a:xfrm>
+            <a:off x="1346509" y="323785"/>
+            <a:ext cx="10010048" cy="251947"/>
+          </a:xfrm>
+          <a:prstGeom prst="roundRect">
+            <a:avLst>
+              <a:gd name="adj" fmla="val 1824"/>
+            </a:avLst>
+          </a:prstGeom>
+          <a:solidFill>
+            <a:srgbClr val="4F4F48"/>
+          </a:solidFill>
+          <a:ln>
+            <a:noFill/>
+          </a:ln>
+        </p:spPr>
+        <p:style>
+          <a:lnRef idx="2">
+            <a:schemeClr val="accent1">
+              <a:shade val="15000"/>
+            </a:schemeClr>
+          </a:lnRef>
+          <a:fillRef idx="1">
+            <a:schemeClr val="accent1"/>
+          </a:fillRef>
+          <a:effectRef idx="0">
+            <a:schemeClr val="accent1"/>
+          </a:effectRef>
+          <a:fontRef idx="minor">
+            <a:schemeClr val="lt1"/>
+          </a:fontRef>
+        </p:style>
+        <p:txBody>
+          <a:bodyPr rtlCol="0" anchor="ctr"/>
+          <a:lstStyle/>
+          <a:p>
+            <a:pPr algn="ctr"/>
+            <a:endParaRPr lang="de-CH"/>
+          </a:p>
+        </p:txBody>
+      </p:sp>
+      <p:sp>
+        <p:nvSpPr>
+          <p:cNvPr id="16" name="Ellipse 15">
+            <a:extLst>
+              <a:ext uri="{FF2B5EF4-FFF2-40B4-BE49-F238E27FC236}">
+                <a16:creationId xmlns:a16="http://schemas.microsoft.com/office/drawing/2014/main" id="{1F7393DE-803C-96E9-D734-59EC435F2424}"/>
+              </a:ext>
+            </a:extLst>
+          </p:cNvPr>
+          <p:cNvSpPr/>
+          <p:nvPr/>
+        </p:nvSpPr>
+        <p:spPr>
+          <a:xfrm>
+            <a:off x="1385667" y="388664"/>
+            <a:ext cx="108000" cy="108000"/>
+          </a:xfrm>
+          <a:prstGeom prst="ellipse">
+            <a:avLst/>
+          </a:prstGeom>
+          <a:solidFill>
+            <a:srgbClr val="EA5E2F"/>
+          </a:solidFill>
+          <a:ln>
+            <a:noFill/>
+          </a:ln>
+        </p:spPr>
+        <p:style>
+          <a:lnRef idx="2">
+            <a:schemeClr val="accent1">
+              <a:shade val="15000"/>
+            </a:schemeClr>
+          </a:lnRef>
+          <a:fillRef idx="1">
+            <a:schemeClr val="accent1"/>
+          </a:fillRef>
+          <a:effectRef idx="0">
+            <a:schemeClr val="accent1"/>
+          </a:effectRef>
+          <a:fontRef idx="minor">
+            <a:schemeClr val="lt1"/>
+          </a:fontRef>
+        </p:style>
+        <p:txBody>
+          <a:bodyPr rtlCol="0" anchor="ctr"/>
+          <a:lstStyle/>
+          <a:p>
+            <a:pPr algn="ctr"/>
+            <a:endParaRPr lang="de-CH"/>
+          </a:p>
+        </p:txBody>
+      </p:sp>
+      <p:sp>
+        <p:nvSpPr>
+          <p:cNvPr id="17" name="Ellipse 16">
+            <a:extLst>
+              <a:ext uri="{FF2B5EF4-FFF2-40B4-BE49-F238E27FC236}">
+                <a16:creationId xmlns:a16="http://schemas.microsoft.com/office/drawing/2014/main" id="{CD769C5F-2278-120B-B37F-0A2D89FB4AD5}"/>
+              </a:ext>
+            </a:extLst>
+          </p:cNvPr>
+          <p:cNvSpPr/>
+          <p:nvPr/>
+        </p:nvSpPr>
+        <p:spPr>
+          <a:xfrm>
+            <a:off x="1516237" y="388664"/>
+            <a:ext cx="108000" cy="108000"/>
+          </a:xfrm>
+          <a:prstGeom prst="ellipse">
+            <a:avLst/>
+          </a:prstGeom>
+          <a:solidFill>
+            <a:srgbClr val="878680"/>
+          </a:solidFill>
+          <a:ln>
+            <a:noFill/>
+          </a:ln>
+        </p:spPr>
+        <p:style>
+          <a:lnRef idx="2">
+            <a:schemeClr val="accent1">
+              <a:shade val="15000"/>
+            </a:schemeClr>
+          </a:lnRef>
+          <a:fillRef idx="1">
+            <a:schemeClr val="accent1"/>
+          </a:fillRef>
+          <a:effectRef idx="0">
+            <a:schemeClr val="accent1"/>
+          </a:effectRef>
+          <a:fontRef idx="minor">
+            <a:schemeClr val="lt1"/>
+          </a:fontRef>
+        </p:style>
+        <p:txBody>
+          <a:bodyPr rtlCol="0" anchor="ctr"/>
+          <a:lstStyle/>
+          <a:p>
+            <a:pPr algn="ctr"/>
+            <a:endParaRPr lang="de-CH"/>
+          </a:p>
+        </p:txBody>
+      </p:sp>
+      <p:sp>
+        <p:nvSpPr>
+          <p:cNvPr id="18" name="Ellipse 17">
+            <a:extLst>
+              <a:ext uri="{FF2B5EF4-FFF2-40B4-BE49-F238E27FC236}">
+                <a16:creationId xmlns:a16="http://schemas.microsoft.com/office/drawing/2014/main" id="{7697573B-5D2F-CCB1-AE27-19C0450739EC}"/>
+              </a:ext>
+            </a:extLst>
+          </p:cNvPr>
+          <p:cNvSpPr/>
+          <p:nvPr/>
+        </p:nvSpPr>
+        <p:spPr>
+          <a:xfrm>
+            <a:off x="1646807" y="388664"/>
+            <a:ext cx="108000" cy="108000"/>
+          </a:xfrm>
+          <a:prstGeom prst="ellipse">
+            <a:avLst/>
+          </a:prstGeom>
+          <a:solidFill>
+            <a:srgbClr val="878680"/>
+          </a:solidFill>
+          <a:ln>
+            <a:noFill/>
+          </a:ln>
+        </p:spPr>
+        <p:style>
+          <a:lnRef idx="2">
+            <a:schemeClr val="accent1">
+              <a:shade val="15000"/>
+            </a:schemeClr>
+          </a:lnRef>
+          <a:fillRef idx="1">
+            <a:schemeClr val="accent1"/>
+          </a:fillRef>
+          <a:effectRef idx="0">
+            <a:schemeClr val="accent1"/>
+          </a:effectRef>
+          <a:fontRef idx="minor">
+            <a:schemeClr val="lt1"/>
+          </a:fontRef>
+        </p:style>
+        <p:txBody>
+          <a:bodyPr rtlCol="0" anchor="ctr"/>
+          <a:lstStyle/>
+          <a:p>
+            <a:pPr algn="ctr"/>
+            <a:endParaRPr lang="de-CH"/>
+          </a:p>
+        </p:txBody>
+      </p:sp>
+      <p:sp>
+        <p:nvSpPr>
+          <p:cNvPr id="19" name="Titel 1">
+            <a:extLst>
+              <a:ext uri="{FF2B5EF4-FFF2-40B4-BE49-F238E27FC236}">
+                <a16:creationId xmlns:a16="http://schemas.microsoft.com/office/drawing/2014/main" id="{F32358BF-B5FB-1C6B-D686-AE11D963D258}"/>
+              </a:ext>
+            </a:extLst>
+          </p:cNvPr>
+          <p:cNvSpPr txBox="1">
+            <a:spLocks/>
+          </p:cNvSpPr>
+          <p:nvPr/>
+        </p:nvSpPr>
+        <p:spPr>
+          <a:xfrm>
+            <a:off x="1407310" y="505980"/>
+            <a:ext cx="1458843" cy="2228091"/>
+          </a:xfrm>
+          <a:prstGeom prst="rect">
+            <a:avLst/>
+          </a:prstGeom>
+        </p:spPr>
+        <p:txBody>
+          <a:bodyPr vert="horz" lIns="91440" tIns="45720" rIns="91440" bIns="45720" rtlCol="0" anchor="b">
+            <a:normAutofit fontScale="85000" lnSpcReduction="20000"/>
+          </a:bodyPr>
+          <a:lstStyle>
+            <a:lvl1pPr algn="ctr" defTabSz="914400" rtl="0" eaLnBrk="1" latinLnBrk="0" hangingPunct="1">
+              <a:lnSpc>
+                <a:spcPct val="90000"/>
+              </a:lnSpc>
+              <a:spcBef>
+                <a:spcPct val="0"/>
+              </a:spcBef>
+              <a:buNone/>
+              <a:defRPr sz="6000" kern="1200">
+                <a:solidFill>
+                  <a:schemeClr val="tx1"/>
+                </a:solidFill>
+                <a:latin typeface="+mj-lt"/>
+                <a:ea typeface="+mj-ea"/>
+                <a:cs typeface="+mj-cs"/>
+              </a:defRPr>
+            </a:lvl1pPr>
+          </a:lstStyle>
+          <a:p>
+            <a:pPr algn="l"/>
+            <a:r>
+              <a:rPr lang="de-CH" sz="1400" b="1" dirty="0"/>
+              <a:t>Places</a:t>
+            </a:r>
+          </a:p>
+          <a:p>
+            <a:pPr algn="l"/>
+            <a:r>
+              <a:rPr lang="de-CH" sz="1400" dirty="0" err="1"/>
+              <a:t>Recent</a:t>
+            </a:r>
+            <a:endParaRPr lang="de-CH" sz="1400" dirty="0"/>
+          </a:p>
+          <a:p>
+            <a:pPr algn="l"/>
+            <a:r>
+              <a:rPr lang="de-CH" sz="1400" dirty="0"/>
+              <a:t>Home</a:t>
+            </a:r>
+          </a:p>
+          <a:p>
+            <a:pPr algn="l"/>
+            <a:r>
+              <a:rPr lang="de-CH" sz="1400" dirty="0"/>
+              <a:t>Desktop</a:t>
+            </a:r>
+          </a:p>
+          <a:p>
+            <a:pPr algn="l"/>
+            <a:r>
+              <a:rPr lang="de-CH" sz="1400" dirty="0" err="1"/>
+              <a:t>Documents</a:t>
+            </a:r>
+            <a:endParaRPr lang="de-CH" sz="1400" dirty="0"/>
+          </a:p>
+          <a:p>
+            <a:pPr algn="l"/>
+            <a:r>
+              <a:rPr lang="de-CH" sz="1400" dirty="0"/>
+              <a:t>Downloads</a:t>
+            </a:r>
+          </a:p>
+          <a:p>
+            <a:pPr algn="l"/>
+            <a:r>
+              <a:rPr lang="de-CH" sz="1400" dirty="0"/>
+              <a:t>Music</a:t>
+            </a:r>
+          </a:p>
+          <a:p>
+            <a:pPr algn="l"/>
+            <a:r>
+              <a:rPr lang="de-CH" sz="1400" dirty="0"/>
+              <a:t>Pictures</a:t>
+            </a:r>
+          </a:p>
+          <a:p>
+            <a:pPr algn="l"/>
+            <a:r>
+              <a:rPr lang="de-CH" sz="1400" dirty="0"/>
+              <a:t>Videos</a:t>
+            </a:r>
+          </a:p>
+          <a:p>
+            <a:pPr algn="l"/>
+            <a:r>
+              <a:rPr lang="de-CH" sz="1400" dirty="0"/>
+              <a:t>Trash</a:t>
+            </a:r>
+          </a:p>
+          <a:p>
+            <a:pPr algn="l"/>
+            <a:endParaRPr lang="de-CH" sz="1400" dirty="0"/>
+          </a:p>
+          <a:p>
+            <a:pPr algn="l"/>
+            <a:r>
+              <a:rPr lang="de-CH" sz="1400" b="1" dirty="0"/>
+              <a:t>Devices</a:t>
+            </a:r>
+          </a:p>
+          <a:p>
+            <a:pPr algn="l"/>
+            <a:r>
+              <a:rPr lang="de-CH" sz="1400" dirty="0"/>
+              <a:t>Computer</a:t>
+            </a:r>
+          </a:p>
+          <a:p>
+            <a:pPr algn="l"/>
+            <a:endParaRPr lang="de-CH" sz="1400" dirty="0"/>
+          </a:p>
+          <a:p>
+            <a:pPr algn="l"/>
+            <a:r>
+              <a:rPr lang="de-CH" sz="1400" b="1" dirty="0"/>
+              <a:t>Network</a:t>
+            </a:r>
+          </a:p>
+          <a:p>
+            <a:pPr algn="l"/>
+            <a:r>
+              <a:rPr lang="de-CH" sz="1400" dirty="0"/>
+              <a:t>Connect </a:t>
+            </a:r>
+            <a:r>
+              <a:rPr lang="de-CH" sz="1400" dirty="0" err="1"/>
+              <a:t>to</a:t>
+            </a:r>
+            <a:r>
+              <a:rPr lang="de-CH" sz="1400" dirty="0"/>
+              <a:t> Server</a:t>
+            </a:r>
+          </a:p>
+        </p:txBody>
+      </p:sp>
+      <p:sp>
+        <p:nvSpPr>
+          <p:cNvPr id="31" name="Titel 1">
+            <a:extLst>
+              <a:ext uri="{FF2B5EF4-FFF2-40B4-BE49-F238E27FC236}">
+                <a16:creationId xmlns:a16="http://schemas.microsoft.com/office/drawing/2014/main" id="{0EB2E07C-198E-F089-EBB4-157B5CE1AC77}"/>
+              </a:ext>
+            </a:extLst>
+          </p:cNvPr>
+          <p:cNvSpPr txBox="1">
+            <a:spLocks/>
+          </p:cNvSpPr>
+          <p:nvPr/>
+        </p:nvSpPr>
+        <p:spPr>
+          <a:xfrm>
+            <a:off x="1754807" y="213201"/>
+            <a:ext cx="5579711" cy="403364"/>
+          </a:xfrm>
+          <a:prstGeom prst="rect">
+            <a:avLst/>
+          </a:prstGeom>
+        </p:spPr>
+        <p:txBody>
+          <a:bodyPr vert="horz" lIns="91440" tIns="45720" rIns="91440" bIns="45720" rtlCol="0" anchor="b">
+            <a:normAutofit/>
+          </a:bodyPr>
+          <a:lstStyle>
+            <a:lvl1pPr algn="ctr" defTabSz="914400" rtl="0" eaLnBrk="1" latinLnBrk="0" hangingPunct="1">
+              <a:lnSpc>
+                <a:spcPct val="90000"/>
+              </a:lnSpc>
+              <a:spcBef>
+                <a:spcPct val="0"/>
+              </a:spcBef>
+              <a:buNone/>
+              <a:defRPr sz="6000" kern="1200">
+                <a:solidFill>
+                  <a:schemeClr val="tx1"/>
+                </a:solidFill>
+                <a:latin typeface="+mj-lt"/>
+                <a:ea typeface="+mj-ea"/>
+                <a:cs typeface="+mj-cs"/>
+              </a:defRPr>
+            </a:lvl1pPr>
+          </a:lstStyle>
+          <a:p>
+            <a:pPr algn="l"/>
+            <a:r>
+              <a:rPr lang="de-CH" sz="1600" b="1" dirty="0">
+                <a:solidFill>
+                  <a:schemeClr val="bg1"/>
+                </a:solidFill>
+              </a:rPr>
+              <a:t>/File System Extension/Time Table.png</a:t>
+            </a:r>
+            <a:endParaRPr lang="de-CH" sz="1600" dirty="0">
+              <a:solidFill>
+                <a:schemeClr val="bg1"/>
+              </a:solidFill>
+            </a:endParaRPr>
           </a:p>
         </p:txBody>
       </p:sp>

--- a/Presentation/File System extension_initial presentation.pptx
+++ b/Presentation/File System extension_initial presentation.pptx
@@ -1,9 +1,12 @@
 
 <file path=ppt/presentation.xml><?xml version="1.0" encoding="utf-8"?>
-<p:presentation xmlns:a="http://schemas.openxmlformats.org/drawingml/2006/main" xmlns:r="http://schemas.openxmlformats.org/officeDocument/2006/relationships" xmlns:p="http://schemas.openxmlformats.org/presentationml/2006/main" saveSubsetFonts="1">
+<p:presentation xmlns:a="http://schemas.openxmlformats.org/drawingml/2006/main" xmlns:r="http://schemas.openxmlformats.org/officeDocument/2006/relationships" xmlns:p="http://schemas.openxmlformats.org/presentationml/2006/main" showSpecialPlsOnTitleSld="0" saveSubsetFonts="1">
   <p:sldMasterIdLst>
     <p:sldMasterId id="2147483648" r:id="rId1"/>
   </p:sldMasterIdLst>
+  <p:notesMasterIdLst>
+    <p:notesMasterId r:id="rId6"/>
+  </p:notesMasterIdLst>
   <p:sldIdLst>
     <p:sldId id="256" r:id="rId2"/>
     <p:sldId id="257" r:id="rId3"/>
@@ -126,6 +129,356 @@
 </p:presentation>
 </file>
 
+<file path=ppt/notesMasters/notesMaster1.xml><?xml version="1.0" encoding="utf-8"?>
+<p:notesMaster xmlns:a="http://schemas.openxmlformats.org/drawingml/2006/main" xmlns:r="http://schemas.openxmlformats.org/officeDocument/2006/relationships" xmlns:p="http://schemas.openxmlformats.org/presentationml/2006/main">
+  <p:cSld>
+    <p:bg>
+      <p:bgRef idx="1001">
+        <a:schemeClr val="bg1"/>
+      </p:bgRef>
+    </p:bg>
+    <p:spTree>
+      <p:nvGrpSpPr>
+        <p:cNvPr id="1" name=""/>
+        <p:cNvGrpSpPr/>
+        <p:nvPr/>
+      </p:nvGrpSpPr>
+      <p:grpSpPr>
+        <a:xfrm>
+          <a:off x="0" y="0"/>
+          <a:ext cx="0" cy="0"/>
+          <a:chOff x="0" y="0"/>
+          <a:chExt cx="0" cy="0"/>
+        </a:xfrm>
+      </p:grpSpPr>
+      <p:sp>
+        <p:nvSpPr>
+          <p:cNvPr id="2" name="Kopfzeilenplatzhalter 1"/>
+          <p:cNvSpPr>
+            <a:spLocks noGrp="1"/>
+          </p:cNvSpPr>
+          <p:nvPr>
+            <p:ph type="hdr" sz="quarter"/>
+          </p:nvPr>
+        </p:nvSpPr>
+        <p:spPr>
+          <a:xfrm>
+            <a:off x="0" y="0"/>
+            <a:ext cx="2971800" cy="458788"/>
+          </a:xfrm>
+          <a:prstGeom prst="rect">
+            <a:avLst/>
+          </a:prstGeom>
+        </p:spPr>
+        <p:txBody>
+          <a:bodyPr vert="horz" lIns="91440" tIns="45720" rIns="91440" bIns="45720" rtlCol="0"/>
+          <a:lstStyle>
+            <a:lvl1pPr algn="l">
+              <a:defRPr sz="1200"/>
+            </a:lvl1pPr>
+          </a:lstStyle>
+          <a:p>
+            <a:endParaRPr lang="de-CH"/>
+          </a:p>
+        </p:txBody>
+      </p:sp>
+      <p:sp>
+        <p:nvSpPr>
+          <p:cNvPr id="3" name="Datumsplatzhalter 2"/>
+          <p:cNvSpPr>
+            <a:spLocks noGrp="1"/>
+          </p:cNvSpPr>
+          <p:nvPr>
+            <p:ph type="dt" idx="1"/>
+          </p:nvPr>
+        </p:nvSpPr>
+        <p:spPr>
+          <a:xfrm>
+            <a:off x="3884613" y="0"/>
+            <a:ext cx="2971800" cy="458788"/>
+          </a:xfrm>
+          <a:prstGeom prst="rect">
+            <a:avLst/>
+          </a:prstGeom>
+        </p:spPr>
+        <p:txBody>
+          <a:bodyPr vert="horz" lIns="91440" tIns="45720" rIns="91440" bIns="45720" rtlCol="0"/>
+          <a:lstStyle>
+            <a:lvl1pPr algn="r">
+              <a:defRPr sz="1200"/>
+            </a:lvl1pPr>
+          </a:lstStyle>
+          <a:p>
+            <a:fld id="{B59ECB9A-DBA8-4CFA-84B1-5C1145DF3001}" type="datetimeFigureOut">
+              <a:rPr lang="de-CH" smtClean="0"/>
+              <a:t>02.04.2024</a:t>
+            </a:fld>
+            <a:endParaRPr lang="de-CH"/>
+          </a:p>
+        </p:txBody>
+      </p:sp>
+      <p:sp>
+        <p:nvSpPr>
+          <p:cNvPr id="4" name="Folienbildplatzhalter 3"/>
+          <p:cNvSpPr>
+            <a:spLocks noGrp="1" noRot="1" noChangeAspect="1"/>
+          </p:cNvSpPr>
+          <p:nvPr>
+            <p:ph type="sldImg" idx="2"/>
+          </p:nvPr>
+        </p:nvSpPr>
+        <p:spPr>
+          <a:xfrm>
+            <a:off x="685800" y="1143000"/>
+            <a:ext cx="5486400" cy="3086100"/>
+          </a:xfrm>
+          <a:prstGeom prst="rect">
+            <a:avLst/>
+          </a:prstGeom>
+          <a:noFill/>
+          <a:ln w="12700">
+            <a:solidFill>
+              <a:prstClr val="black"/>
+            </a:solidFill>
+          </a:ln>
+        </p:spPr>
+        <p:txBody>
+          <a:bodyPr vert="horz" lIns="91440" tIns="45720" rIns="91440" bIns="45720" rtlCol="0" anchor="ctr"/>
+          <a:lstStyle/>
+          <a:p>
+            <a:endParaRPr lang="de-CH"/>
+          </a:p>
+        </p:txBody>
+      </p:sp>
+      <p:sp>
+        <p:nvSpPr>
+          <p:cNvPr id="5" name="Notizenplatzhalter 4"/>
+          <p:cNvSpPr>
+            <a:spLocks noGrp="1"/>
+          </p:cNvSpPr>
+          <p:nvPr>
+            <p:ph type="body" sz="quarter" idx="3"/>
+          </p:nvPr>
+        </p:nvSpPr>
+        <p:spPr>
+          <a:xfrm>
+            <a:off x="685800" y="4400550"/>
+            <a:ext cx="5486400" cy="3600450"/>
+          </a:xfrm>
+          <a:prstGeom prst="rect">
+            <a:avLst/>
+          </a:prstGeom>
+        </p:spPr>
+        <p:txBody>
+          <a:bodyPr vert="horz" lIns="91440" tIns="45720" rIns="91440" bIns="45720" rtlCol="0"/>
+          <a:lstStyle/>
+          <a:p>
+            <a:pPr lvl="0"/>
+            <a:r>
+              <a:rPr lang="de-DE"/>
+              <a:t>Mastertextformat bearbeiten</a:t>
+            </a:r>
+          </a:p>
+          <a:p>
+            <a:pPr lvl="1"/>
+            <a:r>
+              <a:rPr lang="de-DE"/>
+              <a:t>Zweite Ebene</a:t>
+            </a:r>
+          </a:p>
+          <a:p>
+            <a:pPr lvl="2"/>
+            <a:r>
+              <a:rPr lang="de-DE"/>
+              <a:t>Dritte Ebene</a:t>
+            </a:r>
+          </a:p>
+          <a:p>
+            <a:pPr lvl="3"/>
+            <a:r>
+              <a:rPr lang="de-DE"/>
+              <a:t>Vierte Ebene</a:t>
+            </a:r>
+          </a:p>
+          <a:p>
+            <a:pPr lvl="4"/>
+            <a:r>
+              <a:rPr lang="de-DE"/>
+              <a:t>Fünfte Ebene</a:t>
+            </a:r>
+            <a:endParaRPr lang="de-CH"/>
+          </a:p>
+        </p:txBody>
+      </p:sp>
+      <p:sp>
+        <p:nvSpPr>
+          <p:cNvPr id="6" name="Fußzeilenplatzhalter 5"/>
+          <p:cNvSpPr>
+            <a:spLocks noGrp="1"/>
+          </p:cNvSpPr>
+          <p:nvPr>
+            <p:ph type="ftr" sz="quarter" idx="4"/>
+          </p:nvPr>
+        </p:nvSpPr>
+        <p:spPr>
+          <a:xfrm>
+            <a:off x="0" y="8685213"/>
+            <a:ext cx="2971800" cy="458787"/>
+          </a:xfrm>
+          <a:prstGeom prst="rect">
+            <a:avLst/>
+          </a:prstGeom>
+        </p:spPr>
+        <p:txBody>
+          <a:bodyPr vert="horz" lIns="91440" tIns="45720" rIns="91440" bIns="45720" rtlCol="0" anchor="b"/>
+          <a:lstStyle>
+            <a:lvl1pPr algn="l">
+              <a:defRPr sz="1200"/>
+            </a:lvl1pPr>
+          </a:lstStyle>
+          <a:p>
+            <a:endParaRPr lang="de-CH"/>
+          </a:p>
+        </p:txBody>
+      </p:sp>
+      <p:sp>
+        <p:nvSpPr>
+          <p:cNvPr id="7" name="Foliennummernplatzhalter 6"/>
+          <p:cNvSpPr>
+            <a:spLocks noGrp="1"/>
+          </p:cNvSpPr>
+          <p:nvPr>
+            <p:ph type="sldNum" sz="quarter" idx="5"/>
+          </p:nvPr>
+        </p:nvSpPr>
+        <p:spPr>
+          <a:xfrm>
+            <a:off x="3884613" y="8685213"/>
+            <a:ext cx="2971800" cy="458787"/>
+          </a:xfrm>
+          <a:prstGeom prst="rect">
+            <a:avLst/>
+          </a:prstGeom>
+        </p:spPr>
+        <p:txBody>
+          <a:bodyPr vert="horz" lIns="91440" tIns="45720" rIns="91440" bIns="45720" rtlCol="0" anchor="b"/>
+          <a:lstStyle>
+            <a:lvl1pPr algn="r">
+              <a:defRPr sz="1200"/>
+            </a:lvl1pPr>
+          </a:lstStyle>
+          <a:p>
+            <a:fld id="{B687A45C-DF42-454D-AB0C-67E6F0221FB0}" type="slidenum">
+              <a:rPr lang="de-CH" smtClean="0"/>
+              <a:t>‹Nr.›</a:t>
+            </a:fld>
+            <a:endParaRPr lang="de-CH"/>
+          </a:p>
+        </p:txBody>
+      </p:sp>
+    </p:spTree>
+    <p:extLst>
+      <p:ext uri="{BB962C8B-B14F-4D97-AF65-F5344CB8AC3E}">
+        <p14:creationId xmlns:p14="http://schemas.microsoft.com/office/powerpoint/2010/main" val="3024676691"/>
+      </p:ext>
+    </p:extLst>
+  </p:cSld>
+  <p:clrMap bg1="lt1" tx1="dk1" bg2="lt2" tx2="dk2" accent1="accent1" accent2="accent2" accent3="accent3" accent4="accent4" accent5="accent5" accent6="accent6" hlink="hlink" folHlink="folHlink"/>
+  <p:notesStyle>
+    <a:lvl1pPr marL="0" algn="l" defTabSz="914400" rtl="0" eaLnBrk="1" latinLnBrk="0" hangingPunct="1">
+      <a:defRPr sz="1200" kern="1200">
+        <a:solidFill>
+          <a:schemeClr val="tx1"/>
+        </a:solidFill>
+        <a:latin typeface="+mn-lt"/>
+        <a:ea typeface="+mn-ea"/>
+        <a:cs typeface="+mn-cs"/>
+      </a:defRPr>
+    </a:lvl1pPr>
+    <a:lvl2pPr marL="457200" algn="l" defTabSz="914400" rtl="0" eaLnBrk="1" latinLnBrk="0" hangingPunct="1">
+      <a:defRPr sz="1200" kern="1200">
+        <a:solidFill>
+          <a:schemeClr val="tx1"/>
+        </a:solidFill>
+        <a:latin typeface="+mn-lt"/>
+        <a:ea typeface="+mn-ea"/>
+        <a:cs typeface="+mn-cs"/>
+      </a:defRPr>
+    </a:lvl2pPr>
+    <a:lvl3pPr marL="914400" algn="l" defTabSz="914400" rtl="0" eaLnBrk="1" latinLnBrk="0" hangingPunct="1">
+      <a:defRPr sz="1200" kern="1200">
+        <a:solidFill>
+          <a:schemeClr val="tx1"/>
+        </a:solidFill>
+        <a:latin typeface="+mn-lt"/>
+        <a:ea typeface="+mn-ea"/>
+        <a:cs typeface="+mn-cs"/>
+      </a:defRPr>
+    </a:lvl3pPr>
+    <a:lvl4pPr marL="1371600" algn="l" defTabSz="914400" rtl="0" eaLnBrk="1" latinLnBrk="0" hangingPunct="1">
+      <a:defRPr sz="1200" kern="1200">
+        <a:solidFill>
+          <a:schemeClr val="tx1"/>
+        </a:solidFill>
+        <a:latin typeface="+mn-lt"/>
+        <a:ea typeface="+mn-ea"/>
+        <a:cs typeface="+mn-cs"/>
+      </a:defRPr>
+    </a:lvl4pPr>
+    <a:lvl5pPr marL="1828800" algn="l" defTabSz="914400" rtl="0" eaLnBrk="1" latinLnBrk="0" hangingPunct="1">
+      <a:defRPr sz="1200" kern="1200">
+        <a:solidFill>
+          <a:schemeClr val="tx1"/>
+        </a:solidFill>
+        <a:latin typeface="+mn-lt"/>
+        <a:ea typeface="+mn-ea"/>
+        <a:cs typeface="+mn-cs"/>
+      </a:defRPr>
+    </a:lvl5pPr>
+    <a:lvl6pPr marL="2286000" algn="l" defTabSz="914400" rtl="0" eaLnBrk="1" latinLnBrk="0" hangingPunct="1">
+      <a:defRPr sz="1200" kern="1200">
+        <a:solidFill>
+          <a:schemeClr val="tx1"/>
+        </a:solidFill>
+        <a:latin typeface="+mn-lt"/>
+        <a:ea typeface="+mn-ea"/>
+        <a:cs typeface="+mn-cs"/>
+      </a:defRPr>
+    </a:lvl6pPr>
+    <a:lvl7pPr marL="2743200" algn="l" defTabSz="914400" rtl="0" eaLnBrk="1" latinLnBrk="0" hangingPunct="1">
+      <a:defRPr sz="1200" kern="1200">
+        <a:solidFill>
+          <a:schemeClr val="tx1"/>
+        </a:solidFill>
+        <a:latin typeface="+mn-lt"/>
+        <a:ea typeface="+mn-ea"/>
+        <a:cs typeface="+mn-cs"/>
+      </a:defRPr>
+    </a:lvl7pPr>
+    <a:lvl8pPr marL="3200400" algn="l" defTabSz="914400" rtl="0" eaLnBrk="1" latinLnBrk="0" hangingPunct="1">
+      <a:defRPr sz="1200" kern="1200">
+        <a:solidFill>
+          <a:schemeClr val="tx1"/>
+        </a:solidFill>
+        <a:latin typeface="+mn-lt"/>
+        <a:ea typeface="+mn-ea"/>
+        <a:cs typeface="+mn-cs"/>
+      </a:defRPr>
+    </a:lvl8pPr>
+    <a:lvl9pPr marL="3657600" algn="l" defTabSz="914400" rtl="0" eaLnBrk="1" latinLnBrk="0" hangingPunct="1">
+      <a:defRPr sz="1200" kern="1200">
+        <a:solidFill>
+          <a:schemeClr val="tx1"/>
+        </a:solidFill>
+        <a:latin typeface="+mn-lt"/>
+        <a:ea typeface="+mn-ea"/>
+        <a:cs typeface="+mn-cs"/>
+      </a:defRPr>
+    </a:lvl9pPr>
+  </p:notesStyle>
+</p:notesMaster>
+</file>
+
 <file path=ppt/slideLayouts/slideLayout1.xml><?xml version="1.0" encoding="utf-8"?>
 <p:sldLayout xmlns:a="http://schemas.openxmlformats.org/drawingml/2006/main" xmlns:r="http://schemas.openxmlformats.org/officeDocument/2006/relationships" xmlns:p="http://schemas.openxmlformats.org/presentationml/2006/main" type="title" preserve="1">
   <p:cSld name="Titelfolie">
@@ -273,9 +626,9 @@
           <a:bodyPr/>
           <a:lstStyle/>
           <a:p>
-            <a:fld id="{AC48E7B0-EC00-4138-BD16-7BD5FD72E830}" type="datetimeFigureOut">
+            <a:fld id="{60876351-051D-416D-A439-98D2041E1D1E}" type="datetime1">
               <a:rPr lang="de-CH" smtClean="0"/>
-              <a:t>30.03.2024</a:t>
+              <a:t>02.04.2024</a:t>
             </a:fld>
             <a:endParaRPr lang="de-CH"/>
           </a:p>
@@ -325,13 +678,22 @@
         <p:spPr/>
         <p:txBody>
           <a:bodyPr/>
-          <a:lstStyle/>
+          <a:lstStyle>
+            <a:lvl1pPr>
+              <a:defRPr sz="2000" b="1">
+                <a:solidFill>
+                  <a:schemeClr val="tx1"/>
+                </a:solidFill>
+              </a:defRPr>
+            </a:lvl1pPr>
+          </a:lstStyle>
           <a:p>
             <a:fld id="{6CC38E0F-6087-4576-8364-C865CA5816FE}" type="slidenum">
               <a:rPr lang="de-CH" smtClean="0"/>
+              <a:pPr/>
               <a:t>‹Nr.›</a:t>
             </a:fld>
-            <a:endParaRPr lang="de-CH"/>
+            <a:endParaRPr lang="de-CH" dirty="0"/>
           </a:p>
         </p:txBody>
       </p:sp>
@@ -489,9 +851,9 @@
           <a:bodyPr/>
           <a:lstStyle/>
           <a:p>
-            <a:fld id="{AC48E7B0-EC00-4138-BD16-7BD5FD72E830}" type="datetimeFigureOut">
+            <a:fld id="{DBEE2D96-60FA-4D4F-B4AD-9B75E837A9D1}" type="datetime1">
               <a:rPr lang="de-CH" smtClean="0"/>
-              <a:t>30.03.2024</a:t>
+              <a:t>02.04.2024</a:t>
             </a:fld>
             <a:endParaRPr lang="de-CH"/>
           </a:p>
@@ -699,9 +1061,9 @@
           <a:bodyPr/>
           <a:lstStyle/>
           <a:p>
-            <a:fld id="{AC48E7B0-EC00-4138-BD16-7BD5FD72E830}" type="datetimeFigureOut">
+            <a:fld id="{B4B9D651-8012-48C8-85FC-3DD86D04B6B2}" type="datetime1">
               <a:rPr lang="de-CH" smtClean="0"/>
-              <a:t>30.03.2024</a:t>
+              <a:t>02.04.2024</a:t>
             </a:fld>
             <a:endParaRPr lang="de-CH"/>
           </a:p>
@@ -899,9 +1261,9 @@
           <a:bodyPr/>
           <a:lstStyle/>
           <a:p>
-            <a:fld id="{AC48E7B0-EC00-4138-BD16-7BD5FD72E830}" type="datetimeFigureOut">
+            <a:fld id="{99ABBB5C-D7FB-45E5-9890-ED8CB48B57F4}" type="datetime1">
               <a:rPr lang="de-CH" smtClean="0"/>
-              <a:t>30.03.2024</a:t>
+              <a:t>02.04.2024</a:t>
             </a:fld>
             <a:endParaRPr lang="de-CH"/>
           </a:p>
@@ -971,6 +1333,22 @@
   <p:clrMapOvr>
     <a:masterClrMapping/>
   </p:clrMapOvr>
+  <p:extLst>
+    <p:ext uri="{DCECCB84-F9BA-43D5-87BE-67443E8EF086}">
+      <p15:sldGuideLst xmlns:p15="http://schemas.microsoft.com/office/powerpoint/2012/main">
+        <p15:guide id="1" orient="horz" pos="2160" userDrawn="1">
+          <p15:clr>
+            <a:srgbClr val="FBAE40"/>
+          </p15:clr>
+        </p15:guide>
+        <p15:guide id="2" pos="3840" userDrawn="1">
+          <p15:clr>
+            <a:srgbClr val="FBAE40"/>
+          </p15:clr>
+        </p15:guide>
+      </p15:sldGuideLst>
+    </p:ext>
+  </p:extLst>
 </p:sldLayout>
 </file>
 
@@ -1175,9 +1553,9 @@
           <a:bodyPr/>
           <a:lstStyle/>
           <a:p>
-            <a:fld id="{AC48E7B0-EC00-4138-BD16-7BD5FD72E830}" type="datetimeFigureOut">
+            <a:fld id="{85E4668A-1C27-4EB1-BAFF-A62D3349D197}" type="datetime1">
               <a:rPr lang="de-CH" smtClean="0"/>
-              <a:t>30.03.2024</a:t>
+              <a:t>02.04.2024</a:t>
             </a:fld>
             <a:endParaRPr lang="de-CH"/>
           </a:p>
@@ -1443,9 +1821,9 @@
           <a:bodyPr/>
           <a:lstStyle/>
           <a:p>
-            <a:fld id="{AC48E7B0-EC00-4138-BD16-7BD5FD72E830}" type="datetimeFigureOut">
+            <a:fld id="{CA33B258-3B92-42BA-9B85-EA6232CDD6A2}" type="datetime1">
               <a:rPr lang="de-CH" smtClean="0"/>
-              <a:t>30.03.2024</a:t>
+              <a:t>02.04.2024</a:t>
             </a:fld>
             <a:endParaRPr lang="de-CH"/>
           </a:p>
@@ -1858,9 +2236,9 @@
           <a:bodyPr/>
           <a:lstStyle/>
           <a:p>
-            <a:fld id="{AC48E7B0-EC00-4138-BD16-7BD5FD72E830}" type="datetimeFigureOut">
+            <a:fld id="{094180E7-6074-41E3-AAD7-AE8269F13D35}" type="datetime1">
               <a:rPr lang="de-CH" smtClean="0"/>
-              <a:t>30.03.2024</a:t>
+              <a:t>02.04.2024</a:t>
             </a:fld>
             <a:endParaRPr lang="de-CH"/>
           </a:p>
@@ -2000,9 +2378,9 @@
           <a:bodyPr/>
           <a:lstStyle/>
           <a:p>
-            <a:fld id="{AC48E7B0-EC00-4138-BD16-7BD5FD72E830}" type="datetimeFigureOut">
+            <a:fld id="{4E580725-939A-4032-91AA-1130D331B466}" type="datetime1">
               <a:rPr lang="de-CH" smtClean="0"/>
-              <a:t>30.03.2024</a:t>
+              <a:t>02.04.2024</a:t>
             </a:fld>
             <a:endParaRPr lang="de-CH"/>
           </a:p>
@@ -2113,9 +2491,9 @@
           <a:bodyPr/>
           <a:lstStyle/>
           <a:p>
-            <a:fld id="{AC48E7B0-EC00-4138-BD16-7BD5FD72E830}" type="datetimeFigureOut">
+            <a:fld id="{713AC88D-89D9-4A31-AA9D-0A1B491A6F79}" type="datetime1">
               <a:rPr lang="de-CH" smtClean="0"/>
-              <a:t>30.03.2024</a:t>
+              <a:t>02.04.2024</a:t>
             </a:fld>
             <a:endParaRPr lang="de-CH"/>
           </a:p>
@@ -2426,9 +2804,9 @@
           <a:bodyPr/>
           <a:lstStyle/>
           <a:p>
-            <a:fld id="{AC48E7B0-EC00-4138-BD16-7BD5FD72E830}" type="datetimeFigureOut">
+            <a:fld id="{B527A2A9-3C12-4894-B32B-2D82EBAAC609}" type="datetime1">
               <a:rPr lang="de-CH" smtClean="0"/>
-              <a:t>30.03.2024</a:t>
+              <a:t>02.04.2024</a:t>
             </a:fld>
             <a:endParaRPr lang="de-CH"/>
           </a:p>
@@ -2715,9 +3093,9 @@
           <a:bodyPr/>
           <a:lstStyle/>
           <a:p>
-            <a:fld id="{AC48E7B0-EC00-4138-BD16-7BD5FD72E830}" type="datetimeFigureOut">
+            <a:fld id="{BEFCB01E-2A41-4A6F-892D-4F257555E61F}" type="datetime1">
               <a:rPr lang="de-CH" smtClean="0"/>
-              <a:t>30.03.2024</a:t>
+              <a:t>02.04.2024</a:t>
             </a:fld>
             <a:endParaRPr lang="de-CH"/>
           </a:p>
@@ -2973,9 +3351,9 @@
             </a:lvl1pPr>
           </a:lstStyle>
           <a:p>
-            <a:fld id="{AC48E7B0-EC00-4138-BD16-7BD5FD72E830}" type="datetimeFigureOut">
+            <a:fld id="{BC6FB5C0-F549-4606-B4DB-828B69281519}" type="datetime1">
               <a:rPr lang="de-CH" smtClean="0"/>
-              <a:t>30.03.2024</a:t>
+              <a:t>02.04.2024</a:t>
             </a:fld>
             <a:endParaRPr lang="de-CH"/>
           </a:p>
@@ -3053,21 +3431,16 @@
           <a:bodyPr vert="horz" lIns="91440" tIns="45720" rIns="91440" bIns="45720" rtlCol="0" anchor="ctr"/>
           <a:lstStyle>
             <a:lvl1pPr algn="r">
-              <a:defRPr sz="1200">
-                <a:solidFill>
-                  <a:schemeClr val="tx1">
-                    <a:tint val="82000"/>
-                  </a:schemeClr>
-                </a:solidFill>
-              </a:defRPr>
+              <a:defRPr lang="de-CH" sz="1400" b="1" smtClean="0"/>
             </a:lvl1pPr>
           </a:lstStyle>
           <a:p>
             <a:fld id="{6CC38E0F-6087-4576-8364-C865CA5816FE}" type="slidenum">
               <a:rPr lang="de-CH" smtClean="0"/>
+              <a:pPr/>
               <a:t>‹Nr.›</a:t>
             </a:fld>
-            <a:endParaRPr lang="de-CH"/>
+            <a:endParaRPr lang="de-CH" dirty="0"/>
           </a:p>
         </p:txBody>
       </p:sp>
@@ -3092,6 +3465,7 @@
     <p:sldLayoutId id="2147483658" r:id="rId10"/>
     <p:sldLayoutId id="2147483659" r:id="rId11"/>
   </p:sldLayoutIdLst>
+  <p:hf hdr="0" ftr="0" dt="0"/>
   <p:txStyles>
     <p:titleStyle>
       <a:lvl1pPr algn="l" defTabSz="914400" rtl="0" eaLnBrk="1" latinLnBrk="0" hangingPunct="1">
@@ -3372,6 +3746,22 @@
       </a:lvl9pPr>
     </p:otherStyle>
   </p:txStyles>
+  <p:extLst>
+    <p:ext uri="{27BBF7A9-308A-43DC-89C8-2F10F3537804}">
+      <p15:sldGuideLst xmlns:p15="http://schemas.microsoft.com/office/powerpoint/2012/main">
+        <p15:guide id="1" orient="horz" pos="2160" userDrawn="1">
+          <p15:clr>
+            <a:srgbClr val="F26B43"/>
+          </p15:clr>
+        </p15:guide>
+        <p15:guide id="2" pos="3840" userDrawn="1">
+          <p15:clr>
+            <a:srgbClr val="F26B43"/>
+          </p15:clr>
+        </p15:guide>
+      </p15:sldGuideLst>
+    </p:ext>
+  </p:extLst>
 </p:sldMaster>
 </file>
 
@@ -6097,6 +6487,35 @@
           </a:p>
         </p:txBody>
       </p:sp>
+      <p:sp>
+        <p:nvSpPr>
+          <p:cNvPr id="2" name="Foliennummernplatzhalter 1">
+            <a:extLst>
+              <a:ext uri="{FF2B5EF4-FFF2-40B4-BE49-F238E27FC236}">
+                <a16:creationId xmlns:a16="http://schemas.microsoft.com/office/drawing/2014/main" id="{2C5E0C80-24E1-B4D9-9659-FEC1C6A71AB0}"/>
+              </a:ext>
+            </a:extLst>
+          </p:cNvPr>
+          <p:cNvSpPr>
+            <a:spLocks noGrp="1"/>
+          </p:cNvSpPr>
+          <p:nvPr>
+            <p:ph type="sldNum" sz="quarter" idx="12"/>
+          </p:nvPr>
+        </p:nvSpPr>
+        <p:spPr/>
+        <p:txBody>
+          <a:bodyPr/>
+          <a:lstStyle/>
+          <a:p>
+            <a:fld id="{6CC38E0F-6087-4576-8364-C865CA5816FE}" type="slidenum">
+              <a:rPr lang="de-CH" smtClean="0"/>
+              <a:t>2</a:t>
+            </a:fld>
+            <a:endParaRPr lang="de-CH"/>
+          </a:p>
+        </p:txBody>
+      </p:sp>
     </p:spTree>
     <p:extLst>
       <p:ext uri="{BB962C8B-B14F-4D97-AF65-F5344CB8AC3E}">
@@ -6107,13 +6526,13 @@
   <p:clrMapOvr>
     <a:masterClrMapping/>
   </p:clrMapOvr>
-  <mc:AlternateContent xmlns:mc="http://schemas.openxmlformats.org/markup-compatibility/2006">
-    <mc:Choice xmlns:p159="http://schemas.microsoft.com/office/powerpoint/2015/09/main" Requires="p159">
+  <mc:AlternateContent xmlns:mc="http://schemas.openxmlformats.org/markup-compatibility/2006" xmlns:p159="http://schemas.microsoft.com/office/powerpoint/2015/09/main">
+    <mc:Choice Requires="p159">
       <p:transition xmlns:p14="http://schemas.microsoft.com/office/powerpoint/2010/main" spd="slow" p14:dur="2000">
         <p159:morph option="byObject"/>
       </p:transition>
     </mc:Choice>
-    <mc:Fallback>
+    <mc:Fallback xmlns="">
       <p:transition spd="slow">
         <p:fade/>
       </p:transition>
@@ -8170,6 +8589,35 @@
           </a:p>
         </p:txBody>
       </p:sp>
+      <p:sp>
+        <p:nvSpPr>
+          <p:cNvPr id="19" name="Foliennummernplatzhalter 18">
+            <a:extLst>
+              <a:ext uri="{FF2B5EF4-FFF2-40B4-BE49-F238E27FC236}">
+                <a16:creationId xmlns:a16="http://schemas.microsoft.com/office/drawing/2014/main" id="{D7313B72-2398-C664-5762-62DF0087DE90}"/>
+              </a:ext>
+            </a:extLst>
+          </p:cNvPr>
+          <p:cNvSpPr>
+            <a:spLocks noGrp="1"/>
+          </p:cNvSpPr>
+          <p:nvPr>
+            <p:ph type="sldNum" sz="quarter" idx="12"/>
+          </p:nvPr>
+        </p:nvSpPr>
+        <p:spPr/>
+        <p:txBody>
+          <a:bodyPr/>
+          <a:lstStyle/>
+          <a:p>
+            <a:fld id="{6CC38E0F-6087-4576-8364-C865CA5816FE}" type="slidenum">
+              <a:rPr lang="de-CH" smtClean="0"/>
+              <a:t>3</a:t>
+            </a:fld>
+            <a:endParaRPr lang="de-CH"/>
+          </a:p>
+        </p:txBody>
+      </p:sp>
     </p:spTree>
     <p:extLst>
       <p:ext uri="{BB962C8B-B14F-4D97-AF65-F5344CB8AC3E}">
@@ -8180,13 +8628,13 @@
   <p:clrMapOvr>
     <a:masterClrMapping/>
   </p:clrMapOvr>
-  <mc:AlternateContent xmlns:mc="http://schemas.openxmlformats.org/markup-compatibility/2006">
-    <mc:Choice xmlns:p159="http://schemas.microsoft.com/office/powerpoint/2015/09/main" Requires="p159">
+  <mc:AlternateContent xmlns:mc="http://schemas.openxmlformats.org/markup-compatibility/2006" xmlns:p159="http://schemas.microsoft.com/office/powerpoint/2015/09/main">
+    <mc:Choice Requires="p159">
       <p:transition xmlns:p14="http://schemas.microsoft.com/office/powerpoint/2010/main" spd="slow" p14:dur="2000">
         <p159:morph option="byObject"/>
       </p:transition>
     </mc:Choice>
-    <mc:Fallback>
+    <mc:Fallback xmlns="">
       <p:transition spd="slow">
         <p:fade/>
       </p:transition>
@@ -8832,56 +9280,6 @@
       </p:grpSpPr>
       <p:sp>
         <p:nvSpPr>
-          <p:cNvPr id="2" name="Titel 1">
-            <a:extLst>
-              <a:ext uri="{FF2B5EF4-FFF2-40B4-BE49-F238E27FC236}">
-                <a16:creationId xmlns:a16="http://schemas.microsoft.com/office/drawing/2014/main" id="{FF534EB4-C1BD-72A2-055F-B56CD43994D3}"/>
-              </a:ext>
-            </a:extLst>
-          </p:cNvPr>
-          <p:cNvSpPr>
-            <a:spLocks noGrp="1"/>
-          </p:cNvSpPr>
-          <p:nvPr>
-            <p:ph type="title"/>
-          </p:nvPr>
-        </p:nvSpPr>
-        <p:spPr/>
-        <p:txBody>
-          <a:bodyPr/>
-          <a:lstStyle/>
-          <a:p>
-            <a:endParaRPr lang="de-CH" dirty="0"/>
-          </a:p>
-        </p:txBody>
-      </p:sp>
-      <p:sp>
-        <p:nvSpPr>
-          <p:cNvPr id="3" name="Inhaltsplatzhalter 2">
-            <a:extLst>
-              <a:ext uri="{FF2B5EF4-FFF2-40B4-BE49-F238E27FC236}">
-                <a16:creationId xmlns:a16="http://schemas.microsoft.com/office/drawing/2014/main" id="{9DD252F4-E30B-1561-E14E-74B9DB697713}"/>
-              </a:ext>
-            </a:extLst>
-          </p:cNvPr>
-          <p:cNvSpPr>
-            <a:spLocks noGrp="1"/>
-          </p:cNvSpPr>
-          <p:nvPr>
-            <p:ph idx="1"/>
-          </p:nvPr>
-        </p:nvSpPr>
-        <p:spPr/>
-        <p:txBody>
-          <a:bodyPr/>
-          <a:lstStyle/>
-          <a:p>
-            <a:endParaRPr lang="de-CH"/>
-          </a:p>
-        </p:txBody>
-      </p:sp>
-      <p:sp>
-        <p:nvSpPr>
           <p:cNvPr id="4" name="Rechteck 3">
             <a:extLst>
               <a:ext uri="{FF2B5EF4-FFF2-40B4-BE49-F238E27FC236}">
@@ -9765,6 +10163,174 @@
                 <a:schemeClr val="bg1"/>
               </a:solidFill>
             </a:endParaRPr>
+          </a:p>
+        </p:txBody>
+      </p:sp>
+      <p:sp>
+        <p:nvSpPr>
+          <p:cNvPr id="12" name="Foliennummernplatzhalter 11">
+            <a:extLst>
+              <a:ext uri="{FF2B5EF4-FFF2-40B4-BE49-F238E27FC236}">
+                <a16:creationId xmlns:a16="http://schemas.microsoft.com/office/drawing/2014/main" id="{F4B80C09-3B7E-2E25-BCC8-E5D675B4964E}"/>
+              </a:ext>
+            </a:extLst>
+          </p:cNvPr>
+          <p:cNvSpPr>
+            <a:spLocks noGrp="1"/>
+          </p:cNvSpPr>
+          <p:nvPr>
+            <p:ph type="sldNum" sz="quarter" idx="12"/>
+          </p:nvPr>
+        </p:nvSpPr>
+        <p:spPr/>
+        <p:txBody>
+          <a:bodyPr/>
+          <a:lstStyle/>
+          <a:p>
+            <a:fld id="{6CC38E0F-6087-4576-8364-C865CA5816FE}" type="slidenum">
+              <a:rPr lang="de-CH" smtClean="0"/>
+              <a:t>4</a:t>
+            </a:fld>
+            <a:endParaRPr lang="de-CH"/>
+          </a:p>
+        </p:txBody>
+      </p:sp>
+      <p:pic>
+        <p:nvPicPr>
+          <p:cNvPr id="3" name="Grafik 2">
+            <a:extLst>
+              <a:ext uri="{FF2B5EF4-FFF2-40B4-BE49-F238E27FC236}">
+                <a16:creationId xmlns:a16="http://schemas.microsoft.com/office/drawing/2014/main" id="{0685CED8-C976-DC4F-CF35-10208327FBAC}"/>
+              </a:ext>
+            </a:extLst>
+          </p:cNvPr>
+          <p:cNvPicPr>
+            <a:picLocks noChangeAspect="1"/>
+          </p:cNvPicPr>
+          <p:nvPr/>
+        </p:nvPicPr>
+        <p:blipFill rotWithShape="1">
+          <a:blip r:embed="rId14"/>
+          <a:srcRect l="2692"/>
+          <a:stretch/>
+        </p:blipFill>
+        <p:spPr>
+          <a:xfrm>
+            <a:off x="2977939" y="647711"/>
+            <a:ext cx="8264074" cy="3243190"/>
+          </a:xfrm>
+          <a:prstGeom prst="rect">
+            <a:avLst/>
+          </a:prstGeom>
+        </p:spPr>
+      </p:pic>
+      <p:sp>
+        <p:nvSpPr>
+          <p:cNvPr id="20" name="Ellipse 19">
+            <a:extLst>
+              <a:ext uri="{FF2B5EF4-FFF2-40B4-BE49-F238E27FC236}">
+                <a16:creationId xmlns:a16="http://schemas.microsoft.com/office/drawing/2014/main" id="{A9437325-4330-FB4A-083F-F28FF13D0915}"/>
+              </a:ext>
+            </a:extLst>
+          </p:cNvPr>
+          <p:cNvSpPr/>
+          <p:nvPr/>
+        </p:nvSpPr>
+        <p:spPr>
+          <a:xfrm>
+            <a:off x="5994069" y="2184495"/>
+            <a:ext cx="319632" cy="319632"/>
+          </a:xfrm>
+          <a:prstGeom prst="ellipse">
+            <a:avLst/>
+          </a:prstGeom>
+          <a:solidFill>
+            <a:srgbClr val="773341"/>
+          </a:solidFill>
+          <a:ln>
+            <a:noFill/>
+          </a:ln>
+        </p:spPr>
+        <p:style>
+          <a:lnRef idx="2">
+            <a:schemeClr val="accent1">
+              <a:shade val="15000"/>
+            </a:schemeClr>
+          </a:lnRef>
+          <a:fillRef idx="1">
+            <a:schemeClr val="accent1"/>
+          </a:fillRef>
+          <a:effectRef idx="0">
+            <a:schemeClr val="accent1"/>
+          </a:effectRef>
+          <a:fontRef idx="minor">
+            <a:schemeClr val="lt1"/>
+          </a:fontRef>
+        </p:style>
+        <p:txBody>
+          <a:bodyPr rtlCol="0" anchor="ctr"/>
+          <a:lstStyle/>
+          <a:p>
+            <a:pPr algn="ctr"/>
+            <a:r>
+              <a:rPr lang="de-CH" sz="2400" dirty="0"/>
+              <a:t>A</a:t>
+            </a:r>
+          </a:p>
+        </p:txBody>
+      </p:sp>
+      <p:sp>
+        <p:nvSpPr>
+          <p:cNvPr id="24" name="Ellipse 23">
+            <a:extLst>
+              <a:ext uri="{FF2B5EF4-FFF2-40B4-BE49-F238E27FC236}">
+                <a16:creationId xmlns:a16="http://schemas.microsoft.com/office/drawing/2014/main" id="{29F74324-B6EC-5C47-085F-1DD3B669146E}"/>
+              </a:ext>
+            </a:extLst>
+          </p:cNvPr>
+          <p:cNvSpPr/>
+          <p:nvPr/>
+        </p:nvSpPr>
+        <p:spPr>
+          <a:xfrm>
+            <a:off x="5994069" y="2596555"/>
+            <a:ext cx="319632" cy="319632"/>
+          </a:xfrm>
+          <a:prstGeom prst="ellipse">
+            <a:avLst/>
+          </a:prstGeom>
+          <a:solidFill>
+            <a:srgbClr val="773341"/>
+          </a:solidFill>
+          <a:ln>
+            <a:noFill/>
+          </a:ln>
+        </p:spPr>
+        <p:style>
+          <a:lnRef idx="2">
+            <a:schemeClr val="accent1">
+              <a:shade val="15000"/>
+            </a:schemeClr>
+          </a:lnRef>
+          <a:fillRef idx="1">
+            <a:schemeClr val="accent1"/>
+          </a:fillRef>
+          <a:effectRef idx="0">
+            <a:schemeClr val="accent1"/>
+          </a:effectRef>
+          <a:fontRef idx="minor">
+            <a:schemeClr val="lt1"/>
+          </a:fontRef>
+        </p:style>
+        <p:txBody>
+          <a:bodyPr rtlCol="0" anchor="ctr"/>
+          <a:lstStyle/>
+          <a:p>
+            <a:pPr algn="ctr"/>
+            <a:r>
+              <a:rPr lang="de-CH" sz="2400" dirty="0"/>
+              <a:t>T</a:t>
+            </a:r>
           </a:p>
         </p:txBody>
       </p:sp>
@@ -10094,4 +10660,319 @@
     </a:ext>
   </a:extLst>
 </a:theme>
+</file>
+
+<file path=ppt/theme/theme2.xml><?xml version="1.0" encoding="utf-8"?>
+<a:theme xmlns:a="http://schemas.openxmlformats.org/drawingml/2006/main" name="Office">
+  <a:themeElements>
+    <a:clrScheme name="Office">
+      <a:dk1>
+        <a:sysClr val="windowText" lastClr="000000"/>
+      </a:dk1>
+      <a:lt1>
+        <a:sysClr val="window" lastClr="FFFFFF"/>
+      </a:lt1>
+      <a:dk2>
+        <a:srgbClr val="0E2841"/>
+      </a:dk2>
+      <a:lt2>
+        <a:srgbClr val="E8E8E8"/>
+      </a:lt2>
+      <a:accent1>
+        <a:srgbClr val="156082"/>
+      </a:accent1>
+      <a:accent2>
+        <a:srgbClr val="E97132"/>
+      </a:accent2>
+      <a:accent3>
+        <a:srgbClr val="196B24"/>
+      </a:accent3>
+      <a:accent4>
+        <a:srgbClr val="0F9ED5"/>
+      </a:accent4>
+      <a:accent5>
+        <a:srgbClr val="A02B93"/>
+      </a:accent5>
+      <a:accent6>
+        <a:srgbClr val="4EA72E"/>
+      </a:accent6>
+      <a:hlink>
+        <a:srgbClr val="467886"/>
+      </a:hlink>
+      <a:folHlink>
+        <a:srgbClr val="96607D"/>
+      </a:folHlink>
+    </a:clrScheme>
+    <a:fontScheme name="Office">
+      <a:majorFont>
+        <a:latin typeface="Aptos Display" panose="02110004020202020204"/>
+        <a:ea typeface=""/>
+        <a:cs typeface=""/>
+        <a:font script="Jpan" typeface="游ゴシック Light"/>
+        <a:font script="Hang" typeface="맑은 고딕"/>
+        <a:font script="Hans" typeface="等线 Light"/>
+        <a:font script="Hant" typeface="新細明體"/>
+        <a:font script="Arab" typeface="Times New Roman"/>
+        <a:font script="Hebr" typeface="Times New Roman"/>
+        <a:font script="Thai" typeface="Angsana New"/>
+        <a:font script="Ethi" typeface="Nyala"/>
+        <a:font script="Beng" typeface="Vrinda"/>
+        <a:font script="Gujr" typeface="Shruti"/>
+        <a:font script="Khmr" typeface="MoolBoran"/>
+        <a:font script="Knda" typeface="Tunga"/>
+        <a:font script="Guru" typeface="Raavi"/>
+        <a:font script="Cans" typeface="Euphemia"/>
+        <a:font script="Cher" typeface="Plantagenet Cherokee"/>
+        <a:font script="Yiii" typeface="Microsoft Yi Baiti"/>
+        <a:font script="Tibt" typeface="Microsoft Himalaya"/>
+        <a:font script="Thaa" typeface="MV Boli"/>
+        <a:font script="Deva" typeface="Mangal"/>
+        <a:font script="Telu" typeface="Gautami"/>
+        <a:font script="Taml" typeface="Latha"/>
+        <a:font script="Syrc" typeface="Estrangelo Edessa"/>
+        <a:font script="Orya" typeface="Kalinga"/>
+        <a:font script="Mlym" typeface="Kartika"/>
+        <a:font script="Laoo" typeface="DokChampa"/>
+        <a:font script="Sinh" typeface="Iskoola Pota"/>
+        <a:font script="Mong" typeface="Mongolian Baiti"/>
+        <a:font script="Viet" typeface="Times New Roman"/>
+        <a:font script="Uigh" typeface="Microsoft Uighur"/>
+        <a:font script="Geor" typeface="Sylfaen"/>
+        <a:font script="Armn" typeface="Arial"/>
+        <a:font script="Bugi" typeface="Leelawadee UI"/>
+        <a:font script="Bopo" typeface="Microsoft JhengHei"/>
+        <a:font script="Java" typeface="Javanese Text"/>
+        <a:font script="Lisu" typeface="Segoe UI"/>
+        <a:font script="Mymr" typeface="Myanmar Text"/>
+        <a:font script="Nkoo" typeface="Ebrima"/>
+        <a:font script="Olck" typeface="Nirmala UI"/>
+        <a:font script="Osma" typeface="Ebrima"/>
+        <a:font script="Phag" typeface="Phagspa"/>
+        <a:font script="Syrn" typeface="Estrangelo Edessa"/>
+        <a:font script="Syrj" typeface="Estrangelo Edessa"/>
+        <a:font script="Syre" typeface="Estrangelo Edessa"/>
+        <a:font script="Sora" typeface="Nirmala UI"/>
+        <a:font script="Tale" typeface="Microsoft Tai Le"/>
+        <a:font script="Talu" typeface="Microsoft New Tai Lue"/>
+        <a:font script="Tfng" typeface="Ebrima"/>
+      </a:majorFont>
+      <a:minorFont>
+        <a:latin typeface="Aptos" panose="02110004020202020204"/>
+        <a:ea typeface=""/>
+        <a:cs typeface=""/>
+        <a:font script="Jpan" typeface="游ゴシック"/>
+        <a:font script="Hang" typeface="맑은 고딕"/>
+        <a:font script="Hans" typeface="等线"/>
+        <a:font script="Hant" typeface="新細明體"/>
+        <a:font script="Arab" typeface="Arial"/>
+        <a:font script="Hebr" typeface="Arial"/>
+        <a:font script="Thai" typeface="Cordia New"/>
+        <a:font script="Ethi" typeface="Nyala"/>
+        <a:font script="Beng" typeface="Vrinda"/>
+        <a:font script="Gujr" typeface="Shruti"/>
+        <a:font script="Khmr" typeface="DaunPenh"/>
+        <a:font script="Knda" typeface="Tunga"/>
+        <a:font script="Guru" typeface="Raavi"/>
+        <a:font script="Cans" typeface="Euphemia"/>
+        <a:font script="Cher" typeface="Plantagenet Cherokee"/>
+        <a:font script="Yiii" typeface="Microsoft Yi Baiti"/>
+        <a:font script="Tibt" typeface="Microsoft Himalaya"/>
+        <a:font script="Thaa" typeface="MV Boli"/>
+        <a:font script="Deva" typeface="Mangal"/>
+        <a:font script="Telu" typeface="Gautami"/>
+        <a:font script="Taml" typeface="Latha"/>
+        <a:font script="Syrc" typeface="Estrangelo Edessa"/>
+        <a:font script="Orya" typeface="Kalinga"/>
+        <a:font script="Mlym" typeface="Kartika"/>
+        <a:font script="Laoo" typeface="DokChampa"/>
+        <a:font script="Sinh" typeface="Iskoola Pota"/>
+        <a:font script="Mong" typeface="Mongolian Baiti"/>
+        <a:font script="Viet" typeface="Arial"/>
+        <a:font script="Uigh" typeface="Microsoft Uighur"/>
+        <a:font script="Geor" typeface="Sylfaen"/>
+        <a:font script="Armn" typeface="Arial"/>
+        <a:font script="Bugi" typeface="Leelawadee UI"/>
+        <a:font script="Bopo" typeface="Microsoft JhengHei"/>
+        <a:font script="Java" typeface="Javanese Text"/>
+        <a:font script="Lisu" typeface="Segoe UI"/>
+        <a:font script="Mymr" typeface="Myanmar Text"/>
+        <a:font script="Nkoo" typeface="Ebrima"/>
+        <a:font script="Olck" typeface="Nirmala UI"/>
+        <a:font script="Osma" typeface="Ebrima"/>
+        <a:font script="Phag" typeface="Phagspa"/>
+        <a:font script="Syrn" typeface="Estrangelo Edessa"/>
+        <a:font script="Syrj" typeface="Estrangelo Edessa"/>
+        <a:font script="Syre" typeface="Estrangelo Edessa"/>
+        <a:font script="Sora" typeface="Nirmala UI"/>
+        <a:font script="Tale" typeface="Microsoft Tai Le"/>
+        <a:font script="Talu" typeface="Microsoft New Tai Lue"/>
+        <a:font script="Tfng" typeface="Ebrima"/>
+      </a:minorFont>
+    </a:fontScheme>
+    <a:fmtScheme name="Office">
+      <a:fillStyleLst>
+        <a:solidFill>
+          <a:schemeClr val="phClr"/>
+        </a:solidFill>
+        <a:gradFill rotWithShape="1">
+          <a:gsLst>
+            <a:gs pos="0">
+              <a:schemeClr val="phClr">
+                <a:lumMod val="110000"/>
+                <a:satMod val="105000"/>
+                <a:tint val="67000"/>
+              </a:schemeClr>
+            </a:gs>
+            <a:gs pos="50000">
+              <a:schemeClr val="phClr">
+                <a:lumMod val="105000"/>
+                <a:satMod val="103000"/>
+                <a:tint val="73000"/>
+              </a:schemeClr>
+            </a:gs>
+            <a:gs pos="100000">
+              <a:schemeClr val="phClr">
+                <a:lumMod val="105000"/>
+                <a:satMod val="109000"/>
+                <a:tint val="81000"/>
+              </a:schemeClr>
+            </a:gs>
+          </a:gsLst>
+          <a:lin ang="5400000" scaled="0"/>
+        </a:gradFill>
+        <a:gradFill rotWithShape="1">
+          <a:gsLst>
+            <a:gs pos="0">
+              <a:schemeClr val="phClr">
+                <a:satMod val="103000"/>
+                <a:lumMod val="102000"/>
+                <a:tint val="94000"/>
+              </a:schemeClr>
+            </a:gs>
+            <a:gs pos="50000">
+              <a:schemeClr val="phClr">
+                <a:satMod val="110000"/>
+                <a:lumMod val="100000"/>
+                <a:shade val="100000"/>
+              </a:schemeClr>
+            </a:gs>
+            <a:gs pos="100000">
+              <a:schemeClr val="phClr">
+                <a:lumMod val="99000"/>
+                <a:satMod val="120000"/>
+                <a:shade val="78000"/>
+              </a:schemeClr>
+            </a:gs>
+          </a:gsLst>
+          <a:lin ang="5400000" scaled="0"/>
+        </a:gradFill>
+      </a:fillStyleLst>
+      <a:lnStyleLst>
+        <a:ln w="12700" cap="flat" cmpd="sng" algn="ctr">
+          <a:solidFill>
+            <a:schemeClr val="phClr"/>
+          </a:solidFill>
+          <a:prstDash val="solid"/>
+          <a:miter lim="800000"/>
+        </a:ln>
+        <a:ln w="19050" cap="flat" cmpd="sng" algn="ctr">
+          <a:solidFill>
+            <a:schemeClr val="phClr"/>
+          </a:solidFill>
+          <a:prstDash val="solid"/>
+          <a:miter lim="800000"/>
+        </a:ln>
+        <a:ln w="25400" cap="flat" cmpd="sng" algn="ctr">
+          <a:solidFill>
+            <a:schemeClr val="phClr"/>
+          </a:solidFill>
+          <a:prstDash val="solid"/>
+          <a:miter lim="800000"/>
+        </a:ln>
+      </a:lnStyleLst>
+      <a:effectStyleLst>
+        <a:effectStyle>
+          <a:effectLst/>
+        </a:effectStyle>
+        <a:effectStyle>
+          <a:effectLst/>
+        </a:effectStyle>
+        <a:effectStyle>
+          <a:effectLst>
+            <a:outerShdw blurRad="57150" dist="19050" dir="5400000" algn="ctr" rotWithShape="0">
+              <a:srgbClr val="000000">
+                <a:alpha val="63000"/>
+              </a:srgbClr>
+            </a:outerShdw>
+          </a:effectLst>
+        </a:effectStyle>
+      </a:effectStyleLst>
+      <a:bgFillStyleLst>
+        <a:solidFill>
+          <a:schemeClr val="phClr"/>
+        </a:solidFill>
+        <a:solidFill>
+          <a:schemeClr val="phClr">
+            <a:tint val="95000"/>
+            <a:satMod val="170000"/>
+          </a:schemeClr>
+        </a:solidFill>
+        <a:gradFill rotWithShape="1">
+          <a:gsLst>
+            <a:gs pos="0">
+              <a:schemeClr val="phClr">
+                <a:tint val="93000"/>
+                <a:satMod val="150000"/>
+                <a:shade val="98000"/>
+                <a:lumMod val="102000"/>
+              </a:schemeClr>
+            </a:gs>
+            <a:gs pos="50000">
+              <a:schemeClr val="phClr">
+                <a:tint val="98000"/>
+                <a:satMod val="130000"/>
+                <a:shade val="90000"/>
+                <a:lumMod val="103000"/>
+              </a:schemeClr>
+            </a:gs>
+            <a:gs pos="100000">
+              <a:schemeClr val="phClr">
+                <a:shade val="63000"/>
+                <a:satMod val="120000"/>
+              </a:schemeClr>
+            </a:gs>
+          </a:gsLst>
+          <a:lin ang="5400000" scaled="0"/>
+        </a:gradFill>
+      </a:bgFillStyleLst>
+    </a:fmtScheme>
+  </a:themeElements>
+  <a:objectDefaults>
+    <a:lnDef>
+      <a:spPr/>
+      <a:bodyPr/>
+      <a:lstStyle/>
+      <a:style>
+        <a:lnRef idx="2">
+          <a:schemeClr val="accent1"/>
+        </a:lnRef>
+        <a:fillRef idx="0">
+          <a:schemeClr val="accent1"/>
+        </a:fillRef>
+        <a:effectRef idx="1">
+          <a:schemeClr val="accent1"/>
+        </a:effectRef>
+        <a:fontRef idx="minor">
+          <a:schemeClr val="tx1"/>
+        </a:fontRef>
+      </a:style>
+    </a:lnDef>
+  </a:objectDefaults>
+  <a:extraClrSchemeLst/>
+  <a:extLst>
+    <a:ext uri="{05A4C25C-085E-4340-85A3-A5531E510DB2}">
+      <thm15:themeFamily xmlns:thm15="http://schemas.microsoft.com/office/thememl/2012/main" name="Office Theme" id="{2E142A2C-CD16-42D6-873A-C26D2A0506FA}" vid="{1BDDFF52-6CD6-40A5-AB3C-68EB2F1E4D0A}"/>
+    </a:ext>
+  </a:extLst>
+</a:theme>
 </file>